--- a/13_Moby_Crea/Documentation_Moby_Figures.pptx
+++ b/13_Moby_Crea/Documentation_Moby_Figures.pptx
@@ -5,14 +5,15 @@
     <p:sldMasterId id="2147483648" r:id="rId1"/>
   </p:sldMasterIdLst>
   <p:notesMasterIdLst>
-    <p:notesMasterId r:id="rId7"/>
+    <p:notesMasterId r:id="rId8"/>
   </p:notesMasterIdLst>
   <p:sldIdLst>
     <p:sldId id="256" r:id="rId2"/>
     <p:sldId id="257" r:id="rId3"/>
     <p:sldId id="264" r:id="rId4"/>
     <p:sldId id="262" r:id="rId5"/>
-    <p:sldId id="263" r:id="rId6"/>
+    <p:sldId id="265" r:id="rId6"/>
+    <p:sldId id="263" r:id="rId7"/>
   </p:sldIdLst>
   <p:sldSz cx="9144000" cy="6858000" type="screen4x3"/>
   <p:notesSz cx="6858000" cy="9144000"/>
@@ -18490,6 +18491,3292 @@
           <a:chExt cx="0" cy="0"/>
         </a:xfrm>
       </p:grpSpPr>
+      <p:cxnSp>
+        <p:nvCxnSpPr>
+          <p:cNvPr id="96" name="Connecteur droit 95">
+            <a:extLst>
+              <a:ext uri="{FF2B5EF4-FFF2-40B4-BE49-F238E27FC236}">
+                <a16:creationId xmlns:a16="http://schemas.microsoft.com/office/drawing/2014/main" id="{F9855A49-32BF-09C8-5276-F3853CDC9092}"/>
+              </a:ext>
+            </a:extLst>
+          </p:cNvPr>
+          <p:cNvCxnSpPr>
+            <a:cxnSpLocks/>
+          </p:cNvCxnSpPr>
+          <p:nvPr/>
+        </p:nvCxnSpPr>
+        <p:spPr>
+          <a:xfrm>
+            <a:off x="4790176" y="1992654"/>
+            <a:ext cx="1224000" cy="0"/>
+          </a:xfrm>
+          <a:prstGeom prst="line">
+            <a:avLst/>
+          </a:prstGeom>
+          <a:noFill/>
+          <a:ln w="28575">
+            <a:solidFill>
+              <a:srgbClr val="C00000"/>
+            </a:solidFill>
+          </a:ln>
+        </p:spPr>
+        <p:style>
+          <a:lnRef idx="2">
+            <a:schemeClr val="accent1">
+              <a:shade val="50000"/>
+            </a:schemeClr>
+          </a:lnRef>
+          <a:fillRef idx="1">
+            <a:schemeClr val="accent1"/>
+          </a:fillRef>
+          <a:effectRef idx="0">
+            <a:schemeClr val="accent1"/>
+          </a:effectRef>
+          <a:fontRef idx="minor">
+            <a:schemeClr val="lt1"/>
+          </a:fontRef>
+        </p:style>
+      </p:cxnSp>
+      <p:grpSp>
+        <p:nvGrpSpPr>
+          <p:cNvPr id="49" name="Groupe 48">
+            <a:extLst>
+              <a:ext uri="{FF2B5EF4-FFF2-40B4-BE49-F238E27FC236}">
+                <a16:creationId xmlns:a16="http://schemas.microsoft.com/office/drawing/2014/main" id="{50CA51CA-B660-D95F-E086-6D33050B27EF}"/>
+              </a:ext>
+            </a:extLst>
+          </p:cNvPr>
+          <p:cNvGrpSpPr/>
+          <p:nvPr/>
+        </p:nvGrpSpPr>
+        <p:grpSpPr>
+          <a:xfrm>
+            <a:off x="6084168" y="2035146"/>
+            <a:ext cx="1310946" cy="1310946"/>
+            <a:chOff x="4626649" y="5013176"/>
+            <a:chExt cx="900000" cy="900000"/>
+          </a:xfrm>
+        </p:grpSpPr>
+        <p:sp>
+          <p:nvSpPr>
+            <p:cNvPr id="50" name="Ellipse 49">
+              <a:extLst>
+                <a:ext uri="{FF2B5EF4-FFF2-40B4-BE49-F238E27FC236}">
+                  <a16:creationId xmlns:a16="http://schemas.microsoft.com/office/drawing/2014/main" id="{F45E7912-735B-EF71-0C8E-DE16CAF279CD}"/>
+                </a:ext>
+              </a:extLst>
+            </p:cNvPr>
+            <p:cNvSpPr/>
+            <p:nvPr/>
+          </p:nvSpPr>
+          <p:spPr>
+            <a:xfrm>
+              <a:off x="4626649" y="5013176"/>
+              <a:ext cx="900000" cy="900000"/>
+            </a:xfrm>
+            <a:prstGeom prst="ellipse">
+              <a:avLst/>
+            </a:prstGeom>
+            <a:solidFill>
+              <a:schemeClr val="bg1"/>
+            </a:solidFill>
+            <a:ln w="28575">
+              <a:solidFill>
+                <a:schemeClr val="tx1">
+                  <a:lumMod val="50000"/>
+                  <a:lumOff val="50000"/>
+                </a:schemeClr>
+              </a:solidFill>
+            </a:ln>
+          </p:spPr>
+          <p:style>
+            <a:lnRef idx="2">
+              <a:schemeClr val="accent1">
+                <a:shade val="50000"/>
+              </a:schemeClr>
+            </a:lnRef>
+            <a:fillRef idx="1">
+              <a:schemeClr val="accent1"/>
+            </a:fillRef>
+            <a:effectRef idx="0">
+              <a:schemeClr val="accent1"/>
+            </a:effectRef>
+            <a:fontRef idx="minor">
+              <a:schemeClr val="lt1"/>
+            </a:fontRef>
+          </p:style>
+          <p:txBody>
+            <a:bodyPr rtlCol="0" anchor="ctr"/>
+            <a:lstStyle/>
+            <a:p>
+              <a:pPr algn="ctr"/>
+              <a:endParaRPr lang="fr-FR" dirty="0"/>
+            </a:p>
+          </p:txBody>
+        </p:sp>
+        <p:sp>
+          <p:nvSpPr>
+            <p:cNvPr id="51" name="Ellipse 50">
+              <a:extLst>
+                <a:ext uri="{FF2B5EF4-FFF2-40B4-BE49-F238E27FC236}">
+                  <a16:creationId xmlns:a16="http://schemas.microsoft.com/office/drawing/2014/main" id="{2220F891-1134-4AC7-5F3A-DDE0377EEC71}"/>
+                </a:ext>
+              </a:extLst>
+            </p:cNvPr>
+            <p:cNvSpPr/>
+            <p:nvPr/>
+          </p:nvSpPr>
+          <p:spPr>
+            <a:xfrm>
+              <a:off x="5014297" y="5415696"/>
+              <a:ext cx="123575" cy="123575"/>
+            </a:xfrm>
+            <a:prstGeom prst="ellipse">
+              <a:avLst/>
+            </a:prstGeom>
+            <a:solidFill>
+              <a:schemeClr val="bg1"/>
+            </a:solidFill>
+            <a:ln w="28575">
+              <a:solidFill>
+                <a:schemeClr val="tx1">
+                  <a:lumMod val="50000"/>
+                  <a:lumOff val="50000"/>
+                </a:schemeClr>
+              </a:solidFill>
+            </a:ln>
+          </p:spPr>
+          <p:style>
+            <a:lnRef idx="2">
+              <a:schemeClr val="accent1">
+                <a:shade val="50000"/>
+              </a:schemeClr>
+            </a:lnRef>
+            <a:fillRef idx="1">
+              <a:schemeClr val="accent1"/>
+            </a:fillRef>
+            <a:effectRef idx="0">
+              <a:schemeClr val="accent1"/>
+            </a:effectRef>
+            <a:fontRef idx="minor">
+              <a:schemeClr val="lt1"/>
+            </a:fontRef>
+          </p:style>
+          <p:txBody>
+            <a:bodyPr rtlCol="0" anchor="ctr"/>
+            <a:lstStyle/>
+            <a:p>
+              <a:pPr algn="ctr"/>
+              <a:endParaRPr lang="fr-FR" dirty="0"/>
+            </a:p>
+          </p:txBody>
+        </p:sp>
+      </p:grpSp>
+      <p:cxnSp>
+        <p:nvCxnSpPr>
+          <p:cNvPr id="74" name="Connecteur droit 73">
+            <a:extLst>
+              <a:ext uri="{FF2B5EF4-FFF2-40B4-BE49-F238E27FC236}">
+                <a16:creationId xmlns:a16="http://schemas.microsoft.com/office/drawing/2014/main" id="{7ABDDD8A-44F2-79E2-1367-245E980036F7}"/>
+              </a:ext>
+            </a:extLst>
+          </p:cNvPr>
+          <p:cNvCxnSpPr>
+            <a:cxnSpLocks/>
+            <a:stCxn id="59" idx="5"/>
+            <a:endCxn id="75" idx="1"/>
+          </p:cNvCxnSpPr>
+          <p:nvPr/>
+        </p:nvCxnSpPr>
+        <p:spPr>
+          <a:xfrm flipH="1" flipV="1">
+            <a:off x="6668358" y="1835200"/>
+            <a:ext cx="404146" cy="638407"/>
+          </a:xfrm>
+          <a:prstGeom prst="line">
+            <a:avLst/>
+          </a:prstGeom>
+          <a:noFill/>
+          <a:ln w="28575">
+            <a:solidFill>
+              <a:srgbClr val="00B050"/>
+            </a:solidFill>
+          </a:ln>
+        </p:spPr>
+        <p:style>
+          <a:lnRef idx="2">
+            <a:schemeClr val="accent1">
+              <a:shade val="50000"/>
+            </a:schemeClr>
+          </a:lnRef>
+          <a:fillRef idx="1">
+            <a:schemeClr val="accent1"/>
+          </a:fillRef>
+          <a:effectRef idx="0">
+            <a:schemeClr val="accent1"/>
+          </a:effectRef>
+          <a:fontRef idx="minor">
+            <a:schemeClr val="lt1"/>
+          </a:fontRef>
+        </p:style>
+      </p:cxnSp>
+      <p:grpSp>
+        <p:nvGrpSpPr>
+          <p:cNvPr id="24" name="Groupe 23">
+            <a:extLst>
+              <a:ext uri="{FF2B5EF4-FFF2-40B4-BE49-F238E27FC236}">
+                <a16:creationId xmlns:a16="http://schemas.microsoft.com/office/drawing/2014/main" id="{EA6E3646-1278-C307-3BFF-E3B9276DD0B2}"/>
+              </a:ext>
+            </a:extLst>
+          </p:cNvPr>
+          <p:cNvGrpSpPr/>
+          <p:nvPr/>
+        </p:nvGrpSpPr>
+        <p:grpSpPr>
+          <a:xfrm>
+            <a:off x="5201556" y="1772816"/>
+            <a:ext cx="180000" cy="439668"/>
+            <a:chOff x="5201556" y="1772816"/>
+            <a:chExt cx="180000" cy="439668"/>
+          </a:xfrm>
+        </p:grpSpPr>
+        <p:sp>
+          <p:nvSpPr>
+            <p:cNvPr id="14" name="Rectangle 13">
+              <a:extLst>
+                <a:ext uri="{FF2B5EF4-FFF2-40B4-BE49-F238E27FC236}">
+                  <a16:creationId xmlns:a16="http://schemas.microsoft.com/office/drawing/2014/main" id="{40DBAF12-F899-9ADD-0902-8196234FBB98}"/>
+                </a:ext>
+              </a:extLst>
+            </p:cNvPr>
+            <p:cNvSpPr/>
+            <p:nvPr/>
+          </p:nvSpPr>
+          <p:spPr>
+            <a:xfrm rot="16200000">
+              <a:off x="5111556" y="1902654"/>
+              <a:ext cx="360000" cy="180000"/>
+            </a:xfrm>
+            <a:prstGeom prst="rect">
+              <a:avLst/>
+            </a:prstGeom>
+            <a:solidFill>
+              <a:schemeClr val="bg1"/>
+            </a:solidFill>
+            <a:ln w="28575">
+              <a:solidFill>
+                <a:srgbClr val="C00000"/>
+              </a:solidFill>
+            </a:ln>
+          </p:spPr>
+          <p:style>
+            <a:lnRef idx="2">
+              <a:schemeClr val="accent1">
+                <a:shade val="50000"/>
+              </a:schemeClr>
+            </a:lnRef>
+            <a:fillRef idx="1">
+              <a:schemeClr val="accent1"/>
+            </a:fillRef>
+            <a:effectRef idx="0">
+              <a:schemeClr val="accent1"/>
+            </a:effectRef>
+            <a:fontRef idx="minor">
+              <a:schemeClr val="lt1"/>
+            </a:fontRef>
+          </p:style>
+          <p:txBody>
+            <a:bodyPr rtlCol="0" anchor="ctr"/>
+            <a:lstStyle/>
+            <a:p>
+              <a:pPr algn="ctr"/>
+              <a:endParaRPr lang="fr-FR"/>
+            </a:p>
+          </p:txBody>
+        </p:sp>
+        <p:cxnSp>
+          <p:nvCxnSpPr>
+            <p:cNvPr id="16" name="Connecteur droit 15">
+              <a:extLst>
+                <a:ext uri="{FF2B5EF4-FFF2-40B4-BE49-F238E27FC236}">
+                  <a16:creationId xmlns:a16="http://schemas.microsoft.com/office/drawing/2014/main" id="{988207C3-3114-A7C8-726B-D5395C709E7A}"/>
+                </a:ext>
+              </a:extLst>
+            </p:cNvPr>
+            <p:cNvCxnSpPr>
+              <a:cxnSpLocks/>
+            </p:cNvCxnSpPr>
+            <p:nvPr/>
+          </p:nvCxnSpPr>
+          <p:spPr>
+            <a:xfrm flipH="1">
+              <a:off x="5201556" y="1772816"/>
+              <a:ext cx="180000" cy="0"/>
+            </a:xfrm>
+            <a:prstGeom prst="line">
+              <a:avLst/>
+            </a:prstGeom>
+            <a:solidFill>
+              <a:schemeClr val="bg1"/>
+            </a:solidFill>
+            <a:ln w="28575">
+              <a:solidFill>
+                <a:srgbClr val="FFC000"/>
+              </a:solidFill>
+            </a:ln>
+          </p:spPr>
+          <p:style>
+            <a:lnRef idx="2">
+              <a:schemeClr val="accent1">
+                <a:shade val="50000"/>
+              </a:schemeClr>
+            </a:lnRef>
+            <a:fillRef idx="1">
+              <a:schemeClr val="accent1"/>
+            </a:fillRef>
+            <a:effectRef idx="0">
+              <a:schemeClr val="accent1"/>
+            </a:effectRef>
+            <a:fontRef idx="minor">
+              <a:schemeClr val="lt1"/>
+            </a:fontRef>
+          </p:style>
+        </p:cxnSp>
+        <p:cxnSp>
+          <p:nvCxnSpPr>
+            <p:cNvPr id="18" name="Connecteur droit 17">
+              <a:extLst>
+                <a:ext uri="{FF2B5EF4-FFF2-40B4-BE49-F238E27FC236}">
+                  <a16:creationId xmlns:a16="http://schemas.microsoft.com/office/drawing/2014/main" id="{21861861-8F97-9E6C-E045-A0A50E546445}"/>
+                </a:ext>
+              </a:extLst>
+            </p:cNvPr>
+            <p:cNvCxnSpPr>
+              <a:cxnSpLocks/>
+            </p:cNvCxnSpPr>
+            <p:nvPr/>
+          </p:nvCxnSpPr>
+          <p:spPr>
+            <a:xfrm flipH="1">
+              <a:off x="5201556" y="2212484"/>
+              <a:ext cx="180000" cy="0"/>
+            </a:xfrm>
+            <a:prstGeom prst="line">
+              <a:avLst/>
+            </a:prstGeom>
+            <a:solidFill>
+              <a:schemeClr val="bg1"/>
+            </a:solidFill>
+            <a:ln w="28575">
+              <a:solidFill>
+                <a:srgbClr val="FFC000"/>
+              </a:solidFill>
+            </a:ln>
+          </p:spPr>
+          <p:style>
+            <a:lnRef idx="2">
+              <a:schemeClr val="accent1">
+                <a:shade val="50000"/>
+              </a:schemeClr>
+            </a:lnRef>
+            <a:fillRef idx="1">
+              <a:schemeClr val="accent1"/>
+            </a:fillRef>
+            <a:effectRef idx="0">
+              <a:schemeClr val="accent1"/>
+            </a:effectRef>
+            <a:fontRef idx="minor">
+              <a:schemeClr val="lt1"/>
+            </a:fontRef>
+          </p:style>
+        </p:cxnSp>
+      </p:grpSp>
+      <p:pic>
+        <p:nvPicPr>
+          <p:cNvPr id="3" name="Image 2" descr="Une image contenant intérieur&#10;&#10;Description générée automatiquement">
+            <a:extLst>
+              <a:ext uri="{FF2B5EF4-FFF2-40B4-BE49-F238E27FC236}">
+                <a16:creationId xmlns:a16="http://schemas.microsoft.com/office/drawing/2014/main" id="{1E8FBCB2-B3CF-6441-81AD-859BA37F69CF}"/>
+              </a:ext>
+            </a:extLst>
+          </p:cNvPr>
+          <p:cNvPicPr>
+            <a:picLocks noChangeAspect="1"/>
+          </p:cNvPicPr>
+          <p:nvPr/>
+        </p:nvPicPr>
+        <p:blipFill>
+          <a:blip r:embed="rId2" cstate="print">
+            <a:extLst>
+              <a:ext uri="{28A0092B-C50C-407E-A947-70E740481C1C}">
+                <a14:useLocalDpi xmlns:a14="http://schemas.microsoft.com/office/drawing/2010/main" val="0"/>
+              </a:ext>
+            </a:extLst>
+          </a:blip>
+          <a:stretch>
+            <a:fillRect/>
+          </a:stretch>
+        </p:blipFill>
+        <p:spPr>
+          <a:xfrm>
+            <a:off x="395536" y="1537312"/>
+            <a:ext cx="3085157" cy="1942390"/>
+          </a:xfrm>
+          <a:prstGeom prst="rect">
+            <a:avLst/>
+          </a:prstGeom>
+        </p:spPr>
+      </p:pic>
+      <p:grpSp>
+        <p:nvGrpSpPr>
+          <p:cNvPr id="6" name="Groupe 5">
+            <a:extLst>
+              <a:ext uri="{FF2B5EF4-FFF2-40B4-BE49-F238E27FC236}">
+                <a16:creationId xmlns:a16="http://schemas.microsoft.com/office/drawing/2014/main" id="{FED85F0A-E0B0-2CAA-084A-9071628A73FF}"/>
+              </a:ext>
+            </a:extLst>
+          </p:cNvPr>
+          <p:cNvGrpSpPr/>
+          <p:nvPr/>
+        </p:nvGrpSpPr>
+        <p:grpSpPr>
+          <a:xfrm>
+            <a:off x="4171306" y="3347427"/>
+            <a:ext cx="719636" cy="432048"/>
+            <a:chOff x="204247" y="1842525"/>
+            <a:chExt cx="719636" cy="432048"/>
+          </a:xfrm>
+        </p:grpSpPr>
+        <p:sp>
+          <p:nvSpPr>
+            <p:cNvPr id="7" name="Ellipse 6">
+              <a:extLst>
+                <a:ext uri="{FF2B5EF4-FFF2-40B4-BE49-F238E27FC236}">
+                  <a16:creationId xmlns:a16="http://schemas.microsoft.com/office/drawing/2014/main" id="{E18C1336-842A-D020-BB3D-5078DE09F5A0}"/>
+                </a:ext>
+              </a:extLst>
+            </p:cNvPr>
+            <p:cNvSpPr/>
+            <p:nvPr/>
+          </p:nvSpPr>
+          <p:spPr>
+            <a:xfrm>
+              <a:off x="204247" y="1991610"/>
+              <a:ext cx="180000" cy="180000"/>
+            </a:xfrm>
+            <a:prstGeom prst="ellipse">
+              <a:avLst/>
+            </a:prstGeom>
+            <a:noFill/>
+            <a:ln w="19050">
+              <a:solidFill>
+                <a:schemeClr val="tx1"/>
+              </a:solidFill>
+            </a:ln>
+          </p:spPr>
+          <p:style>
+            <a:lnRef idx="2">
+              <a:schemeClr val="accent1">
+                <a:shade val="50000"/>
+              </a:schemeClr>
+            </a:lnRef>
+            <a:fillRef idx="1">
+              <a:schemeClr val="accent1"/>
+            </a:fillRef>
+            <a:effectRef idx="0">
+              <a:schemeClr val="accent1"/>
+            </a:effectRef>
+            <a:fontRef idx="minor">
+              <a:schemeClr val="lt1"/>
+            </a:fontRef>
+          </p:style>
+          <p:txBody>
+            <a:bodyPr rtlCol="0" anchor="ctr"/>
+            <a:lstStyle/>
+            <a:p>
+              <a:pPr algn="ctr"/>
+              <a:r>
+                <a:rPr lang="fr-FR" sz="1050" b="1" dirty="0">
+                  <a:solidFill>
+                    <a:schemeClr val="tx1"/>
+                  </a:solidFill>
+                </a:rPr>
+                <a:t>0</a:t>
+              </a:r>
+              <a:endParaRPr lang="fr-FR" sz="1400" b="1" dirty="0">
+                <a:solidFill>
+                  <a:schemeClr val="tx1"/>
+                </a:solidFill>
+              </a:endParaRPr>
+            </a:p>
+          </p:txBody>
+        </p:sp>
+        <p:grpSp>
+          <p:nvGrpSpPr>
+            <p:cNvPr id="8" name="Groupe 7">
+              <a:extLst>
+                <a:ext uri="{FF2B5EF4-FFF2-40B4-BE49-F238E27FC236}">
+                  <a16:creationId xmlns:a16="http://schemas.microsoft.com/office/drawing/2014/main" id="{05A6972A-113E-9BF7-6DAB-BD2EA23DD6E3}"/>
+                </a:ext>
+              </a:extLst>
+            </p:cNvPr>
+            <p:cNvGrpSpPr/>
+            <p:nvPr/>
+          </p:nvGrpSpPr>
+          <p:grpSpPr>
+            <a:xfrm rot="5400000">
+              <a:off x="387498" y="1914533"/>
+              <a:ext cx="432048" cy="288031"/>
+              <a:chOff x="2286259" y="3513708"/>
+              <a:chExt cx="432048" cy="288031"/>
+            </a:xfrm>
+          </p:grpSpPr>
+          <p:sp>
+            <p:nvSpPr>
+              <p:cNvPr id="10" name="Forme libre : forme 9">
+                <a:extLst>
+                  <a:ext uri="{FF2B5EF4-FFF2-40B4-BE49-F238E27FC236}">
+                    <a16:creationId xmlns:a16="http://schemas.microsoft.com/office/drawing/2014/main" id="{858B7A04-7816-2746-AF6A-E1434C4834C7}"/>
+                  </a:ext>
+                </a:extLst>
+              </p:cNvPr>
+              <p:cNvSpPr/>
+              <p:nvPr/>
+            </p:nvSpPr>
+            <p:spPr>
+              <a:xfrm>
+                <a:off x="2302852" y="3655813"/>
+                <a:ext cx="415449" cy="145926"/>
+              </a:xfrm>
+              <a:custGeom>
+                <a:avLst/>
+                <a:gdLst>
+                  <a:gd name="connsiteX0" fmla="*/ 0 w 400050"/>
+                  <a:gd name="connsiteY0" fmla="*/ 6350 h 134622"/>
+                  <a:gd name="connsiteX1" fmla="*/ 63500 w 400050"/>
+                  <a:gd name="connsiteY1" fmla="*/ 114300 h 134622"/>
+                  <a:gd name="connsiteX2" fmla="*/ 203200 w 400050"/>
+                  <a:gd name="connsiteY2" fmla="*/ 69850 h 134622"/>
+                  <a:gd name="connsiteX3" fmla="*/ 304800 w 400050"/>
+                  <a:gd name="connsiteY3" fmla="*/ 133350 h 134622"/>
+                  <a:gd name="connsiteX4" fmla="*/ 400050 w 400050"/>
+                  <a:gd name="connsiteY4" fmla="*/ 0 h 134622"/>
+                </a:gdLst>
+                <a:ahLst/>
+                <a:cxnLst>
+                  <a:cxn ang="0">
+                    <a:pos x="connsiteX0" y="connsiteY0"/>
+                  </a:cxn>
+                  <a:cxn ang="0">
+                    <a:pos x="connsiteX1" y="connsiteY1"/>
+                  </a:cxn>
+                  <a:cxn ang="0">
+                    <a:pos x="connsiteX2" y="connsiteY2"/>
+                  </a:cxn>
+                  <a:cxn ang="0">
+                    <a:pos x="connsiteX3" y="connsiteY3"/>
+                  </a:cxn>
+                  <a:cxn ang="0">
+                    <a:pos x="connsiteX4" y="connsiteY4"/>
+                  </a:cxn>
+                </a:cxnLst>
+                <a:rect l="l" t="t" r="r" b="b"/>
+                <a:pathLst>
+                  <a:path w="400050" h="134622">
+                    <a:moveTo>
+                      <a:pt x="0" y="6350"/>
+                    </a:moveTo>
+                    <a:cubicBezTo>
+                      <a:pt x="14816" y="55033"/>
+                      <a:pt x="29633" y="103717"/>
+                      <a:pt x="63500" y="114300"/>
+                    </a:cubicBezTo>
+                    <a:cubicBezTo>
+                      <a:pt x="97367" y="124883"/>
+                      <a:pt x="162983" y="66675"/>
+                      <a:pt x="203200" y="69850"/>
+                    </a:cubicBezTo>
+                    <a:cubicBezTo>
+                      <a:pt x="243417" y="73025"/>
+                      <a:pt x="271992" y="144992"/>
+                      <a:pt x="304800" y="133350"/>
+                    </a:cubicBezTo>
+                    <a:cubicBezTo>
+                      <a:pt x="337608" y="121708"/>
+                      <a:pt x="368829" y="60854"/>
+                      <a:pt x="400050" y="0"/>
+                    </a:cubicBezTo>
+                  </a:path>
+                </a:pathLst>
+              </a:custGeom>
+              <a:solidFill>
+                <a:schemeClr val="bg1">
+                  <a:lumMod val="85000"/>
+                </a:schemeClr>
+              </a:solidFill>
+              <a:ln w="19050">
+                <a:solidFill>
+                  <a:schemeClr val="tx1"/>
+                </a:solidFill>
+              </a:ln>
+            </p:spPr>
+            <p:style>
+              <a:lnRef idx="2">
+                <a:schemeClr val="accent1">
+                  <a:shade val="50000"/>
+                </a:schemeClr>
+              </a:lnRef>
+              <a:fillRef idx="1">
+                <a:schemeClr val="accent1"/>
+              </a:fillRef>
+              <a:effectRef idx="0">
+                <a:schemeClr val="accent1"/>
+              </a:effectRef>
+              <a:fontRef idx="minor">
+                <a:schemeClr val="lt1"/>
+              </a:fontRef>
+            </p:style>
+            <p:txBody>
+              <a:bodyPr rtlCol="0" anchor="ctr"/>
+              <a:lstStyle/>
+              <a:p>
+                <a:pPr algn="ctr"/>
+                <a:endParaRPr lang="fr-FR"/>
+              </a:p>
+            </p:txBody>
+          </p:sp>
+          <p:cxnSp>
+            <p:nvCxnSpPr>
+              <p:cNvPr id="11" name="Connecteur droit 10">
+                <a:extLst>
+                  <a:ext uri="{FF2B5EF4-FFF2-40B4-BE49-F238E27FC236}">
+                    <a16:creationId xmlns:a16="http://schemas.microsoft.com/office/drawing/2014/main" id="{67578EB1-6C78-126C-4D42-2499DBDBA55F}"/>
+                  </a:ext>
+                </a:extLst>
+              </p:cNvPr>
+              <p:cNvCxnSpPr>
+                <a:cxnSpLocks/>
+              </p:cNvCxnSpPr>
+              <p:nvPr/>
+            </p:nvCxnSpPr>
+            <p:spPr>
+              <a:xfrm>
+                <a:off x="2502283" y="3513708"/>
+                <a:ext cx="0" cy="142105"/>
+              </a:xfrm>
+              <a:prstGeom prst="line">
+                <a:avLst/>
+              </a:prstGeom>
+              <a:noFill/>
+              <a:ln w="28575">
+                <a:solidFill>
+                  <a:schemeClr val="tx1"/>
+                </a:solidFill>
+              </a:ln>
+            </p:spPr>
+            <p:style>
+              <a:lnRef idx="2">
+                <a:schemeClr val="accent1">
+                  <a:shade val="50000"/>
+                </a:schemeClr>
+              </a:lnRef>
+              <a:fillRef idx="1">
+                <a:schemeClr val="accent1"/>
+              </a:fillRef>
+              <a:effectRef idx="0">
+                <a:schemeClr val="accent1"/>
+              </a:effectRef>
+              <a:fontRef idx="minor">
+                <a:schemeClr val="lt1"/>
+              </a:fontRef>
+            </p:style>
+          </p:cxnSp>
+          <p:cxnSp>
+            <p:nvCxnSpPr>
+              <p:cNvPr id="12" name="Connecteur droit 11">
+                <a:extLst>
+                  <a:ext uri="{FF2B5EF4-FFF2-40B4-BE49-F238E27FC236}">
+                    <a16:creationId xmlns:a16="http://schemas.microsoft.com/office/drawing/2014/main" id="{1869E06C-4271-7DEE-BF2F-7D2487A72759}"/>
+                  </a:ext>
+                </a:extLst>
+              </p:cNvPr>
+              <p:cNvCxnSpPr>
+                <a:cxnSpLocks/>
+              </p:cNvCxnSpPr>
+              <p:nvPr/>
+            </p:nvCxnSpPr>
+            <p:spPr>
+              <a:xfrm flipH="1">
+                <a:off x="2286259" y="3659633"/>
+                <a:ext cx="432048" cy="0"/>
+              </a:xfrm>
+              <a:prstGeom prst="line">
+                <a:avLst/>
+              </a:prstGeom>
+              <a:noFill/>
+              <a:ln w="28575">
+                <a:solidFill>
+                  <a:schemeClr val="tx1"/>
+                </a:solidFill>
+              </a:ln>
+            </p:spPr>
+            <p:style>
+              <a:lnRef idx="2">
+                <a:schemeClr val="accent1">
+                  <a:shade val="50000"/>
+                </a:schemeClr>
+              </a:lnRef>
+              <a:fillRef idx="1">
+                <a:schemeClr val="accent1"/>
+              </a:fillRef>
+              <a:effectRef idx="0">
+                <a:schemeClr val="accent1"/>
+              </a:effectRef>
+              <a:fontRef idx="minor">
+                <a:schemeClr val="lt1"/>
+              </a:fontRef>
+            </p:style>
+          </p:cxnSp>
+        </p:grpSp>
+        <p:sp>
+          <p:nvSpPr>
+            <p:cNvPr id="9" name="Rectangle 8">
+              <a:extLst>
+                <a:ext uri="{FF2B5EF4-FFF2-40B4-BE49-F238E27FC236}">
+                  <a16:creationId xmlns:a16="http://schemas.microsoft.com/office/drawing/2014/main" id="{302F037C-CF9C-5B7D-625E-B74B7E890A6F}"/>
+                </a:ext>
+              </a:extLst>
+            </p:cNvPr>
+            <p:cNvSpPr/>
+            <p:nvPr/>
+          </p:nvSpPr>
+          <p:spPr>
+            <a:xfrm rot="16200000">
+              <a:off x="743883" y="1977057"/>
+              <a:ext cx="180000" cy="180000"/>
+            </a:xfrm>
+            <a:prstGeom prst="rect">
+              <a:avLst/>
+            </a:prstGeom>
+            <a:solidFill>
+              <a:schemeClr val="bg1"/>
+            </a:solidFill>
+            <a:ln w="28575">
+              <a:solidFill>
+                <a:schemeClr val="tx1"/>
+              </a:solidFill>
+            </a:ln>
+          </p:spPr>
+          <p:style>
+            <a:lnRef idx="2">
+              <a:schemeClr val="accent1">
+                <a:shade val="50000"/>
+              </a:schemeClr>
+            </a:lnRef>
+            <a:fillRef idx="1">
+              <a:schemeClr val="accent1"/>
+            </a:fillRef>
+            <a:effectRef idx="0">
+              <a:schemeClr val="accent1"/>
+            </a:effectRef>
+            <a:fontRef idx="minor">
+              <a:schemeClr val="lt1"/>
+            </a:fontRef>
+          </p:style>
+          <p:txBody>
+            <a:bodyPr rtlCol="0" anchor="ctr"/>
+            <a:lstStyle/>
+            <a:p>
+              <a:pPr algn="ctr"/>
+              <a:endParaRPr lang="fr-FR"/>
+            </a:p>
+          </p:txBody>
+        </p:sp>
+      </p:grpSp>
+      <p:sp>
+        <p:nvSpPr>
+          <p:cNvPr id="13" name="Ellipse 12">
+            <a:extLst>
+              <a:ext uri="{FF2B5EF4-FFF2-40B4-BE49-F238E27FC236}">
+                <a16:creationId xmlns:a16="http://schemas.microsoft.com/office/drawing/2014/main" id="{7698318D-55BC-C966-D28D-A5A6F1E1A704}"/>
+              </a:ext>
+            </a:extLst>
+          </p:cNvPr>
+          <p:cNvSpPr/>
+          <p:nvPr/>
+        </p:nvSpPr>
+        <p:spPr>
+          <a:xfrm>
+            <a:off x="4583662" y="2621459"/>
+            <a:ext cx="180000" cy="180000"/>
+          </a:xfrm>
+          <a:prstGeom prst="ellipse">
+            <a:avLst/>
+          </a:prstGeom>
+          <a:solidFill>
+            <a:schemeClr val="bg1"/>
+          </a:solidFill>
+          <a:ln w="19050">
+            <a:solidFill>
+              <a:srgbClr val="C00000"/>
+            </a:solidFill>
+          </a:ln>
+        </p:spPr>
+        <p:style>
+          <a:lnRef idx="2">
+            <a:schemeClr val="accent1">
+              <a:shade val="50000"/>
+            </a:schemeClr>
+          </a:lnRef>
+          <a:fillRef idx="1">
+            <a:schemeClr val="accent1"/>
+          </a:fillRef>
+          <a:effectRef idx="0">
+            <a:schemeClr val="accent1"/>
+          </a:effectRef>
+          <a:fontRef idx="minor">
+            <a:schemeClr val="lt1"/>
+          </a:fontRef>
+        </p:style>
+        <p:txBody>
+          <a:bodyPr rtlCol="0" anchor="ctr"/>
+          <a:lstStyle/>
+          <a:p>
+            <a:pPr algn="ctr"/>
+            <a:r>
+              <a:rPr lang="fr-FR" sz="1050" b="1" dirty="0">
+                <a:solidFill>
+                  <a:srgbClr val="C00000"/>
+                </a:solidFill>
+              </a:rPr>
+              <a:t>6</a:t>
+            </a:r>
+            <a:endParaRPr lang="fr-FR" sz="1400" b="1" dirty="0">
+              <a:solidFill>
+                <a:srgbClr val="C00000"/>
+              </a:solidFill>
+            </a:endParaRPr>
+          </a:p>
+        </p:txBody>
+      </p:sp>
+      <p:cxnSp>
+        <p:nvCxnSpPr>
+          <p:cNvPr id="5" name="Connecteur droit 4">
+            <a:extLst>
+              <a:ext uri="{FF2B5EF4-FFF2-40B4-BE49-F238E27FC236}">
+                <a16:creationId xmlns:a16="http://schemas.microsoft.com/office/drawing/2014/main" id="{277E7CB0-0F0F-31A6-C100-3C0960375927}"/>
+              </a:ext>
+            </a:extLst>
+          </p:cNvPr>
+          <p:cNvCxnSpPr>
+            <a:cxnSpLocks/>
+          </p:cNvCxnSpPr>
+          <p:nvPr/>
+        </p:nvCxnSpPr>
+        <p:spPr>
+          <a:xfrm>
+            <a:off x="5291556" y="1629894"/>
+            <a:ext cx="0" cy="1799106"/>
+          </a:xfrm>
+          <a:prstGeom prst="line">
+            <a:avLst/>
+          </a:prstGeom>
+          <a:solidFill>
+            <a:schemeClr val="bg1"/>
+          </a:solidFill>
+          <a:ln w="28575">
+            <a:solidFill>
+              <a:srgbClr val="FFC000"/>
+            </a:solidFill>
+          </a:ln>
+        </p:spPr>
+        <p:style>
+          <a:lnRef idx="2">
+            <a:schemeClr val="accent1">
+              <a:shade val="50000"/>
+            </a:schemeClr>
+          </a:lnRef>
+          <a:fillRef idx="1">
+            <a:schemeClr val="accent1"/>
+          </a:fillRef>
+          <a:effectRef idx="0">
+            <a:schemeClr val="accent1"/>
+          </a:effectRef>
+          <a:fontRef idx="minor">
+            <a:schemeClr val="lt1"/>
+          </a:fontRef>
+        </p:style>
+      </p:cxnSp>
+      <p:sp>
+        <p:nvSpPr>
+          <p:cNvPr id="19" name="Ellipse 18">
+            <a:extLst>
+              <a:ext uri="{FF2B5EF4-FFF2-40B4-BE49-F238E27FC236}">
+                <a16:creationId xmlns:a16="http://schemas.microsoft.com/office/drawing/2014/main" id="{DF54FCBF-B517-255B-9CC0-9888BEEA3706}"/>
+              </a:ext>
+            </a:extLst>
+          </p:cNvPr>
+          <p:cNvSpPr/>
+          <p:nvPr/>
+        </p:nvSpPr>
+        <p:spPr>
+          <a:xfrm>
+            <a:off x="5201556" y="1449894"/>
+            <a:ext cx="180000" cy="180000"/>
+          </a:xfrm>
+          <a:prstGeom prst="ellipse">
+            <a:avLst/>
+          </a:prstGeom>
+          <a:solidFill>
+            <a:schemeClr val="bg1"/>
+          </a:solidFill>
+          <a:ln w="19050">
+            <a:solidFill>
+              <a:srgbClr val="FFC000"/>
+            </a:solidFill>
+          </a:ln>
+        </p:spPr>
+        <p:style>
+          <a:lnRef idx="2">
+            <a:schemeClr val="accent1">
+              <a:shade val="50000"/>
+            </a:schemeClr>
+          </a:lnRef>
+          <a:fillRef idx="1">
+            <a:schemeClr val="accent1"/>
+          </a:fillRef>
+          <a:effectRef idx="0">
+            <a:schemeClr val="accent1"/>
+          </a:effectRef>
+          <a:fontRef idx="minor">
+            <a:schemeClr val="lt1"/>
+          </a:fontRef>
+        </p:style>
+        <p:txBody>
+          <a:bodyPr rtlCol="0" anchor="ctr"/>
+          <a:lstStyle/>
+          <a:p>
+            <a:pPr algn="ctr"/>
+            <a:r>
+              <a:rPr lang="fr-FR" sz="1050" b="1" dirty="0">
+                <a:solidFill>
+                  <a:srgbClr val="FFC000"/>
+                </a:solidFill>
+              </a:rPr>
+              <a:t>M</a:t>
+            </a:r>
+            <a:endParaRPr lang="fr-FR" sz="1400" b="1" dirty="0">
+              <a:solidFill>
+                <a:srgbClr val="FFC000"/>
+              </a:solidFill>
+            </a:endParaRPr>
+          </a:p>
+        </p:txBody>
+      </p:sp>
+      <p:cxnSp>
+        <p:nvCxnSpPr>
+          <p:cNvPr id="20" name="Connecteur droit 19">
+            <a:extLst>
+              <a:ext uri="{FF2B5EF4-FFF2-40B4-BE49-F238E27FC236}">
+                <a16:creationId xmlns:a16="http://schemas.microsoft.com/office/drawing/2014/main" id="{A9FEB5D4-8183-9D9B-DC67-692F5C968B4C}"/>
+              </a:ext>
+            </a:extLst>
+          </p:cNvPr>
+          <p:cNvCxnSpPr>
+            <a:cxnSpLocks/>
+          </p:cNvCxnSpPr>
+          <p:nvPr/>
+        </p:nvCxnSpPr>
+        <p:spPr>
+          <a:xfrm flipH="1">
+            <a:off x="5074192" y="3429000"/>
+            <a:ext cx="433912" cy="0"/>
+          </a:xfrm>
+          <a:prstGeom prst="line">
+            <a:avLst/>
+          </a:prstGeom>
+          <a:solidFill>
+            <a:schemeClr val="bg1"/>
+          </a:solidFill>
+          <a:ln w="28575">
+            <a:solidFill>
+              <a:srgbClr val="FFC000"/>
+            </a:solidFill>
+          </a:ln>
+        </p:spPr>
+        <p:style>
+          <a:lnRef idx="2">
+            <a:schemeClr val="accent1">
+              <a:shade val="50000"/>
+            </a:schemeClr>
+          </a:lnRef>
+          <a:fillRef idx="1">
+            <a:schemeClr val="accent1"/>
+          </a:fillRef>
+          <a:effectRef idx="0">
+            <a:schemeClr val="accent1"/>
+          </a:effectRef>
+          <a:fontRef idx="minor">
+            <a:schemeClr val="lt1"/>
+          </a:fontRef>
+        </p:style>
+      </p:cxnSp>
+      <p:cxnSp>
+        <p:nvCxnSpPr>
+          <p:cNvPr id="22" name="Connecteur droit 21">
+            <a:extLst>
+              <a:ext uri="{FF2B5EF4-FFF2-40B4-BE49-F238E27FC236}">
+                <a16:creationId xmlns:a16="http://schemas.microsoft.com/office/drawing/2014/main" id="{CA0A061A-6A4F-641D-4069-DF40962F1AB5}"/>
+              </a:ext>
+            </a:extLst>
+          </p:cNvPr>
+          <p:cNvCxnSpPr>
+            <a:cxnSpLocks/>
+          </p:cNvCxnSpPr>
+          <p:nvPr/>
+        </p:nvCxnSpPr>
+        <p:spPr>
+          <a:xfrm flipH="1">
+            <a:off x="6931330" y="3429000"/>
+            <a:ext cx="1152128" cy="0"/>
+          </a:xfrm>
+          <a:prstGeom prst="line">
+            <a:avLst/>
+          </a:prstGeom>
+          <a:solidFill>
+            <a:schemeClr val="bg1"/>
+          </a:solidFill>
+          <a:ln w="28575">
+            <a:solidFill>
+              <a:srgbClr val="77235E"/>
+            </a:solidFill>
+          </a:ln>
+        </p:spPr>
+        <p:style>
+          <a:lnRef idx="2">
+            <a:schemeClr val="accent1">
+              <a:shade val="50000"/>
+            </a:schemeClr>
+          </a:lnRef>
+          <a:fillRef idx="1">
+            <a:schemeClr val="accent1"/>
+          </a:fillRef>
+          <a:effectRef idx="0">
+            <a:schemeClr val="accent1"/>
+          </a:effectRef>
+          <a:fontRef idx="minor">
+            <a:schemeClr val="lt1"/>
+          </a:fontRef>
+        </p:style>
+      </p:cxnSp>
+      <p:sp>
+        <p:nvSpPr>
+          <p:cNvPr id="26" name="Rectangle 25">
+            <a:extLst>
+              <a:ext uri="{FF2B5EF4-FFF2-40B4-BE49-F238E27FC236}">
+                <a16:creationId xmlns:a16="http://schemas.microsoft.com/office/drawing/2014/main" id="{EE86F6F1-5686-0D2D-89CB-F97441F9D6CD}"/>
+              </a:ext>
+            </a:extLst>
+          </p:cNvPr>
+          <p:cNvSpPr/>
+          <p:nvPr/>
+        </p:nvSpPr>
+        <p:spPr>
+          <a:xfrm rot="16200000">
+            <a:off x="7327394" y="1902654"/>
+            <a:ext cx="360000" cy="180000"/>
+          </a:xfrm>
+          <a:prstGeom prst="rect">
+            <a:avLst/>
+          </a:prstGeom>
+          <a:solidFill>
+            <a:schemeClr val="bg1"/>
+          </a:solidFill>
+          <a:ln w="28575">
+            <a:solidFill>
+              <a:srgbClr val="C00000"/>
+            </a:solidFill>
+          </a:ln>
+        </p:spPr>
+        <p:style>
+          <a:lnRef idx="2">
+            <a:schemeClr val="accent1">
+              <a:shade val="50000"/>
+            </a:schemeClr>
+          </a:lnRef>
+          <a:fillRef idx="1">
+            <a:schemeClr val="accent1"/>
+          </a:fillRef>
+          <a:effectRef idx="0">
+            <a:schemeClr val="accent1"/>
+          </a:effectRef>
+          <a:fontRef idx="minor">
+            <a:schemeClr val="lt1"/>
+          </a:fontRef>
+        </p:style>
+        <p:txBody>
+          <a:bodyPr rtlCol="0" anchor="ctr"/>
+          <a:lstStyle/>
+          <a:p>
+            <a:pPr algn="ctr"/>
+            <a:endParaRPr lang="fr-FR"/>
+          </a:p>
+        </p:txBody>
+      </p:sp>
+      <p:cxnSp>
+        <p:nvCxnSpPr>
+          <p:cNvPr id="27" name="Connecteur droit 26">
+            <a:extLst>
+              <a:ext uri="{FF2B5EF4-FFF2-40B4-BE49-F238E27FC236}">
+                <a16:creationId xmlns:a16="http://schemas.microsoft.com/office/drawing/2014/main" id="{0C298D18-99D5-4B41-CFCA-84D98650E3B6}"/>
+              </a:ext>
+            </a:extLst>
+          </p:cNvPr>
+          <p:cNvCxnSpPr>
+            <a:cxnSpLocks/>
+          </p:cNvCxnSpPr>
+          <p:nvPr/>
+        </p:nvCxnSpPr>
+        <p:spPr>
+          <a:xfrm flipH="1">
+            <a:off x="7417394" y="1772816"/>
+            <a:ext cx="180000" cy="0"/>
+          </a:xfrm>
+          <a:prstGeom prst="line">
+            <a:avLst/>
+          </a:prstGeom>
+          <a:solidFill>
+            <a:schemeClr val="bg1"/>
+          </a:solidFill>
+          <a:ln w="28575">
+            <a:solidFill>
+              <a:srgbClr val="77235E"/>
+            </a:solidFill>
+          </a:ln>
+        </p:spPr>
+        <p:style>
+          <a:lnRef idx="2">
+            <a:schemeClr val="accent1">
+              <a:shade val="50000"/>
+            </a:schemeClr>
+          </a:lnRef>
+          <a:fillRef idx="1">
+            <a:schemeClr val="accent1"/>
+          </a:fillRef>
+          <a:effectRef idx="0">
+            <a:schemeClr val="accent1"/>
+          </a:effectRef>
+          <a:fontRef idx="minor">
+            <a:schemeClr val="lt1"/>
+          </a:fontRef>
+        </p:style>
+      </p:cxnSp>
+      <p:cxnSp>
+        <p:nvCxnSpPr>
+          <p:cNvPr id="28" name="Connecteur droit 27">
+            <a:extLst>
+              <a:ext uri="{FF2B5EF4-FFF2-40B4-BE49-F238E27FC236}">
+                <a16:creationId xmlns:a16="http://schemas.microsoft.com/office/drawing/2014/main" id="{1E2C5212-CD17-75F6-C4C1-E538A235AC0B}"/>
+              </a:ext>
+            </a:extLst>
+          </p:cNvPr>
+          <p:cNvCxnSpPr>
+            <a:cxnSpLocks/>
+          </p:cNvCxnSpPr>
+          <p:nvPr/>
+        </p:nvCxnSpPr>
+        <p:spPr>
+          <a:xfrm flipH="1">
+            <a:off x="7417394" y="2212484"/>
+            <a:ext cx="180000" cy="0"/>
+          </a:xfrm>
+          <a:prstGeom prst="line">
+            <a:avLst/>
+          </a:prstGeom>
+          <a:solidFill>
+            <a:schemeClr val="bg1"/>
+          </a:solidFill>
+          <a:ln w="28575">
+            <a:solidFill>
+              <a:srgbClr val="77235E"/>
+            </a:solidFill>
+          </a:ln>
+        </p:spPr>
+        <p:style>
+          <a:lnRef idx="2">
+            <a:schemeClr val="accent1">
+              <a:shade val="50000"/>
+            </a:schemeClr>
+          </a:lnRef>
+          <a:fillRef idx="1">
+            <a:schemeClr val="accent1"/>
+          </a:fillRef>
+          <a:effectRef idx="0">
+            <a:schemeClr val="accent1"/>
+          </a:effectRef>
+          <a:fontRef idx="minor">
+            <a:schemeClr val="lt1"/>
+          </a:fontRef>
+        </p:style>
+      </p:cxnSp>
+      <p:cxnSp>
+        <p:nvCxnSpPr>
+          <p:cNvPr id="29" name="Connecteur droit 28">
+            <a:extLst>
+              <a:ext uri="{FF2B5EF4-FFF2-40B4-BE49-F238E27FC236}">
+                <a16:creationId xmlns:a16="http://schemas.microsoft.com/office/drawing/2014/main" id="{674BAEAD-4997-3F04-2069-C65235FFE2C8}"/>
+              </a:ext>
+            </a:extLst>
+          </p:cNvPr>
+          <p:cNvCxnSpPr>
+            <a:cxnSpLocks/>
+          </p:cNvCxnSpPr>
+          <p:nvPr/>
+        </p:nvCxnSpPr>
+        <p:spPr>
+          <a:xfrm>
+            <a:off x="7507394" y="1674158"/>
+            <a:ext cx="0" cy="1754842"/>
+          </a:xfrm>
+          <a:prstGeom prst="line">
+            <a:avLst/>
+          </a:prstGeom>
+          <a:solidFill>
+            <a:schemeClr val="bg1"/>
+          </a:solidFill>
+          <a:ln w="28575">
+            <a:solidFill>
+              <a:srgbClr val="77235E"/>
+            </a:solidFill>
+          </a:ln>
+        </p:spPr>
+        <p:style>
+          <a:lnRef idx="2">
+            <a:schemeClr val="accent1">
+              <a:shade val="50000"/>
+            </a:schemeClr>
+          </a:lnRef>
+          <a:fillRef idx="1">
+            <a:schemeClr val="accent1"/>
+          </a:fillRef>
+          <a:effectRef idx="0">
+            <a:schemeClr val="accent1"/>
+          </a:effectRef>
+          <a:fontRef idx="minor">
+            <a:schemeClr val="lt1"/>
+          </a:fontRef>
+        </p:style>
+      </p:cxnSp>
+      <p:grpSp>
+        <p:nvGrpSpPr>
+          <p:cNvPr id="34" name="Groupe 33">
+            <a:extLst>
+              <a:ext uri="{FF2B5EF4-FFF2-40B4-BE49-F238E27FC236}">
+                <a16:creationId xmlns:a16="http://schemas.microsoft.com/office/drawing/2014/main" id="{36D4489E-F22C-CE76-83C1-976798EB7FE7}"/>
+              </a:ext>
+            </a:extLst>
+          </p:cNvPr>
+          <p:cNvGrpSpPr/>
+          <p:nvPr/>
+        </p:nvGrpSpPr>
+        <p:grpSpPr>
+          <a:xfrm>
+            <a:off x="7399395" y="2531460"/>
+            <a:ext cx="215998" cy="360000"/>
+            <a:chOff x="6056691" y="5175120"/>
+            <a:chExt cx="215998" cy="360000"/>
+          </a:xfrm>
+        </p:grpSpPr>
+        <p:sp>
+          <p:nvSpPr>
+            <p:cNvPr id="32" name="Rectangle 31">
+              <a:extLst>
+                <a:ext uri="{FF2B5EF4-FFF2-40B4-BE49-F238E27FC236}">
+                  <a16:creationId xmlns:a16="http://schemas.microsoft.com/office/drawing/2014/main" id="{506BE975-82C4-847B-0512-8EB4F9815F72}"/>
+                </a:ext>
+              </a:extLst>
+            </p:cNvPr>
+            <p:cNvSpPr/>
+            <p:nvPr/>
+          </p:nvSpPr>
+          <p:spPr>
+            <a:xfrm rot="16200000">
+              <a:off x="5985741" y="5265120"/>
+              <a:ext cx="360000" cy="180000"/>
+            </a:xfrm>
+            <a:prstGeom prst="rect">
+              <a:avLst/>
+            </a:prstGeom>
+            <a:solidFill>
+              <a:schemeClr val="bg1"/>
+            </a:solidFill>
+            <a:ln w="28575">
+              <a:solidFill>
+                <a:srgbClr val="77235E"/>
+              </a:solidFill>
+            </a:ln>
+          </p:spPr>
+          <p:style>
+            <a:lnRef idx="2">
+              <a:schemeClr val="accent1">
+                <a:shade val="50000"/>
+              </a:schemeClr>
+            </a:lnRef>
+            <a:fillRef idx="1">
+              <a:schemeClr val="accent1"/>
+            </a:fillRef>
+            <a:effectRef idx="0">
+              <a:schemeClr val="accent1"/>
+            </a:effectRef>
+            <a:fontRef idx="minor">
+              <a:schemeClr val="lt1"/>
+            </a:fontRef>
+          </p:style>
+          <p:txBody>
+            <a:bodyPr rtlCol="0" anchor="ctr"/>
+            <a:lstStyle/>
+            <a:p>
+              <a:pPr algn="ctr"/>
+              <a:endParaRPr lang="fr-FR"/>
+            </a:p>
+          </p:txBody>
+        </p:sp>
+        <p:sp>
+          <p:nvSpPr>
+            <p:cNvPr id="33" name="Signe de multiplication 32">
+              <a:extLst>
+                <a:ext uri="{FF2B5EF4-FFF2-40B4-BE49-F238E27FC236}">
+                  <a16:creationId xmlns:a16="http://schemas.microsoft.com/office/drawing/2014/main" id="{A956E996-CBE1-FEFE-8A96-DD87BA5736A3}"/>
+                </a:ext>
+              </a:extLst>
+            </p:cNvPr>
+            <p:cNvSpPr/>
+            <p:nvPr/>
+          </p:nvSpPr>
+          <p:spPr>
+            <a:xfrm>
+              <a:off x="6056691" y="5246634"/>
+              <a:ext cx="215998" cy="216970"/>
+            </a:xfrm>
+            <a:prstGeom prst="mathMultiply">
+              <a:avLst>
+                <a:gd name="adj1" fmla="val 11026"/>
+              </a:avLst>
+            </a:prstGeom>
+            <a:solidFill>
+              <a:srgbClr val="77235E"/>
+            </a:solidFill>
+            <a:ln>
+              <a:noFill/>
+            </a:ln>
+          </p:spPr>
+          <p:style>
+            <a:lnRef idx="2">
+              <a:schemeClr val="accent1">
+                <a:shade val="50000"/>
+              </a:schemeClr>
+            </a:lnRef>
+            <a:fillRef idx="1">
+              <a:schemeClr val="accent1"/>
+            </a:fillRef>
+            <a:effectRef idx="0">
+              <a:schemeClr val="accent1"/>
+            </a:effectRef>
+            <a:fontRef idx="minor">
+              <a:schemeClr val="lt1"/>
+            </a:fontRef>
+          </p:style>
+          <p:txBody>
+            <a:bodyPr rtlCol="0" anchor="ctr"/>
+            <a:lstStyle/>
+            <a:p>
+              <a:pPr algn="ctr"/>
+              <a:endParaRPr lang="fr-FR" dirty="0"/>
+            </a:p>
+          </p:txBody>
+        </p:sp>
+      </p:grpSp>
+      <p:cxnSp>
+        <p:nvCxnSpPr>
+          <p:cNvPr id="40" name="Connecteur droit 39">
+            <a:extLst>
+              <a:ext uri="{FF2B5EF4-FFF2-40B4-BE49-F238E27FC236}">
+                <a16:creationId xmlns:a16="http://schemas.microsoft.com/office/drawing/2014/main" id="{D33B4165-1A4F-2FED-2EAA-3210CB6B50DA}"/>
+              </a:ext>
+            </a:extLst>
+          </p:cNvPr>
+          <p:cNvCxnSpPr>
+            <a:cxnSpLocks/>
+          </p:cNvCxnSpPr>
+          <p:nvPr/>
+        </p:nvCxnSpPr>
+        <p:spPr>
+          <a:xfrm>
+            <a:off x="5074192" y="3323085"/>
+            <a:ext cx="0" cy="108000"/>
+          </a:xfrm>
+          <a:prstGeom prst="line">
+            <a:avLst/>
+          </a:prstGeom>
+          <a:solidFill>
+            <a:schemeClr val="bg1"/>
+          </a:solidFill>
+          <a:ln w="28575">
+            <a:solidFill>
+              <a:srgbClr val="FFC000"/>
+            </a:solidFill>
+          </a:ln>
+        </p:spPr>
+        <p:style>
+          <a:lnRef idx="2">
+            <a:schemeClr val="accent1">
+              <a:shade val="50000"/>
+            </a:schemeClr>
+          </a:lnRef>
+          <a:fillRef idx="1">
+            <a:schemeClr val="accent1"/>
+          </a:fillRef>
+          <a:effectRef idx="0">
+            <a:schemeClr val="accent1"/>
+          </a:effectRef>
+          <a:fontRef idx="minor">
+            <a:schemeClr val="lt1"/>
+          </a:fontRef>
+        </p:style>
+      </p:cxnSp>
+      <p:cxnSp>
+        <p:nvCxnSpPr>
+          <p:cNvPr id="43" name="Connecteur droit 42">
+            <a:extLst>
+              <a:ext uri="{FF2B5EF4-FFF2-40B4-BE49-F238E27FC236}">
+                <a16:creationId xmlns:a16="http://schemas.microsoft.com/office/drawing/2014/main" id="{915FAC89-106C-9751-43D4-FB16DFCC4C81}"/>
+              </a:ext>
+            </a:extLst>
+          </p:cNvPr>
+          <p:cNvCxnSpPr>
+            <a:cxnSpLocks/>
+          </p:cNvCxnSpPr>
+          <p:nvPr/>
+        </p:nvCxnSpPr>
+        <p:spPr>
+          <a:xfrm>
+            <a:off x="5508104" y="3323085"/>
+            <a:ext cx="0" cy="108000"/>
+          </a:xfrm>
+          <a:prstGeom prst="line">
+            <a:avLst/>
+          </a:prstGeom>
+          <a:solidFill>
+            <a:schemeClr val="bg1"/>
+          </a:solidFill>
+          <a:ln w="28575">
+            <a:solidFill>
+              <a:srgbClr val="FFC000"/>
+            </a:solidFill>
+          </a:ln>
+        </p:spPr>
+        <p:style>
+          <a:lnRef idx="2">
+            <a:schemeClr val="accent1">
+              <a:shade val="50000"/>
+            </a:schemeClr>
+          </a:lnRef>
+          <a:fillRef idx="1">
+            <a:schemeClr val="accent1"/>
+          </a:fillRef>
+          <a:effectRef idx="0">
+            <a:schemeClr val="accent1"/>
+          </a:effectRef>
+          <a:fontRef idx="minor">
+            <a:schemeClr val="lt1"/>
+          </a:fontRef>
+        </p:style>
+      </p:cxnSp>
+      <p:cxnSp>
+        <p:nvCxnSpPr>
+          <p:cNvPr id="44" name="Connecteur droit 43">
+            <a:extLst>
+              <a:ext uri="{FF2B5EF4-FFF2-40B4-BE49-F238E27FC236}">
+                <a16:creationId xmlns:a16="http://schemas.microsoft.com/office/drawing/2014/main" id="{4C918CF9-6BFE-8C33-4E78-8A2838FF72EF}"/>
+              </a:ext>
+            </a:extLst>
+          </p:cNvPr>
+          <p:cNvCxnSpPr>
+            <a:cxnSpLocks/>
+          </p:cNvCxnSpPr>
+          <p:nvPr/>
+        </p:nvCxnSpPr>
+        <p:spPr>
+          <a:xfrm>
+            <a:off x="6936410" y="3315099"/>
+            <a:ext cx="0" cy="108000"/>
+          </a:xfrm>
+          <a:prstGeom prst="line">
+            <a:avLst/>
+          </a:prstGeom>
+          <a:solidFill>
+            <a:schemeClr val="bg1"/>
+          </a:solidFill>
+          <a:ln w="28575">
+            <a:solidFill>
+              <a:srgbClr val="77235E"/>
+            </a:solidFill>
+          </a:ln>
+        </p:spPr>
+        <p:style>
+          <a:lnRef idx="2">
+            <a:schemeClr val="accent1">
+              <a:shade val="50000"/>
+            </a:schemeClr>
+          </a:lnRef>
+          <a:fillRef idx="1">
+            <a:schemeClr val="accent1"/>
+          </a:fillRef>
+          <a:effectRef idx="0">
+            <a:schemeClr val="accent1"/>
+          </a:effectRef>
+          <a:fontRef idx="minor">
+            <a:schemeClr val="lt1"/>
+          </a:fontRef>
+        </p:style>
+      </p:cxnSp>
+      <p:cxnSp>
+        <p:nvCxnSpPr>
+          <p:cNvPr id="46" name="Connecteur droit 45">
+            <a:extLst>
+              <a:ext uri="{FF2B5EF4-FFF2-40B4-BE49-F238E27FC236}">
+                <a16:creationId xmlns:a16="http://schemas.microsoft.com/office/drawing/2014/main" id="{E70051AA-9ED2-650F-0BD7-075AA4727C82}"/>
+              </a:ext>
+            </a:extLst>
+          </p:cNvPr>
+          <p:cNvCxnSpPr>
+            <a:cxnSpLocks/>
+          </p:cNvCxnSpPr>
+          <p:nvPr/>
+        </p:nvCxnSpPr>
+        <p:spPr>
+          <a:xfrm>
+            <a:off x="8074394" y="3313984"/>
+            <a:ext cx="0" cy="108000"/>
+          </a:xfrm>
+          <a:prstGeom prst="line">
+            <a:avLst/>
+          </a:prstGeom>
+          <a:solidFill>
+            <a:schemeClr val="bg1"/>
+          </a:solidFill>
+          <a:ln w="28575">
+            <a:solidFill>
+              <a:srgbClr val="77235E"/>
+            </a:solidFill>
+          </a:ln>
+        </p:spPr>
+        <p:style>
+          <a:lnRef idx="2">
+            <a:schemeClr val="accent1">
+              <a:shade val="50000"/>
+            </a:schemeClr>
+          </a:lnRef>
+          <a:fillRef idx="1">
+            <a:schemeClr val="accent1"/>
+          </a:fillRef>
+          <a:effectRef idx="0">
+            <a:schemeClr val="accent1"/>
+          </a:effectRef>
+          <a:fontRef idx="minor">
+            <a:schemeClr val="lt1"/>
+          </a:fontRef>
+        </p:style>
+      </p:cxnSp>
+      <p:cxnSp>
+        <p:nvCxnSpPr>
+          <p:cNvPr id="47" name="Connecteur droit 46">
+            <a:extLst>
+              <a:ext uri="{FF2B5EF4-FFF2-40B4-BE49-F238E27FC236}">
+                <a16:creationId xmlns:a16="http://schemas.microsoft.com/office/drawing/2014/main" id="{E16088E4-A7EB-222D-80C5-64A82377F36A}"/>
+              </a:ext>
+            </a:extLst>
+          </p:cNvPr>
+          <p:cNvCxnSpPr>
+            <a:cxnSpLocks/>
+          </p:cNvCxnSpPr>
+          <p:nvPr/>
+        </p:nvCxnSpPr>
+        <p:spPr>
+          <a:xfrm flipH="1">
+            <a:off x="5508104" y="3377085"/>
+            <a:ext cx="1423226" cy="0"/>
+          </a:xfrm>
+          <a:prstGeom prst="line">
+            <a:avLst/>
+          </a:prstGeom>
+          <a:solidFill>
+            <a:schemeClr val="bg1"/>
+          </a:solidFill>
+          <a:ln w="12700">
+            <a:solidFill>
+              <a:srgbClr val="77235E"/>
+            </a:solidFill>
+            <a:prstDash val="lgDashDot"/>
+          </a:ln>
+        </p:spPr>
+        <p:style>
+          <a:lnRef idx="2">
+            <a:schemeClr val="accent1">
+              <a:shade val="50000"/>
+            </a:schemeClr>
+          </a:lnRef>
+          <a:fillRef idx="1">
+            <a:schemeClr val="accent1"/>
+          </a:fillRef>
+          <a:effectRef idx="0">
+            <a:schemeClr val="accent1"/>
+          </a:effectRef>
+          <a:fontRef idx="minor">
+            <a:schemeClr val="lt1"/>
+          </a:fontRef>
+        </p:style>
+      </p:cxnSp>
+      <p:cxnSp>
+        <p:nvCxnSpPr>
+          <p:cNvPr id="57" name="Connecteur droit 56">
+            <a:extLst>
+              <a:ext uri="{FF2B5EF4-FFF2-40B4-BE49-F238E27FC236}">
+                <a16:creationId xmlns:a16="http://schemas.microsoft.com/office/drawing/2014/main" id="{03575366-965D-0B05-5A05-7746761AE803}"/>
+              </a:ext>
+            </a:extLst>
+          </p:cNvPr>
+          <p:cNvCxnSpPr>
+            <a:stCxn id="51" idx="7"/>
+            <a:endCxn id="50" idx="7"/>
+          </p:cNvCxnSpPr>
+          <p:nvPr/>
+        </p:nvCxnSpPr>
+        <p:spPr>
+          <a:xfrm flipV="1">
+            <a:off x="6802459" y="2227130"/>
+            <a:ext cx="400671" cy="420689"/>
+          </a:xfrm>
+          <a:prstGeom prst="line">
+            <a:avLst/>
+          </a:prstGeom>
+          <a:solidFill>
+            <a:schemeClr val="bg1"/>
+          </a:solidFill>
+          <a:ln w="28575">
+            <a:solidFill>
+              <a:schemeClr val="tx1">
+                <a:lumMod val="50000"/>
+                <a:lumOff val="50000"/>
+              </a:schemeClr>
+            </a:solidFill>
+          </a:ln>
+        </p:spPr>
+        <p:style>
+          <a:lnRef idx="2">
+            <a:schemeClr val="accent1">
+              <a:shade val="50000"/>
+            </a:schemeClr>
+          </a:lnRef>
+          <a:fillRef idx="1">
+            <a:schemeClr val="accent1"/>
+          </a:fillRef>
+          <a:effectRef idx="0">
+            <a:schemeClr val="accent1"/>
+          </a:effectRef>
+          <a:fontRef idx="minor">
+            <a:schemeClr val="lt1"/>
+          </a:fontRef>
+        </p:style>
+      </p:cxnSp>
+      <p:cxnSp>
+        <p:nvCxnSpPr>
+          <p:cNvPr id="58" name="Connecteur droit 57">
+            <a:extLst>
+              <a:ext uri="{FF2B5EF4-FFF2-40B4-BE49-F238E27FC236}">
+                <a16:creationId xmlns:a16="http://schemas.microsoft.com/office/drawing/2014/main" id="{9D3D8C88-2B40-C35F-8BD7-095636CE521D}"/>
+              </a:ext>
+            </a:extLst>
+          </p:cNvPr>
+          <p:cNvCxnSpPr>
+            <a:cxnSpLocks/>
+            <a:stCxn id="51" idx="1"/>
+            <a:endCxn id="50" idx="1"/>
+          </p:cNvCxnSpPr>
+          <p:nvPr/>
+        </p:nvCxnSpPr>
+        <p:spPr>
+          <a:xfrm flipH="1" flipV="1">
+            <a:off x="6276152" y="2227130"/>
+            <a:ext cx="399027" cy="420689"/>
+          </a:xfrm>
+          <a:prstGeom prst="line">
+            <a:avLst/>
+          </a:prstGeom>
+          <a:solidFill>
+            <a:schemeClr val="bg1"/>
+          </a:solidFill>
+          <a:ln w="28575">
+            <a:solidFill>
+              <a:schemeClr val="tx1">
+                <a:lumMod val="50000"/>
+                <a:lumOff val="50000"/>
+              </a:schemeClr>
+            </a:solidFill>
+          </a:ln>
+        </p:spPr>
+        <p:style>
+          <a:lnRef idx="2">
+            <a:schemeClr val="accent1">
+              <a:shade val="50000"/>
+            </a:schemeClr>
+          </a:lnRef>
+          <a:fillRef idx="1">
+            <a:schemeClr val="accent1"/>
+          </a:fillRef>
+          <a:effectRef idx="0">
+            <a:schemeClr val="accent1"/>
+          </a:effectRef>
+          <a:fontRef idx="minor">
+            <a:schemeClr val="lt1"/>
+          </a:fontRef>
+        </p:style>
+      </p:cxnSp>
+      <p:sp>
+        <p:nvSpPr>
+          <p:cNvPr id="59" name="Ellipse 58">
+            <a:extLst>
+              <a:ext uri="{FF2B5EF4-FFF2-40B4-BE49-F238E27FC236}">
+                <a16:creationId xmlns:a16="http://schemas.microsoft.com/office/drawing/2014/main" id="{7FFCF9AD-C864-7676-8223-B15B677F9E9E}"/>
+              </a:ext>
+            </a:extLst>
+          </p:cNvPr>
+          <p:cNvSpPr/>
+          <p:nvPr/>
+        </p:nvSpPr>
+        <p:spPr>
+          <a:xfrm>
+            <a:off x="6918864" y="2319967"/>
+            <a:ext cx="180000" cy="180000"/>
+          </a:xfrm>
+          <a:prstGeom prst="ellipse">
+            <a:avLst/>
+          </a:prstGeom>
+          <a:solidFill>
+            <a:schemeClr val="bg1"/>
+          </a:solidFill>
+          <a:ln w="28575">
+            <a:solidFill>
+              <a:srgbClr val="00B050"/>
+            </a:solidFill>
+          </a:ln>
+        </p:spPr>
+        <p:style>
+          <a:lnRef idx="2">
+            <a:schemeClr val="accent1">
+              <a:shade val="50000"/>
+            </a:schemeClr>
+          </a:lnRef>
+          <a:fillRef idx="1">
+            <a:schemeClr val="accent1"/>
+          </a:fillRef>
+          <a:effectRef idx="0">
+            <a:schemeClr val="accent1"/>
+          </a:effectRef>
+          <a:fontRef idx="minor">
+            <a:schemeClr val="lt1"/>
+          </a:fontRef>
+        </p:style>
+        <p:txBody>
+          <a:bodyPr rtlCol="0" anchor="ctr"/>
+          <a:lstStyle/>
+          <a:p>
+            <a:pPr algn="ctr"/>
+            <a:endParaRPr lang="fr-FR" dirty="0"/>
+          </a:p>
+        </p:txBody>
+      </p:sp>
+      <p:sp>
+        <p:nvSpPr>
+          <p:cNvPr id="75" name="Ellipse 74">
+            <a:extLst>
+              <a:ext uri="{FF2B5EF4-FFF2-40B4-BE49-F238E27FC236}">
+                <a16:creationId xmlns:a16="http://schemas.microsoft.com/office/drawing/2014/main" id="{EC011724-B206-1331-BA55-6A807D74054D}"/>
+              </a:ext>
+            </a:extLst>
+          </p:cNvPr>
+          <p:cNvSpPr/>
+          <p:nvPr/>
+        </p:nvSpPr>
+        <p:spPr>
+          <a:xfrm>
+            <a:off x="6641998" y="1808840"/>
+            <a:ext cx="180000" cy="180000"/>
+          </a:xfrm>
+          <a:prstGeom prst="ellipse">
+            <a:avLst/>
+          </a:prstGeom>
+          <a:solidFill>
+            <a:schemeClr val="bg1"/>
+          </a:solidFill>
+          <a:ln w="28575">
+            <a:solidFill>
+              <a:srgbClr val="00B050"/>
+            </a:solidFill>
+          </a:ln>
+        </p:spPr>
+        <p:style>
+          <a:lnRef idx="2">
+            <a:schemeClr val="accent1">
+              <a:shade val="50000"/>
+            </a:schemeClr>
+          </a:lnRef>
+          <a:fillRef idx="1">
+            <a:schemeClr val="accent1"/>
+          </a:fillRef>
+          <a:effectRef idx="0">
+            <a:schemeClr val="accent1"/>
+          </a:effectRef>
+          <a:fontRef idx="minor">
+            <a:schemeClr val="lt1"/>
+          </a:fontRef>
+        </p:style>
+        <p:txBody>
+          <a:bodyPr rtlCol="0" anchor="ctr"/>
+          <a:lstStyle/>
+          <a:p>
+            <a:pPr algn="ctr"/>
+            <a:endParaRPr lang="fr-FR" dirty="0"/>
+          </a:p>
+        </p:txBody>
+      </p:sp>
+      <p:cxnSp>
+        <p:nvCxnSpPr>
+          <p:cNvPr id="85" name="Connecteur droit 84">
+            <a:extLst>
+              <a:ext uri="{FF2B5EF4-FFF2-40B4-BE49-F238E27FC236}">
+                <a16:creationId xmlns:a16="http://schemas.microsoft.com/office/drawing/2014/main" id="{2BC6E6A7-6D3A-7E5A-D47F-EBA6B859499C}"/>
+              </a:ext>
+            </a:extLst>
+          </p:cNvPr>
+          <p:cNvCxnSpPr>
+            <a:cxnSpLocks/>
+            <a:endCxn id="75" idx="0"/>
+          </p:cNvCxnSpPr>
+          <p:nvPr/>
+        </p:nvCxnSpPr>
+        <p:spPr>
+          <a:xfrm>
+            <a:off x="6731998" y="1124744"/>
+            <a:ext cx="0" cy="684096"/>
+          </a:xfrm>
+          <a:prstGeom prst="line">
+            <a:avLst/>
+          </a:prstGeom>
+          <a:noFill/>
+          <a:ln w="28575">
+            <a:solidFill>
+              <a:srgbClr val="0070C0"/>
+            </a:solidFill>
+          </a:ln>
+        </p:spPr>
+        <p:style>
+          <a:lnRef idx="2">
+            <a:schemeClr val="accent1">
+              <a:shade val="50000"/>
+            </a:schemeClr>
+          </a:lnRef>
+          <a:fillRef idx="1">
+            <a:schemeClr val="accent1"/>
+          </a:fillRef>
+          <a:effectRef idx="0">
+            <a:schemeClr val="accent1"/>
+          </a:effectRef>
+          <a:fontRef idx="minor">
+            <a:schemeClr val="lt1"/>
+          </a:fontRef>
+        </p:style>
+      </p:cxnSp>
+      <p:sp>
+        <p:nvSpPr>
+          <p:cNvPr id="84" name="Rectangle 83">
+            <a:extLst>
+              <a:ext uri="{FF2B5EF4-FFF2-40B4-BE49-F238E27FC236}">
+                <a16:creationId xmlns:a16="http://schemas.microsoft.com/office/drawing/2014/main" id="{7A89DD72-9D8C-FEEE-1E70-57B6A7818BFC}"/>
+              </a:ext>
+            </a:extLst>
+          </p:cNvPr>
+          <p:cNvSpPr/>
+          <p:nvPr/>
+        </p:nvSpPr>
+        <p:spPr>
+          <a:xfrm rot="16200000">
+            <a:off x="6551998" y="1457638"/>
+            <a:ext cx="360000" cy="180000"/>
+          </a:xfrm>
+          <a:prstGeom prst="rect">
+            <a:avLst/>
+          </a:prstGeom>
+          <a:solidFill>
+            <a:schemeClr val="bg1"/>
+          </a:solidFill>
+          <a:ln w="28575">
+            <a:solidFill>
+              <a:srgbClr val="C00000"/>
+            </a:solidFill>
+          </a:ln>
+        </p:spPr>
+        <p:style>
+          <a:lnRef idx="2">
+            <a:schemeClr val="accent1">
+              <a:shade val="50000"/>
+            </a:schemeClr>
+          </a:lnRef>
+          <a:fillRef idx="1">
+            <a:schemeClr val="accent1"/>
+          </a:fillRef>
+          <a:effectRef idx="0">
+            <a:schemeClr val="accent1"/>
+          </a:effectRef>
+          <a:fontRef idx="minor">
+            <a:schemeClr val="lt1"/>
+          </a:fontRef>
+        </p:style>
+        <p:txBody>
+          <a:bodyPr rtlCol="0" anchor="ctr"/>
+          <a:lstStyle/>
+          <a:p>
+            <a:pPr algn="ctr"/>
+            <a:endParaRPr lang="fr-FR"/>
+          </a:p>
+        </p:txBody>
+      </p:sp>
+      <p:cxnSp>
+        <p:nvCxnSpPr>
+          <p:cNvPr id="88" name="Connecteur droit 87">
+            <a:extLst>
+              <a:ext uri="{FF2B5EF4-FFF2-40B4-BE49-F238E27FC236}">
+                <a16:creationId xmlns:a16="http://schemas.microsoft.com/office/drawing/2014/main" id="{3A179A30-B809-15A4-6A26-E65DC4EBFDEC}"/>
+              </a:ext>
+            </a:extLst>
+          </p:cNvPr>
+          <p:cNvCxnSpPr>
+            <a:cxnSpLocks/>
+          </p:cNvCxnSpPr>
+          <p:nvPr/>
+        </p:nvCxnSpPr>
+        <p:spPr>
+          <a:xfrm>
+            <a:off x="4932440" y="1124744"/>
+            <a:ext cx="3600000" cy="0"/>
+          </a:xfrm>
+          <a:prstGeom prst="line">
+            <a:avLst/>
+          </a:prstGeom>
+          <a:noFill/>
+          <a:ln w="28575">
+            <a:solidFill>
+              <a:srgbClr val="0070C0"/>
+            </a:solidFill>
+          </a:ln>
+        </p:spPr>
+        <p:style>
+          <a:lnRef idx="2">
+            <a:schemeClr val="accent1">
+              <a:shade val="50000"/>
+            </a:schemeClr>
+          </a:lnRef>
+          <a:fillRef idx="1">
+            <a:schemeClr val="accent1"/>
+          </a:fillRef>
+          <a:effectRef idx="0">
+            <a:schemeClr val="accent1"/>
+          </a:effectRef>
+          <a:fontRef idx="minor">
+            <a:schemeClr val="lt1"/>
+          </a:fontRef>
+        </p:style>
+      </p:cxnSp>
+      <p:cxnSp>
+        <p:nvCxnSpPr>
+          <p:cNvPr id="91" name="Connecteur droit 90">
+            <a:extLst>
+              <a:ext uri="{FF2B5EF4-FFF2-40B4-BE49-F238E27FC236}">
+                <a16:creationId xmlns:a16="http://schemas.microsoft.com/office/drawing/2014/main" id="{D5F209E7-AD37-9159-F445-A2AB4ED1A8B6}"/>
+              </a:ext>
+            </a:extLst>
+          </p:cNvPr>
+          <p:cNvCxnSpPr>
+            <a:cxnSpLocks/>
+          </p:cNvCxnSpPr>
+          <p:nvPr/>
+        </p:nvCxnSpPr>
+        <p:spPr>
+          <a:xfrm flipV="1">
+            <a:off x="4931556" y="799595"/>
+            <a:ext cx="0" cy="325149"/>
+          </a:xfrm>
+          <a:prstGeom prst="line">
+            <a:avLst/>
+          </a:prstGeom>
+          <a:noFill/>
+          <a:ln w="28575">
+            <a:solidFill>
+              <a:srgbClr val="0070C0"/>
+            </a:solidFill>
+          </a:ln>
+        </p:spPr>
+        <p:style>
+          <a:lnRef idx="2">
+            <a:schemeClr val="accent1">
+              <a:shade val="50000"/>
+            </a:schemeClr>
+          </a:lnRef>
+          <a:fillRef idx="1">
+            <a:schemeClr val="accent1"/>
+          </a:fillRef>
+          <a:effectRef idx="0">
+            <a:schemeClr val="accent1"/>
+          </a:effectRef>
+          <a:fontRef idx="minor">
+            <a:schemeClr val="lt1"/>
+          </a:fontRef>
+        </p:style>
+      </p:cxnSp>
+      <p:cxnSp>
+        <p:nvCxnSpPr>
+          <p:cNvPr id="95" name="Connecteur droit 94">
+            <a:extLst>
+              <a:ext uri="{FF2B5EF4-FFF2-40B4-BE49-F238E27FC236}">
+                <a16:creationId xmlns:a16="http://schemas.microsoft.com/office/drawing/2014/main" id="{E3C95F4A-F1D7-C19B-BDC2-98A1B8C2C488}"/>
+              </a:ext>
+            </a:extLst>
+          </p:cNvPr>
+          <p:cNvCxnSpPr>
+            <a:cxnSpLocks/>
+          </p:cNvCxnSpPr>
+          <p:nvPr/>
+        </p:nvCxnSpPr>
+        <p:spPr>
+          <a:xfrm flipV="1">
+            <a:off x="8532440" y="799595"/>
+            <a:ext cx="0" cy="325149"/>
+          </a:xfrm>
+          <a:prstGeom prst="line">
+            <a:avLst/>
+          </a:prstGeom>
+          <a:noFill/>
+          <a:ln w="28575">
+            <a:solidFill>
+              <a:srgbClr val="0070C0"/>
+            </a:solidFill>
+          </a:ln>
+        </p:spPr>
+        <p:style>
+          <a:lnRef idx="2">
+            <a:schemeClr val="accent1">
+              <a:shade val="50000"/>
+            </a:schemeClr>
+          </a:lnRef>
+          <a:fillRef idx="1">
+            <a:schemeClr val="accent1"/>
+          </a:fillRef>
+          <a:effectRef idx="0">
+            <a:schemeClr val="accent1"/>
+          </a:effectRef>
+          <a:fontRef idx="minor">
+            <a:schemeClr val="lt1"/>
+          </a:fontRef>
+        </p:style>
+      </p:cxnSp>
+      <p:cxnSp>
+        <p:nvCxnSpPr>
+          <p:cNvPr id="99" name="Connecteur droit 98">
+            <a:extLst>
+              <a:ext uri="{FF2B5EF4-FFF2-40B4-BE49-F238E27FC236}">
+                <a16:creationId xmlns:a16="http://schemas.microsoft.com/office/drawing/2014/main" id="{EE81CC39-F03C-410D-6F26-ABBAC52EFE37}"/>
+              </a:ext>
+            </a:extLst>
+          </p:cNvPr>
+          <p:cNvCxnSpPr>
+            <a:cxnSpLocks/>
+          </p:cNvCxnSpPr>
+          <p:nvPr/>
+        </p:nvCxnSpPr>
+        <p:spPr>
+          <a:xfrm flipV="1">
+            <a:off x="6004238" y="1547638"/>
+            <a:ext cx="0" cy="1155142"/>
+          </a:xfrm>
+          <a:prstGeom prst="line">
+            <a:avLst/>
+          </a:prstGeom>
+          <a:noFill/>
+          <a:ln w="28575">
+            <a:solidFill>
+              <a:srgbClr val="C00000"/>
+            </a:solidFill>
+          </a:ln>
+        </p:spPr>
+        <p:style>
+          <a:lnRef idx="2">
+            <a:schemeClr val="accent1">
+              <a:shade val="50000"/>
+            </a:schemeClr>
+          </a:lnRef>
+          <a:fillRef idx="1">
+            <a:schemeClr val="accent1"/>
+          </a:fillRef>
+          <a:effectRef idx="0">
+            <a:schemeClr val="accent1"/>
+          </a:effectRef>
+          <a:fontRef idx="minor">
+            <a:schemeClr val="lt1"/>
+          </a:fontRef>
+        </p:style>
+      </p:cxnSp>
+      <p:cxnSp>
+        <p:nvCxnSpPr>
+          <p:cNvPr id="101" name="Connecteur droit 100">
+            <a:extLst>
+              <a:ext uri="{FF2B5EF4-FFF2-40B4-BE49-F238E27FC236}">
+                <a16:creationId xmlns:a16="http://schemas.microsoft.com/office/drawing/2014/main" id="{AE409D97-0380-74EC-726F-6FA4AC1431FA}"/>
+              </a:ext>
+            </a:extLst>
+          </p:cNvPr>
+          <p:cNvCxnSpPr>
+            <a:cxnSpLocks/>
+            <a:stCxn id="84" idx="0"/>
+          </p:cNvCxnSpPr>
+          <p:nvPr/>
+        </p:nvCxnSpPr>
+        <p:spPr>
+          <a:xfrm flipH="1">
+            <a:off x="6011050" y="1547638"/>
+            <a:ext cx="630948" cy="0"/>
+          </a:xfrm>
+          <a:prstGeom prst="line">
+            <a:avLst/>
+          </a:prstGeom>
+          <a:noFill/>
+          <a:ln w="28575">
+            <a:solidFill>
+              <a:srgbClr val="C00000"/>
+            </a:solidFill>
+          </a:ln>
+        </p:spPr>
+        <p:style>
+          <a:lnRef idx="2">
+            <a:schemeClr val="accent1">
+              <a:shade val="50000"/>
+            </a:schemeClr>
+          </a:lnRef>
+          <a:fillRef idx="1">
+            <a:schemeClr val="accent1"/>
+          </a:fillRef>
+          <a:effectRef idx="0">
+            <a:schemeClr val="accent1"/>
+          </a:effectRef>
+          <a:fontRef idx="minor">
+            <a:schemeClr val="lt1"/>
+          </a:fontRef>
+        </p:style>
+      </p:cxnSp>
+      <p:cxnSp>
+        <p:nvCxnSpPr>
+          <p:cNvPr id="109" name="Connecteur droit 108">
+            <a:extLst>
+              <a:ext uri="{FF2B5EF4-FFF2-40B4-BE49-F238E27FC236}">
+                <a16:creationId xmlns:a16="http://schemas.microsoft.com/office/drawing/2014/main" id="{0A42C058-7699-3CEF-79B4-F7E87D6ED361}"/>
+              </a:ext>
+            </a:extLst>
+          </p:cNvPr>
+          <p:cNvCxnSpPr>
+            <a:cxnSpLocks/>
+          </p:cNvCxnSpPr>
+          <p:nvPr/>
+        </p:nvCxnSpPr>
+        <p:spPr>
+          <a:xfrm flipH="1">
+            <a:off x="6821372" y="1547638"/>
+            <a:ext cx="486932" cy="0"/>
+          </a:xfrm>
+          <a:prstGeom prst="line">
+            <a:avLst/>
+          </a:prstGeom>
+          <a:noFill/>
+          <a:ln w="28575">
+            <a:solidFill>
+              <a:srgbClr val="C00000"/>
+            </a:solidFill>
+          </a:ln>
+        </p:spPr>
+        <p:style>
+          <a:lnRef idx="2">
+            <a:schemeClr val="accent1">
+              <a:shade val="50000"/>
+            </a:schemeClr>
+          </a:lnRef>
+          <a:fillRef idx="1">
+            <a:schemeClr val="accent1"/>
+          </a:fillRef>
+          <a:effectRef idx="0">
+            <a:schemeClr val="accent1"/>
+          </a:effectRef>
+          <a:fontRef idx="minor">
+            <a:schemeClr val="lt1"/>
+          </a:fontRef>
+        </p:style>
+      </p:cxnSp>
+      <p:cxnSp>
+        <p:nvCxnSpPr>
+          <p:cNvPr id="111" name="Connecteur droit 110">
+            <a:extLst>
+              <a:ext uri="{FF2B5EF4-FFF2-40B4-BE49-F238E27FC236}">
+                <a16:creationId xmlns:a16="http://schemas.microsoft.com/office/drawing/2014/main" id="{9CC4D387-0474-0C08-F7C0-C5B9B1A8FD15}"/>
+              </a:ext>
+            </a:extLst>
+          </p:cNvPr>
+          <p:cNvCxnSpPr>
+            <a:cxnSpLocks/>
+            <a:stCxn id="9" idx="3"/>
+          </p:cNvCxnSpPr>
+          <p:nvPr/>
+        </p:nvCxnSpPr>
+        <p:spPr>
+          <a:xfrm flipV="1">
+            <a:off x="4800942" y="1984260"/>
+            <a:ext cx="0" cy="1497699"/>
+          </a:xfrm>
+          <a:prstGeom prst="line">
+            <a:avLst/>
+          </a:prstGeom>
+          <a:noFill/>
+          <a:ln w="28575">
+            <a:solidFill>
+              <a:srgbClr val="C00000"/>
+            </a:solidFill>
+          </a:ln>
+        </p:spPr>
+        <p:style>
+          <a:lnRef idx="2">
+            <a:schemeClr val="accent1">
+              <a:shade val="50000"/>
+            </a:schemeClr>
+          </a:lnRef>
+          <a:fillRef idx="1">
+            <a:schemeClr val="accent1"/>
+          </a:fillRef>
+          <a:effectRef idx="0">
+            <a:schemeClr val="accent1"/>
+          </a:effectRef>
+          <a:fontRef idx="minor">
+            <a:schemeClr val="lt1"/>
+          </a:fontRef>
+        </p:style>
+      </p:cxnSp>
+      <p:cxnSp>
+        <p:nvCxnSpPr>
+          <p:cNvPr id="116" name="Connecteur droit 115">
+            <a:extLst>
+              <a:ext uri="{FF2B5EF4-FFF2-40B4-BE49-F238E27FC236}">
+                <a16:creationId xmlns:a16="http://schemas.microsoft.com/office/drawing/2014/main" id="{A61D2418-108E-E078-75B0-7C0932F30296}"/>
+              </a:ext>
+            </a:extLst>
+          </p:cNvPr>
+          <p:cNvCxnSpPr>
+            <a:cxnSpLocks/>
+          </p:cNvCxnSpPr>
+          <p:nvPr/>
+        </p:nvCxnSpPr>
+        <p:spPr>
+          <a:xfrm>
+            <a:off x="4712769" y="3481958"/>
+            <a:ext cx="180000" cy="180000"/>
+          </a:xfrm>
+          <a:prstGeom prst="line">
+            <a:avLst/>
+          </a:prstGeom>
+          <a:noFill/>
+          <a:ln w="28575">
+            <a:solidFill>
+              <a:srgbClr val="C00000"/>
+            </a:solidFill>
+          </a:ln>
+        </p:spPr>
+        <p:style>
+          <a:lnRef idx="2">
+            <a:schemeClr val="accent1">
+              <a:shade val="50000"/>
+            </a:schemeClr>
+          </a:lnRef>
+          <a:fillRef idx="1">
+            <a:schemeClr val="accent1"/>
+          </a:fillRef>
+          <a:effectRef idx="0">
+            <a:schemeClr val="accent1"/>
+          </a:effectRef>
+          <a:fontRef idx="minor">
+            <a:schemeClr val="lt1"/>
+          </a:fontRef>
+        </p:style>
+      </p:cxnSp>
+      <p:cxnSp>
+        <p:nvCxnSpPr>
+          <p:cNvPr id="121" name="Connecteur droit 120">
+            <a:extLst>
+              <a:ext uri="{FF2B5EF4-FFF2-40B4-BE49-F238E27FC236}">
+                <a16:creationId xmlns:a16="http://schemas.microsoft.com/office/drawing/2014/main" id="{BC2A2035-3B9C-1331-7839-C04A0FBAAB3F}"/>
+              </a:ext>
+            </a:extLst>
+          </p:cNvPr>
+          <p:cNvCxnSpPr>
+            <a:cxnSpLocks/>
+          </p:cNvCxnSpPr>
+          <p:nvPr/>
+        </p:nvCxnSpPr>
+        <p:spPr>
+          <a:xfrm flipH="1">
+            <a:off x="4712738" y="3479702"/>
+            <a:ext cx="180000" cy="180000"/>
+          </a:xfrm>
+          <a:prstGeom prst="line">
+            <a:avLst/>
+          </a:prstGeom>
+          <a:noFill/>
+          <a:ln w="28575">
+            <a:solidFill>
+              <a:srgbClr val="C00000"/>
+            </a:solidFill>
+          </a:ln>
+        </p:spPr>
+        <p:style>
+          <a:lnRef idx="2">
+            <a:schemeClr val="accent1">
+              <a:shade val="50000"/>
+            </a:schemeClr>
+          </a:lnRef>
+          <a:fillRef idx="1">
+            <a:schemeClr val="accent1"/>
+          </a:fillRef>
+          <a:effectRef idx="0">
+            <a:schemeClr val="accent1"/>
+          </a:effectRef>
+          <a:fontRef idx="minor">
+            <a:schemeClr val="lt1"/>
+          </a:fontRef>
+        </p:style>
+      </p:cxnSp>
+      <p:sp>
+        <p:nvSpPr>
+          <p:cNvPr id="124" name="Ellipse 123">
+            <a:extLst>
+              <a:ext uri="{FF2B5EF4-FFF2-40B4-BE49-F238E27FC236}">
+                <a16:creationId xmlns:a16="http://schemas.microsoft.com/office/drawing/2014/main" id="{8F88B1B5-BEA7-2772-4903-13DE359DCDB8}"/>
+              </a:ext>
+            </a:extLst>
+          </p:cNvPr>
+          <p:cNvSpPr/>
+          <p:nvPr/>
+        </p:nvSpPr>
+        <p:spPr>
+          <a:xfrm>
+            <a:off x="5337004" y="2612780"/>
+            <a:ext cx="180000" cy="180000"/>
+          </a:xfrm>
+          <a:prstGeom prst="ellipse">
+            <a:avLst/>
+          </a:prstGeom>
+          <a:solidFill>
+            <a:schemeClr val="bg1"/>
+          </a:solidFill>
+          <a:ln w="19050">
+            <a:solidFill>
+              <a:srgbClr val="FFC000"/>
+            </a:solidFill>
+          </a:ln>
+        </p:spPr>
+        <p:style>
+          <a:lnRef idx="2">
+            <a:schemeClr val="accent1">
+              <a:shade val="50000"/>
+            </a:schemeClr>
+          </a:lnRef>
+          <a:fillRef idx="1">
+            <a:schemeClr val="accent1"/>
+          </a:fillRef>
+          <a:effectRef idx="0">
+            <a:schemeClr val="accent1"/>
+          </a:effectRef>
+          <a:fontRef idx="minor">
+            <a:schemeClr val="lt1"/>
+          </a:fontRef>
+        </p:style>
+        <p:txBody>
+          <a:bodyPr rtlCol="0" anchor="ctr"/>
+          <a:lstStyle/>
+          <a:p>
+            <a:pPr algn="ctr"/>
+            <a:r>
+              <a:rPr lang="fr-FR" sz="1050" b="1" dirty="0">
+                <a:solidFill>
+                  <a:srgbClr val="FFC000"/>
+                </a:solidFill>
+              </a:rPr>
+              <a:t>7</a:t>
+            </a:r>
+            <a:endParaRPr lang="fr-FR" sz="1400" b="1" dirty="0">
+              <a:solidFill>
+                <a:srgbClr val="FFC000"/>
+              </a:solidFill>
+            </a:endParaRPr>
+          </a:p>
+        </p:txBody>
+      </p:sp>
+      <p:sp>
+        <p:nvSpPr>
+          <p:cNvPr id="125" name="Ellipse 124">
+            <a:extLst>
+              <a:ext uri="{FF2B5EF4-FFF2-40B4-BE49-F238E27FC236}">
+                <a16:creationId xmlns:a16="http://schemas.microsoft.com/office/drawing/2014/main" id="{F983DE54-650C-002D-979D-9C37C1B892C8}"/>
+              </a:ext>
+            </a:extLst>
+          </p:cNvPr>
+          <p:cNvSpPr/>
+          <p:nvPr/>
+        </p:nvSpPr>
+        <p:spPr>
+          <a:xfrm>
+            <a:off x="7595186" y="3096038"/>
+            <a:ext cx="180000" cy="180000"/>
+          </a:xfrm>
+          <a:prstGeom prst="ellipse">
+            <a:avLst/>
+          </a:prstGeom>
+          <a:solidFill>
+            <a:schemeClr val="bg1"/>
+          </a:solidFill>
+          <a:ln w="19050">
+            <a:solidFill>
+              <a:srgbClr val="77235E"/>
+            </a:solidFill>
+          </a:ln>
+        </p:spPr>
+        <p:style>
+          <a:lnRef idx="2">
+            <a:schemeClr val="accent1">
+              <a:shade val="50000"/>
+            </a:schemeClr>
+          </a:lnRef>
+          <a:fillRef idx="1">
+            <a:schemeClr val="accent1"/>
+          </a:fillRef>
+          <a:effectRef idx="0">
+            <a:schemeClr val="accent1"/>
+          </a:effectRef>
+          <a:fontRef idx="minor">
+            <a:schemeClr val="lt1"/>
+          </a:fontRef>
+        </p:style>
+        <p:txBody>
+          <a:bodyPr rtlCol="0" anchor="ctr"/>
+          <a:lstStyle/>
+          <a:p>
+            <a:pPr algn="ctr"/>
+            <a:r>
+              <a:rPr lang="fr-FR" sz="1050" b="1" dirty="0">
+                <a:solidFill>
+                  <a:srgbClr val="77235E"/>
+                </a:solidFill>
+              </a:rPr>
+              <a:t>8</a:t>
+            </a:r>
+            <a:endParaRPr lang="fr-FR" sz="1400" b="1" dirty="0">
+              <a:solidFill>
+                <a:srgbClr val="77235E"/>
+              </a:solidFill>
+            </a:endParaRPr>
+          </a:p>
+        </p:txBody>
+      </p:sp>
+      <p:sp>
+        <p:nvSpPr>
+          <p:cNvPr id="126" name="Ellipse 125">
+            <a:extLst>
+              <a:ext uri="{FF2B5EF4-FFF2-40B4-BE49-F238E27FC236}">
+                <a16:creationId xmlns:a16="http://schemas.microsoft.com/office/drawing/2014/main" id="{89B7040C-B45A-9B66-D7E7-6DF25384E324}"/>
+              </a:ext>
+            </a:extLst>
+          </p:cNvPr>
+          <p:cNvSpPr/>
+          <p:nvPr/>
+        </p:nvSpPr>
+        <p:spPr>
+          <a:xfrm>
+            <a:off x="6192200" y="2855823"/>
+            <a:ext cx="180000" cy="180000"/>
+          </a:xfrm>
+          <a:prstGeom prst="ellipse">
+            <a:avLst/>
+          </a:prstGeom>
+          <a:solidFill>
+            <a:schemeClr val="bg1"/>
+          </a:solidFill>
+          <a:ln w="19050">
+            <a:solidFill>
+              <a:schemeClr val="tx1">
+                <a:lumMod val="50000"/>
+                <a:lumOff val="50000"/>
+              </a:schemeClr>
+            </a:solidFill>
+          </a:ln>
+        </p:spPr>
+        <p:style>
+          <a:lnRef idx="2">
+            <a:schemeClr val="accent1">
+              <a:shade val="50000"/>
+            </a:schemeClr>
+          </a:lnRef>
+          <a:fillRef idx="1">
+            <a:schemeClr val="accent1"/>
+          </a:fillRef>
+          <a:effectRef idx="0">
+            <a:schemeClr val="accent1"/>
+          </a:effectRef>
+          <a:fontRef idx="minor">
+            <a:schemeClr val="lt1"/>
+          </a:fontRef>
+        </p:style>
+        <p:txBody>
+          <a:bodyPr rtlCol="0" anchor="ctr"/>
+          <a:lstStyle/>
+          <a:p>
+            <a:pPr algn="ctr"/>
+            <a:r>
+              <a:rPr lang="fr-FR" sz="1050" b="1" dirty="0">
+                <a:solidFill>
+                  <a:schemeClr val="bg1">
+                    <a:lumMod val="50000"/>
+                  </a:schemeClr>
+                </a:solidFill>
+              </a:rPr>
+              <a:t>9</a:t>
+            </a:r>
+            <a:endParaRPr lang="fr-FR" sz="1400" b="1" dirty="0">
+              <a:solidFill>
+                <a:schemeClr val="bg1">
+                  <a:lumMod val="50000"/>
+                </a:schemeClr>
+              </a:solidFill>
+            </a:endParaRPr>
+          </a:p>
+        </p:txBody>
+      </p:sp>
+      <p:sp>
+        <p:nvSpPr>
+          <p:cNvPr id="129" name="Ellipse 128">
+            <a:extLst>
+              <a:ext uri="{FF2B5EF4-FFF2-40B4-BE49-F238E27FC236}">
+                <a16:creationId xmlns:a16="http://schemas.microsoft.com/office/drawing/2014/main" id="{0576B60D-2A87-5ABD-9F40-1E6D26D9F1BE}"/>
+              </a:ext>
+            </a:extLst>
+          </p:cNvPr>
+          <p:cNvSpPr/>
+          <p:nvPr/>
+        </p:nvSpPr>
+        <p:spPr>
+          <a:xfrm>
+            <a:off x="6971325" y="1879762"/>
+            <a:ext cx="216000" cy="216000"/>
+          </a:xfrm>
+          <a:prstGeom prst="ellipse">
+            <a:avLst/>
+          </a:prstGeom>
+          <a:solidFill>
+            <a:schemeClr val="bg1"/>
+          </a:solidFill>
+          <a:ln w="19050">
+            <a:solidFill>
+              <a:srgbClr val="00B050"/>
+            </a:solidFill>
+          </a:ln>
+        </p:spPr>
+        <p:style>
+          <a:lnRef idx="2">
+            <a:schemeClr val="accent1">
+              <a:shade val="50000"/>
+            </a:schemeClr>
+          </a:lnRef>
+          <a:fillRef idx="1">
+            <a:schemeClr val="accent1"/>
+          </a:fillRef>
+          <a:effectRef idx="0">
+            <a:schemeClr val="accent1"/>
+          </a:effectRef>
+          <a:fontRef idx="minor">
+            <a:schemeClr val="lt1"/>
+          </a:fontRef>
+        </p:style>
+        <p:txBody>
+          <a:bodyPr lIns="0" tIns="0" rIns="0" bIns="0" rtlCol="0" anchor="ctr"/>
+          <a:lstStyle/>
+          <a:p>
+            <a:pPr algn="ctr"/>
+            <a:r>
+              <a:rPr lang="fr-FR" sz="1000" b="1" dirty="0">
+                <a:solidFill>
+                  <a:srgbClr val="00B050"/>
+                </a:solidFill>
+              </a:rPr>
+              <a:t>10</a:t>
+            </a:r>
+            <a:endParaRPr lang="fr-FR" sz="1200" b="1" dirty="0">
+              <a:solidFill>
+                <a:srgbClr val="00B050"/>
+              </a:solidFill>
+            </a:endParaRPr>
+          </a:p>
+        </p:txBody>
+      </p:sp>
+      <p:sp>
+        <p:nvSpPr>
+          <p:cNvPr id="130" name="Ellipse 129">
+            <a:extLst>
+              <a:ext uri="{FF2B5EF4-FFF2-40B4-BE49-F238E27FC236}">
+                <a16:creationId xmlns:a16="http://schemas.microsoft.com/office/drawing/2014/main" id="{8B0CB723-5810-23BC-F0D8-3E5F1D2B0CC6}"/>
+              </a:ext>
+            </a:extLst>
+          </p:cNvPr>
+          <p:cNvSpPr/>
+          <p:nvPr/>
+        </p:nvSpPr>
+        <p:spPr>
+          <a:xfrm>
+            <a:off x="5003731" y="860481"/>
+            <a:ext cx="216000" cy="216000"/>
+          </a:xfrm>
+          <a:prstGeom prst="ellipse">
+            <a:avLst/>
+          </a:prstGeom>
+          <a:solidFill>
+            <a:schemeClr val="bg1"/>
+          </a:solidFill>
+          <a:ln w="19050">
+            <a:solidFill>
+              <a:srgbClr val="0070C0"/>
+            </a:solidFill>
+          </a:ln>
+        </p:spPr>
+        <p:style>
+          <a:lnRef idx="2">
+            <a:schemeClr val="accent1">
+              <a:shade val="50000"/>
+            </a:schemeClr>
+          </a:lnRef>
+          <a:fillRef idx="1">
+            <a:schemeClr val="accent1"/>
+          </a:fillRef>
+          <a:effectRef idx="0">
+            <a:schemeClr val="accent1"/>
+          </a:effectRef>
+          <a:fontRef idx="minor">
+            <a:schemeClr val="lt1"/>
+          </a:fontRef>
+        </p:style>
+        <p:txBody>
+          <a:bodyPr lIns="0" tIns="0" rIns="0" bIns="0" rtlCol="0" anchor="ctr"/>
+          <a:lstStyle/>
+          <a:p>
+            <a:pPr algn="ctr"/>
+            <a:r>
+              <a:rPr lang="fr-FR" sz="1000" b="1" dirty="0">
+                <a:solidFill>
+                  <a:srgbClr val="0070C0"/>
+                </a:solidFill>
+              </a:rPr>
+              <a:t>11</a:t>
+            </a:r>
+            <a:endParaRPr lang="fr-FR" sz="1200" b="1" dirty="0">
+              <a:solidFill>
+                <a:srgbClr val="0070C0"/>
+              </a:solidFill>
+            </a:endParaRPr>
+          </a:p>
+        </p:txBody>
+      </p:sp>
+      <p:cxnSp>
+        <p:nvCxnSpPr>
+          <p:cNvPr id="17" name="Connecteur droit 16">
+            <a:extLst>
+              <a:ext uri="{FF2B5EF4-FFF2-40B4-BE49-F238E27FC236}">
+                <a16:creationId xmlns:a16="http://schemas.microsoft.com/office/drawing/2014/main" id="{4BBE043E-07B8-8DC2-42E8-E04DC13A08B5}"/>
+              </a:ext>
+            </a:extLst>
+          </p:cNvPr>
+          <p:cNvCxnSpPr>
+            <a:cxnSpLocks/>
+          </p:cNvCxnSpPr>
+          <p:nvPr/>
+        </p:nvCxnSpPr>
+        <p:spPr>
+          <a:xfrm flipV="1">
+            <a:off x="7308304" y="1553078"/>
+            <a:ext cx="0" cy="452386"/>
+          </a:xfrm>
+          <a:prstGeom prst="line">
+            <a:avLst/>
+          </a:prstGeom>
+          <a:noFill/>
+          <a:ln w="28575">
+            <a:solidFill>
+              <a:srgbClr val="C00000"/>
+            </a:solidFill>
+          </a:ln>
+        </p:spPr>
+        <p:style>
+          <a:lnRef idx="2">
+            <a:schemeClr val="accent1">
+              <a:shade val="50000"/>
+            </a:schemeClr>
+          </a:lnRef>
+          <a:fillRef idx="1">
+            <a:schemeClr val="accent1"/>
+          </a:fillRef>
+          <a:effectRef idx="0">
+            <a:schemeClr val="accent1"/>
+          </a:effectRef>
+          <a:fontRef idx="minor">
+            <a:schemeClr val="lt1"/>
+          </a:fontRef>
+        </p:style>
+      </p:cxnSp>
+      <p:cxnSp>
+        <p:nvCxnSpPr>
+          <p:cNvPr id="23" name="Connecteur droit 22">
+            <a:extLst>
+              <a:ext uri="{FF2B5EF4-FFF2-40B4-BE49-F238E27FC236}">
+                <a16:creationId xmlns:a16="http://schemas.microsoft.com/office/drawing/2014/main" id="{95B4E5C0-38DB-63D9-DB60-E04BB277CBB2}"/>
+              </a:ext>
+            </a:extLst>
+          </p:cNvPr>
+          <p:cNvCxnSpPr>
+            <a:cxnSpLocks/>
+            <a:endCxn id="26" idx="0"/>
+          </p:cNvCxnSpPr>
+          <p:nvPr/>
+        </p:nvCxnSpPr>
+        <p:spPr>
+          <a:xfrm>
+            <a:off x="7308304" y="1989133"/>
+            <a:ext cx="109090" cy="3521"/>
+          </a:xfrm>
+          <a:prstGeom prst="line">
+            <a:avLst/>
+          </a:prstGeom>
+          <a:noFill/>
+          <a:ln w="28575">
+            <a:solidFill>
+              <a:srgbClr val="C00000"/>
+            </a:solidFill>
+          </a:ln>
+        </p:spPr>
+        <p:style>
+          <a:lnRef idx="2">
+            <a:schemeClr val="accent1">
+              <a:shade val="50000"/>
+            </a:schemeClr>
+          </a:lnRef>
+          <a:fillRef idx="1">
+            <a:schemeClr val="accent1"/>
+          </a:fillRef>
+          <a:effectRef idx="0">
+            <a:schemeClr val="accent1"/>
+          </a:effectRef>
+          <a:fontRef idx="minor">
+            <a:schemeClr val="lt1"/>
+          </a:fontRef>
+        </p:style>
+      </p:cxnSp>
+      <p:cxnSp>
+        <p:nvCxnSpPr>
+          <p:cNvPr id="35" name="Connecteur droit 34">
+            <a:extLst>
+              <a:ext uri="{FF2B5EF4-FFF2-40B4-BE49-F238E27FC236}">
+                <a16:creationId xmlns:a16="http://schemas.microsoft.com/office/drawing/2014/main" id="{E896701E-A29E-6BDE-7E62-DD40F65BB337}"/>
+              </a:ext>
+            </a:extLst>
+          </p:cNvPr>
+          <p:cNvCxnSpPr>
+            <a:cxnSpLocks/>
+            <a:endCxn id="51" idx="2"/>
+          </p:cNvCxnSpPr>
+          <p:nvPr/>
+        </p:nvCxnSpPr>
+        <p:spPr>
+          <a:xfrm>
+            <a:off x="5994169" y="2711459"/>
+            <a:ext cx="654650" cy="0"/>
+          </a:xfrm>
+          <a:prstGeom prst="line">
+            <a:avLst/>
+          </a:prstGeom>
+          <a:noFill/>
+          <a:ln w="28575">
+            <a:solidFill>
+              <a:srgbClr val="C00000"/>
+            </a:solidFill>
+          </a:ln>
+        </p:spPr>
+        <p:style>
+          <a:lnRef idx="2">
+            <a:schemeClr val="accent1">
+              <a:shade val="50000"/>
+            </a:schemeClr>
+          </a:lnRef>
+          <a:fillRef idx="1">
+            <a:schemeClr val="accent1"/>
+          </a:fillRef>
+          <a:effectRef idx="0">
+            <a:schemeClr val="accent1"/>
+          </a:effectRef>
+          <a:fontRef idx="minor">
+            <a:schemeClr val="lt1"/>
+          </a:fontRef>
+        </p:style>
+      </p:cxnSp>
+      <p:sp>
+        <p:nvSpPr>
+          <p:cNvPr id="2" name="Ellipse 1">
+            <a:extLst>
+              <a:ext uri="{FF2B5EF4-FFF2-40B4-BE49-F238E27FC236}">
+                <a16:creationId xmlns:a16="http://schemas.microsoft.com/office/drawing/2014/main" id="{04203CE2-F804-1ED1-B5DE-931FEDF74136}"/>
+              </a:ext>
+            </a:extLst>
+          </p:cNvPr>
+          <p:cNvSpPr/>
+          <p:nvPr/>
+        </p:nvSpPr>
+        <p:spPr>
+          <a:xfrm>
+            <a:off x="1043608" y="2418507"/>
+            <a:ext cx="180000" cy="180000"/>
+          </a:xfrm>
+          <a:prstGeom prst="ellipse">
+            <a:avLst/>
+          </a:prstGeom>
+          <a:solidFill>
+            <a:schemeClr val="bg1"/>
+          </a:solidFill>
+          <a:ln w="19050">
+            <a:solidFill>
+              <a:srgbClr val="C00000"/>
+            </a:solidFill>
+          </a:ln>
+        </p:spPr>
+        <p:style>
+          <a:lnRef idx="2">
+            <a:schemeClr val="accent1">
+              <a:shade val="50000"/>
+            </a:schemeClr>
+          </a:lnRef>
+          <a:fillRef idx="1">
+            <a:schemeClr val="accent1"/>
+          </a:fillRef>
+          <a:effectRef idx="0">
+            <a:schemeClr val="accent1"/>
+          </a:effectRef>
+          <a:fontRef idx="minor">
+            <a:schemeClr val="lt1"/>
+          </a:fontRef>
+        </p:style>
+        <p:txBody>
+          <a:bodyPr rtlCol="0" anchor="ctr"/>
+          <a:lstStyle/>
+          <a:p>
+            <a:pPr algn="ctr"/>
+            <a:r>
+              <a:rPr lang="fr-FR" sz="1050" b="1" dirty="0">
+                <a:solidFill>
+                  <a:srgbClr val="C00000"/>
+                </a:solidFill>
+              </a:rPr>
+              <a:t>6</a:t>
+            </a:r>
+            <a:endParaRPr lang="fr-FR" sz="1400" b="1" dirty="0">
+              <a:solidFill>
+                <a:srgbClr val="C00000"/>
+              </a:solidFill>
+            </a:endParaRPr>
+          </a:p>
+        </p:txBody>
+      </p:sp>
+      <p:sp>
+        <p:nvSpPr>
+          <p:cNvPr id="4" name="Ellipse 3">
+            <a:extLst>
+              <a:ext uri="{FF2B5EF4-FFF2-40B4-BE49-F238E27FC236}">
+                <a16:creationId xmlns:a16="http://schemas.microsoft.com/office/drawing/2014/main" id="{17DD9345-3393-7B61-B23C-63BFF859F77E}"/>
+              </a:ext>
+            </a:extLst>
+          </p:cNvPr>
+          <p:cNvSpPr/>
+          <p:nvPr/>
+        </p:nvSpPr>
+        <p:spPr>
+          <a:xfrm>
+            <a:off x="828336" y="2822700"/>
+            <a:ext cx="180000" cy="180000"/>
+          </a:xfrm>
+          <a:prstGeom prst="ellipse">
+            <a:avLst/>
+          </a:prstGeom>
+          <a:solidFill>
+            <a:schemeClr val="bg1"/>
+          </a:solidFill>
+          <a:ln w="19050">
+            <a:solidFill>
+              <a:srgbClr val="0070C0"/>
+            </a:solidFill>
+          </a:ln>
+        </p:spPr>
+        <p:style>
+          <a:lnRef idx="2">
+            <a:schemeClr val="accent1">
+              <a:shade val="50000"/>
+            </a:schemeClr>
+          </a:lnRef>
+          <a:fillRef idx="1">
+            <a:schemeClr val="accent1"/>
+          </a:fillRef>
+          <a:effectRef idx="0">
+            <a:schemeClr val="accent1"/>
+          </a:effectRef>
+          <a:fontRef idx="minor">
+            <a:schemeClr val="lt1"/>
+          </a:fontRef>
+        </p:style>
+        <p:txBody>
+          <a:bodyPr rtlCol="0" anchor="ctr"/>
+          <a:lstStyle/>
+          <a:p>
+            <a:pPr algn="ctr"/>
+            <a:r>
+              <a:rPr lang="fr-FR" sz="1050" b="1" dirty="0">
+                <a:solidFill>
+                  <a:srgbClr val="0070C0"/>
+                </a:solidFill>
+              </a:rPr>
+              <a:t>5</a:t>
+            </a:r>
+            <a:endParaRPr lang="fr-FR" sz="1400" b="1" dirty="0">
+              <a:solidFill>
+                <a:srgbClr val="0070C0"/>
+              </a:solidFill>
+            </a:endParaRPr>
+          </a:p>
+        </p:txBody>
+      </p:sp>
+      <p:sp>
+        <p:nvSpPr>
+          <p:cNvPr id="15" name="Ellipse 14">
+            <a:extLst>
+              <a:ext uri="{FF2B5EF4-FFF2-40B4-BE49-F238E27FC236}">
+                <a16:creationId xmlns:a16="http://schemas.microsoft.com/office/drawing/2014/main" id="{6CC45B2F-D759-FF3A-67A8-B0FB227A9535}"/>
+              </a:ext>
+            </a:extLst>
+          </p:cNvPr>
+          <p:cNvSpPr/>
+          <p:nvPr/>
+        </p:nvSpPr>
+        <p:spPr>
+          <a:xfrm>
+            <a:off x="1636605" y="1772816"/>
+            <a:ext cx="180000" cy="180000"/>
+          </a:xfrm>
+          <a:prstGeom prst="ellipse">
+            <a:avLst/>
+          </a:prstGeom>
+          <a:solidFill>
+            <a:schemeClr val="bg1"/>
+          </a:solidFill>
+          <a:ln w="19050">
+            <a:solidFill>
+              <a:srgbClr val="FFC000"/>
+            </a:solidFill>
+          </a:ln>
+        </p:spPr>
+        <p:style>
+          <a:lnRef idx="2">
+            <a:schemeClr val="accent1">
+              <a:shade val="50000"/>
+            </a:schemeClr>
+          </a:lnRef>
+          <a:fillRef idx="1">
+            <a:schemeClr val="accent1"/>
+          </a:fillRef>
+          <a:effectRef idx="0">
+            <a:schemeClr val="accent1"/>
+          </a:effectRef>
+          <a:fontRef idx="minor">
+            <a:schemeClr val="lt1"/>
+          </a:fontRef>
+        </p:style>
+        <p:txBody>
+          <a:bodyPr rtlCol="0" anchor="ctr"/>
+          <a:lstStyle/>
+          <a:p>
+            <a:pPr algn="ctr"/>
+            <a:r>
+              <a:rPr lang="fr-FR" sz="1050" b="1" dirty="0">
+                <a:solidFill>
+                  <a:srgbClr val="FFC000"/>
+                </a:solidFill>
+              </a:rPr>
+              <a:t>7</a:t>
+            </a:r>
+            <a:endParaRPr lang="fr-FR" sz="1400" b="1" dirty="0">
+              <a:solidFill>
+                <a:srgbClr val="FFC000"/>
+              </a:solidFill>
+            </a:endParaRPr>
+          </a:p>
+        </p:txBody>
+      </p:sp>
+      <p:sp>
+        <p:nvSpPr>
+          <p:cNvPr id="21" name="Ellipse 20">
+            <a:extLst>
+              <a:ext uri="{FF2B5EF4-FFF2-40B4-BE49-F238E27FC236}">
+                <a16:creationId xmlns:a16="http://schemas.microsoft.com/office/drawing/2014/main" id="{5F45809C-B7AE-2ECA-0A6E-22B843F99E3D}"/>
+              </a:ext>
+            </a:extLst>
+          </p:cNvPr>
+          <p:cNvSpPr/>
+          <p:nvPr/>
+        </p:nvSpPr>
+        <p:spPr>
+          <a:xfrm>
+            <a:off x="2004491" y="2047130"/>
+            <a:ext cx="180000" cy="180000"/>
+          </a:xfrm>
+          <a:prstGeom prst="ellipse">
+            <a:avLst/>
+          </a:prstGeom>
+          <a:solidFill>
+            <a:schemeClr val="bg1"/>
+          </a:solidFill>
+          <a:ln w="19050">
+            <a:solidFill>
+              <a:schemeClr val="tx1">
+                <a:lumMod val="50000"/>
+                <a:lumOff val="50000"/>
+              </a:schemeClr>
+            </a:solidFill>
+          </a:ln>
+        </p:spPr>
+        <p:style>
+          <a:lnRef idx="2">
+            <a:schemeClr val="accent1">
+              <a:shade val="50000"/>
+            </a:schemeClr>
+          </a:lnRef>
+          <a:fillRef idx="1">
+            <a:schemeClr val="accent1"/>
+          </a:fillRef>
+          <a:effectRef idx="0">
+            <a:schemeClr val="accent1"/>
+          </a:effectRef>
+          <a:fontRef idx="minor">
+            <a:schemeClr val="lt1"/>
+          </a:fontRef>
+        </p:style>
+        <p:txBody>
+          <a:bodyPr rtlCol="0" anchor="ctr"/>
+          <a:lstStyle/>
+          <a:p>
+            <a:pPr algn="ctr"/>
+            <a:r>
+              <a:rPr lang="fr-FR" sz="1050" b="1" dirty="0">
+                <a:solidFill>
+                  <a:schemeClr val="bg1">
+                    <a:lumMod val="50000"/>
+                  </a:schemeClr>
+                </a:solidFill>
+              </a:rPr>
+              <a:t>9</a:t>
+            </a:r>
+            <a:endParaRPr lang="fr-FR" sz="1400" b="1" dirty="0">
+              <a:solidFill>
+                <a:schemeClr val="bg1">
+                  <a:lumMod val="50000"/>
+                </a:schemeClr>
+              </a:solidFill>
+            </a:endParaRPr>
+          </a:p>
+        </p:txBody>
+      </p:sp>
+      <p:sp>
+        <p:nvSpPr>
+          <p:cNvPr id="25" name="Ellipse 24">
+            <a:extLst>
+              <a:ext uri="{FF2B5EF4-FFF2-40B4-BE49-F238E27FC236}">
+                <a16:creationId xmlns:a16="http://schemas.microsoft.com/office/drawing/2014/main" id="{77DA62F4-4E9D-0D69-45B5-784D475B7E92}"/>
+              </a:ext>
+            </a:extLst>
+          </p:cNvPr>
+          <p:cNvSpPr/>
+          <p:nvPr/>
+        </p:nvSpPr>
+        <p:spPr>
+          <a:xfrm>
+            <a:off x="1788491" y="2471102"/>
+            <a:ext cx="216000" cy="216000"/>
+          </a:xfrm>
+          <a:prstGeom prst="ellipse">
+            <a:avLst/>
+          </a:prstGeom>
+          <a:solidFill>
+            <a:schemeClr val="bg1"/>
+          </a:solidFill>
+          <a:ln w="19050">
+            <a:solidFill>
+              <a:srgbClr val="00B050"/>
+            </a:solidFill>
+          </a:ln>
+        </p:spPr>
+        <p:style>
+          <a:lnRef idx="2">
+            <a:schemeClr val="accent1">
+              <a:shade val="50000"/>
+            </a:schemeClr>
+          </a:lnRef>
+          <a:fillRef idx="1">
+            <a:schemeClr val="accent1"/>
+          </a:fillRef>
+          <a:effectRef idx="0">
+            <a:schemeClr val="accent1"/>
+          </a:effectRef>
+          <a:fontRef idx="minor">
+            <a:schemeClr val="lt1"/>
+          </a:fontRef>
+        </p:style>
+        <p:txBody>
+          <a:bodyPr lIns="0" tIns="0" rIns="0" bIns="0" rtlCol="0" anchor="ctr"/>
+          <a:lstStyle/>
+          <a:p>
+            <a:pPr algn="ctr"/>
+            <a:r>
+              <a:rPr lang="fr-FR" sz="1000" b="1" dirty="0">
+                <a:solidFill>
+                  <a:srgbClr val="00B050"/>
+                </a:solidFill>
+              </a:rPr>
+              <a:t>10</a:t>
+            </a:r>
+            <a:endParaRPr lang="fr-FR" sz="1200" b="1" dirty="0">
+              <a:solidFill>
+                <a:srgbClr val="00B050"/>
+              </a:solidFill>
+            </a:endParaRPr>
+          </a:p>
+        </p:txBody>
+      </p:sp>
+      <p:sp>
+        <p:nvSpPr>
+          <p:cNvPr id="30" name="Ellipse 29">
+            <a:extLst>
+              <a:ext uri="{FF2B5EF4-FFF2-40B4-BE49-F238E27FC236}">
+                <a16:creationId xmlns:a16="http://schemas.microsoft.com/office/drawing/2014/main" id="{5842CC5E-658A-BE18-DD0B-066B75DFB1A9}"/>
+              </a:ext>
+            </a:extLst>
+          </p:cNvPr>
+          <p:cNvSpPr/>
+          <p:nvPr/>
+        </p:nvSpPr>
+        <p:spPr>
+          <a:xfrm>
+            <a:off x="2347799" y="2381102"/>
+            <a:ext cx="180000" cy="180000"/>
+          </a:xfrm>
+          <a:prstGeom prst="ellipse">
+            <a:avLst/>
+          </a:prstGeom>
+          <a:solidFill>
+            <a:schemeClr val="bg1"/>
+          </a:solidFill>
+          <a:ln w="19050">
+            <a:solidFill>
+              <a:srgbClr val="77235E"/>
+            </a:solidFill>
+          </a:ln>
+        </p:spPr>
+        <p:style>
+          <a:lnRef idx="2">
+            <a:schemeClr val="accent1">
+              <a:shade val="50000"/>
+            </a:schemeClr>
+          </a:lnRef>
+          <a:fillRef idx="1">
+            <a:schemeClr val="accent1"/>
+          </a:fillRef>
+          <a:effectRef idx="0">
+            <a:schemeClr val="accent1"/>
+          </a:effectRef>
+          <a:fontRef idx="minor">
+            <a:schemeClr val="lt1"/>
+          </a:fontRef>
+        </p:style>
+        <p:txBody>
+          <a:bodyPr rtlCol="0" anchor="ctr"/>
+          <a:lstStyle/>
+          <a:p>
+            <a:pPr algn="ctr"/>
+            <a:r>
+              <a:rPr lang="fr-FR" sz="1050" b="1" dirty="0">
+                <a:solidFill>
+                  <a:srgbClr val="77235E"/>
+                </a:solidFill>
+              </a:rPr>
+              <a:t>8</a:t>
+            </a:r>
+            <a:endParaRPr lang="fr-FR" sz="1400" b="1" dirty="0">
+              <a:solidFill>
+                <a:srgbClr val="77235E"/>
+              </a:solidFill>
+            </a:endParaRPr>
+          </a:p>
+        </p:txBody>
+      </p:sp>
+    </p:spTree>
+    <p:extLst>
+      <p:ext uri="{BB962C8B-B14F-4D97-AF65-F5344CB8AC3E}">
+        <p14:creationId xmlns:p14="http://schemas.microsoft.com/office/powerpoint/2010/main" val="3559661161"/>
+      </p:ext>
+    </p:extLst>
+  </p:cSld>
+  <p:clrMapOvr>
+    <a:masterClrMapping/>
+  </p:clrMapOvr>
+</p:sld>
+</file>
+
+<file path=ppt/slides/slide6.xml><?xml version="1.0" encoding="utf-8"?>
+<p:sld xmlns:a="http://schemas.openxmlformats.org/drawingml/2006/main" xmlns:r="http://schemas.openxmlformats.org/officeDocument/2006/relationships" xmlns:p="http://schemas.openxmlformats.org/presentationml/2006/main">
+  <p:cSld>
+    <p:spTree>
+      <p:nvGrpSpPr>
+        <p:cNvPr id="1" name=""/>
+        <p:cNvGrpSpPr/>
+        <p:nvPr/>
+      </p:nvGrpSpPr>
+      <p:grpSpPr>
+        <a:xfrm>
+          <a:off x="0" y="0"/>
+          <a:ext cx="0" cy="0"/>
+          <a:chOff x="0" y="0"/>
+          <a:chExt cx="0" cy="0"/>
+        </a:xfrm>
+      </p:grpSpPr>
       <p:sp>
         <p:nvSpPr>
           <p:cNvPr id="51" name="Ellipse 50">

--- a/13_Moby_Crea/Documentation_Moby_Figures.pptx
+++ b/13_Moby_Crea/Documentation_Moby_Figures.pptx
@@ -5,7 +5,7 @@
     <p:sldMasterId id="2147483648" r:id="rId1"/>
   </p:sldMasterIdLst>
   <p:notesMasterIdLst>
-    <p:notesMasterId r:id="rId8"/>
+    <p:notesMasterId r:id="rId9"/>
   </p:notesMasterIdLst>
   <p:sldIdLst>
     <p:sldId id="256" r:id="rId2"/>
@@ -14,6 +14,7 @@
     <p:sldId id="262" r:id="rId5"/>
     <p:sldId id="265" r:id="rId6"/>
     <p:sldId id="263" r:id="rId7"/>
+    <p:sldId id="266" r:id="rId8"/>
   </p:sldIdLst>
   <p:sldSz cx="9144000" cy="6858000" type="screen4x3"/>
   <p:notesSz cx="6858000" cy="9144000"/>
@@ -115,7 +116,7 @@
   <p:extLst>
     <p:ext uri="{EFAFB233-063F-42B5-8137-9DF3F51BA10A}">
       <p15:sldGuideLst xmlns:p15="http://schemas.microsoft.com/office/powerpoint/2012/main">
-        <p15:guide id="1" orient="horz" pos="2160">
+        <p15:guide id="1" orient="horz" pos="2115" userDrawn="1">
           <p15:clr>
             <a:srgbClr val="A4A3A4"/>
           </p15:clr>
@@ -213,7 +214,7 @@
           <a:p>
             <a:fld id="{7D49C07F-47CC-42FB-BE92-A2DB97BB89D4}" type="datetimeFigureOut">
               <a:rPr lang="fr-FR" smtClean="0"/>
-              <a:t>18/12/2022</a:t>
+              <a:t>16/01/2023</a:t>
             </a:fld>
             <a:endParaRPr lang="fr-FR"/>
           </a:p>
@@ -829,7 +830,7 @@
           <a:p>
             <a:fld id="{AA309A6D-C09C-4548-B29A-6CF363A7E532}" type="datetimeFigureOut">
               <a:rPr lang="fr-FR" smtClean="0"/>
-              <a:t>18/12/2022</a:t>
+              <a:t>16/01/2023</a:t>
             </a:fld>
             <a:endParaRPr lang="fr-BE"/>
           </a:p>
@@ -994,7 +995,7 @@
           <a:p>
             <a:fld id="{AA309A6D-C09C-4548-B29A-6CF363A7E532}" type="datetimeFigureOut">
               <a:rPr lang="fr-FR" smtClean="0"/>
-              <a:t>18/12/2022</a:t>
+              <a:t>16/01/2023</a:t>
             </a:fld>
             <a:endParaRPr lang="fr-BE"/>
           </a:p>
@@ -1169,7 +1170,7 @@
           <a:p>
             <a:fld id="{AA309A6D-C09C-4548-B29A-6CF363A7E532}" type="datetimeFigureOut">
               <a:rPr lang="fr-FR" smtClean="0"/>
-              <a:t>18/12/2022</a:t>
+              <a:t>16/01/2023</a:t>
             </a:fld>
             <a:endParaRPr lang="fr-BE"/>
           </a:p>
@@ -1334,7 +1335,7 @@
           <a:p>
             <a:fld id="{AA309A6D-C09C-4548-B29A-6CF363A7E532}" type="datetimeFigureOut">
               <a:rPr lang="fr-FR" smtClean="0"/>
-              <a:t>18/12/2022</a:t>
+              <a:t>16/01/2023</a:t>
             </a:fld>
             <a:endParaRPr lang="fr-BE"/>
           </a:p>
@@ -1575,7 +1576,7 @@
           <a:p>
             <a:fld id="{AA309A6D-C09C-4548-B29A-6CF363A7E532}" type="datetimeFigureOut">
               <a:rPr lang="fr-FR" smtClean="0"/>
-              <a:t>18/12/2022</a:t>
+              <a:t>16/01/2023</a:t>
             </a:fld>
             <a:endParaRPr lang="fr-BE"/>
           </a:p>
@@ -1858,7 +1859,7 @@
           <a:p>
             <a:fld id="{AA309A6D-C09C-4548-B29A-6CF363A7E532}" type="datetimeFigureOut">
               <a:rPr lang="fr-FR" smtClean="0"/>
-              <a:t>18/12/2022</a:t>
+              <a:t>16/01/2023</a:t>
             </a:fld>
             <a:endParaRPr lang="fr-BE"/>
           </a:p>
@@ -2275,7 +2276,7 @@
           <a:p>
             <a:fld id="{AA309A6D-C09C-4548-B29A-6CF363A7E532}" type="datetimeFigureOut">
               <a:rPr lang="fr-FR" smtClean="0"/>
-              <a:t>18/12/2022</a:t>
+              <a:t>16/01/2023</a:t>
             </a:fld>
             <a:endParaRPr lang="fr-BE"/>
           </a:p>
@@ -2388,7 +2389,7 @@
           <a:p>
             <a:fld id="{AA309A6D-C09C-4548-B29A-6CF363A7E532}" type="datetimeFigureOut">
               <a:rPr lang="fr-FR" smtClean="0"/>
-              <a:t>18/12/2022</a:t>
+              <a:t>16/01/2023</a:t>
             </a:fld>
             <a:endParaRPr lang="fr-BE"/>
           </a:p>
@@ -2478,7 +2479,7 @@
           <a:p>
             <a:fld id="{AA309A6D-C09C-4548-B29A-6CF363A7E532}" type="datetimeFigureOut">
               <a:rPr lang="fr-FR" smtClean="0"/>
-              <a:t>18/12/2022</a:t>
+              <a:t>16/01/2023</a:t>
             </a:fld>
             <a:endParaRPr lang="fr-BE"/>
           </a:p>
@@ -2750,7 +2751,7 @@
           <a:p>
             <a:fld id="{AA309A6D-C09C-4548-B29A-6CF363A7E532}" type="datetimeFigureOut">
               <a:rPr lang="fr-FR" smtClean="0"/>
-              <a:t>18/12/2022</a:t>
+              <a:t>16/01/2023</a:t>
             </a:fld>
             <a:endParaRPr lang="fr-BE"/>
           </a:p>
@@ -2998,7 +2999,7 @@
           <a:p>
             <a:fld id="{AA309A6D-C09C-4548-B29A-6CF363A7E532}" type="datetimeFigureOut">
               <a:rPr lang="fr-FR" smtClean="0"/>
-              <a:t>18/12/2022</a:t>
+              <a:t>16/01/2023</a:t>
             </a:fld>
             <a:endParaRPr lang="fr-BE"/>
           </a:p>
@@ -3206,7 +3207,7 @@
           <a:p>
             <a:fld id="{AA309A6D-C09C-4548-B29A-6CF363A7E532}" type="datetimeFigureOut">
               <a:rPr lang="fr-FR" smtClean="0"/>
-              <a:t>18/12/2022</a:t>
+              <a:t>16/01/2023</a:t>
             </a:fld>
             <a:endParaRPr lang="fr-BE"/>
           </a:p>
@@ -24840,6 +24841,3117 @@
 </p:sld>
 </file>
 
+<file path=ppt/slides/slide7.xml><?xml version="1.0" encoding="utf-8"?>
+<p:sld xmlns:a="http://schemas.openxmlformats.org/drawingml/2006/main" xmlns:r="http://schemas.openxmlformats.org/officeDocument/2006/relationships" xmlns:p="http://schemas.openxmlformats.org/presentationml/2006/main">
+  <p:cSld>
+    <p:spTree>
+      <p:nvGrpSpPr>
+        <p:cNvPr id="1" name=""/>
+        <p:cNvGrpSpPr/>
+        <p:nvPr/>
+      </p:nvGrpSpPr>
+      <p:grpSpPr>
+        <a:xfrm>
+          <a:off x="0" y="0"/>
+          <a:ext cx="0" cy="0"/>
+          <a:chOff x="0" y="0"/>
+          <a:chExt cx="0" cy="0"/>
+        </a:xfrm>
+      </p:grpSpPr>
+      <p:grpSp>
+        <p:nvGrpSpPr>
+          <p:cNvPr id="81" name="Groupe 80">
+            <a:extLst>
+              <a:ext uri="{FF2B5EF4-FFF2-40B4-BE49-F238E27FC236}">
+                <a16:creationId xmlns:a16="http://schemas.microsoft.com/office/drawing/2014/main" id="{F00CD316-FDCF-23FA-DBA0-05CA5BF2F656}"/>
+              </a:ext>
+            </a:extLst>
+          </p:cNvPr>
+          <p:cNvGrpSpPr/>
+          <p:nvPr/>
+        </p:nvGrpSpPr>
+        <p:grpSpPr>
+          <a:xfrm>
+            <a:off x="7236296" y="116632"/>
+            <a:ext cx="2800277" cy="2859959"/>
+            <a:chOff x="-180530" y="281011"/>
+            <a:chExt cx="2800277" cy="2859959"/>
+          </a:xfrm>
+        </p:grpSpPr>
+        <p:grpSp>
+          <p:nvGrpSpPr>
+            <p:cNvPr id="82" name="Groupe 81">
+              <a:extLst>
+                <a:ext uri="{FF2B5EF4-FFF2-40B4-BE49-F238E27FC236}">
+                  <a16:creationId xmlns:a16="http://schemas.microsoft.com/office/drawing/2014/main" id="{2162088C-1952-58A0-432F-63E53F5E9284}"/>
+                </a:ext>
+              </a:extLst>
+            </p:cNvPr>
+            <p:cNvGrpSpPr/>
+            <p:nvPr/>
+          </p:nvGrpSpPr>
+          <p:grpSpPr>
+            <a:xfrm rot="20700000">
+              <a:off x="780713" y="386845"/>
+              <a:ext cx="1440160" cy="1440160"/>
+              <a:chOff x="971600" y="548680"/>
+              <a:chExt cx="1440160" cy="1440160"/>
+            </a:xfrm>
+          </p:grpSpPr>
+          <p:cxnSp>
+            <p:nvCxnSpPr>
+              <p:cNvPr id="104" name="Connecteur droit 103">
+                <a:extLst>
+                  <a:ext uri="{FF2B5EF4-FFF2-40B4-BE49-F238E27FC236}">
+                    <a16:creationId xmlns:a16="http://schemas.microsoft.com/office/drawing/2014/main" id="{1001A4C3-2101-8A3A-C9B5-E074BFE77C58}"/>
+                  </a:ext>
+                </a:extLst>
+              </p:cNvPr>
+              <p:cNvCxnSpPr/>
+              <p:nvPr/>
+            </p:nvCxnSpPr>
+            <p:spPr>
+              <a:xfrm flipV="1">
+                <a:off x="971600" y="548680"/>
+                <a:ext cx="0" cy="1440160"/>
+              </a:xfrm>
+              <a:prstGeom prst="line">
+                <a:avLst/>
+              </a:prstGeom>
+              <a:ln w="19050">
+                <a:solidFill>
+                  <a:srgbClr val="00B050"/>
+                </a:solidFill>
+                <a:tailEnd type="stealth" w="med" len="lg"/>
+              </a:ln>
+            </p:spPr>
+            <p:style>
+              <a:lnRef idx="1">
+                <a:schemeClr val="accent1"/>
+              </a:lnRef>
+              <a:fillRef idx="0">
+                <a:schemeClr val="accent1"/>
+              </a:fillRef>
+              <a:effectRef idx="0">
+                <a:schemeClr val="accent1"/>
+              </a:effectRef>
+              <a:fontRef idx="minor">
+                <a:schemeClr val="tx1"/>
+              </a:fontRef>
+            </p:style>
+          </p:cxnSp>
+          <p:cxnSp>
+            <p:nvCxnSpPr>
+              <p:cNvPr id="105" name="Connecteur droit 104">
+                <a:extLst>
+                  <a:ext uri="{FF2B5EF4-FFF2-40B4-BE49-F238E27FC236}">
+                    <a16:creationId xmlns:a16="http://schemas.microsoft.com/office/drawing/2014/main" id="{8B8BC936-BC7C-F700-C80E-4E136BAFFF59}"/>
+                  </a:ext>
+                </a:extLst>
+              </p:cNvPr>
+              <p:cNvCxnSpPr>
+                <a:cxnSpLocks/>
+              </p:cNvCxnSpPr>
+              <p:nvPr/>
+            </p:nvCxnSpPr>
+            <p:spPr>
+              <a:xfrm rot="5400000" flipV="1">
+                <a:off x="1691680" y="1268760"/>
+                <a:ext cx="0" cy="1440160"/>
+              </a:xfrm>
+              <a:prstGeom prst="line">
+                <a:avLst/>
+              </a:prstGeom>
+              <a:ln w="19050">
+                <a:solidFill>
+                  <a:srgbClr val="00B050"/>
+                </a:solidFill>
+                <a:tailEnd type="stealth" w="med" len="lg"/>
+              </a:ln>
+            </p:spPr>
+            <p:style>
+              <a:lnRef idx="1">
+                <a:schemeClr val="accent1"/>
+              </a:lnRef>
+              <a:fillRef idx="0">
+                <a:schemeClr val="accent1"/>
+              </a:fillRef>
+              <a:effectRef idx="0">
+                <a:schemeClr val="accent1"/>
+              </a:effectRef>
+              <a:fontRef idx="minor">
+                <a:schemeClr val="tx1"/>
+              </a:fontRef>
+            </p:style>
+          </p:cxnSp>
+        </p:grpSp>
+        <p:sp>
+          <p:nvSpPr>
+            <p:cNvPr id="86" name="Ellipse 85">
+              <a:extLst>
+                <a:ext uri="{FF2B5EF4-FFF2-40B4-BE49-F238E27FC236}">
+                  <a16:creationId xmlns:a16="http://schemas.microsoft.com/office/drawing/2014/main" id="{8ACD59F4-67D7-4F91-B951-341B13246509}"/>
+                </a:ext>
+              </a:extLst>
+            </p:cNvPr>
+            <p:cNvSpPr/>
+            <p:nvPr/>
+          </p:nvSpPr>
+          <p:spPr>
+            <a:xfrm>
+              <a:off x="873610" y="1869528"/>
+              <a:ext cx="216000" cy="216000"/>
+            </a:xfrm>
+            <a:prstGeom prst="ellipse">
+              <a:avLst/>
+            </a:prstGeom>
+            <a:solidFill>
+              <a:schemeClr val="bg1"/>
+            </a:solidFill>
+            <a:ln w="19050">
+              <a:solidFill>
+                <a:schemeClr val="tx1"/>
+              </a:solidFill>
+            </a:ln>
+          </p:spPr>
+          <p:style>
+            <a:lnRef idx="2">
+              <a:schemeClr val="accent1">
+                <a:shade val="50000"/>
+              </a:schemeClr>
+            </a:lnRef>
+            <a:fillRef idx="1">
+              <a:schemeClr val="accent1"/>
+            </a:fillRef>
+            <a:effectRef idx="0">
+              <a:schemeClr val="accent1"/>
+            </a:effectRef>
+            <a:fontRef idx="minor">
+              <a:schemeClr val="lt1"/>
+            </a:fontRef>
+          </p:style>
+          <p:txBody>
+            <a:bodyPr rtlCol="0" anchor="ctr"/>
+            <a:lstStyle/>
+            <a:p>
+              <a:pPr algn="ctr"/>
+              <a:endParaRPr lang="fr-FR"/>
+            </a:p>
+          </p:txBody>
+        </p:sp>
+        <p:sp>
+          <p:nvSpPr>
+            <p:cNvPr id="87" name="Ellipse 86">
+              <a:extLst>
+                <a:ext uri="{FF2B5EF4-FFF2-40B4-BE49-F238E27FC236}">
+                  <a16:creationId xmlns:a16="http://schemas.microsoft.com/office/drawing/2014/main" id="{E6099581-6C74-0DF9-98F5-BB4F47FF2199}"/>
+                </a:ext>
+              </a:extLst>
+            </p:cNvPr>
+            <p:cNvSpPr/>
+            <p:nvPr/>
+          </p:nvSpPr>
+          <p:spPr>
+            <a:xfrm>
+              <a:off x="945610" y="1941528"/>
+              <a:ext cx="72000" cy="72000"/>
+            </a:xfrm>
+            <a:prstGeom prst="ellipse">
+              <a:avLst/>
+            </a:prstGeom>
+            <a:solidFill>
+              <a:schemeClr val="tx1"/>
+            </a:solidFill>
+            <a:ln w="19050">
+              <a:solidFill>
+                <a:schemeClr val="tx1"/>
+              </a:solidFill>
+            </a:ln>
+          </p:spPr>
+          <p:style>
+            <a:lnRef idx="2">
+              <a:schemeClr val="accent1">
+                <a:shade val="50000"/>
+              </a:schemeClr>
+            </a:lnRef>
+            <a:fillRef idx="1">
+              <a:schemeClr val="accent1"/>
+            </a:fillRef>
+            <a:effectRef idx="0">
+              <a:schemeClr val="accent1"/>
+            </a:effectRef>
+            <a:fontRef idx="minor">
+              <a:schemeClr val="lt1"/>
+            </a:fontRef>
+          </p:style>
+          <p:txBody>
+            <a:bodyPr rtlCol="0" anchor="ctr"/>
+            <a:lstStyle/>
+            <a:p>
+              <a:pPr algn="ctr"/>
+              <a:endParaRPr lang="fr-FR"/>
+            </a:p>
+          </p:txBody>
+        </p:sp>
+        <p:sp>
+          <p:nvSpPr>
+            <p:cNvPr id="89" name="Arc 88">
+              <a:extLst>
+                <a:ext uri="{FF2B5EF4-FFF2-40B4-BE49-F238E27FC236}">
+                  <a16:creationId xmlns:a16="http://schemas.microsoft.com/office/drawing/2014/main" id="{50FD46EB-D3B1-9DB5-1F72-10FF5F23CD93}"/>
+                </a:ext>
+              </a:extLst>
+            </p:cNvPr>
+            <p:cNvSpPr/>
+            <p:nvPr/>
+          </p:nvSpPr>
+          <p:spPr>
+            <a:xfrm>
+              <a:off x="-180530" y="836712"/>
+              <a:ext cx="2304258" cy="2304258"/>
+            </a:xfrm>
+            <a:prstGeom prst="arc">
+              <a:avLst>
+                <a:gd name="adj1" fmla="val 20716967"/>
+                <a:gd name="adj2" fmla="val 0"/>
+              </a:avLst>
+            </a:prstGeom>
+            <a:ln>
+              <a:solidFill>
+                <a:srgbClr val="00B050"/>
+              </a:solidFill>
+              <a:headEnd type="stealth" w="med" len="lg"/>
+            </a:ln>
+          </p:spPr>
+          <p:style>
+            <a:lnRef idx="1">
+              <a:schemeClr val="accent1"/>
+            </a:lnRef>
+            <a:fillRef idx="0">
+              <a:schemeClr val="accent1"/>
+            </a:fillRef>
+            <a:effectRef idx="0">
+              <a:schemeClr val="accent1"/>
+            </a:effectRef>
+            <a:fontRef idx="minor">
+              <a:schemeClr val="tx1"/>
+            </a:fontRef>
+          </p:style>
+          <p:txBody>
+            <a:bodyPr rtlCol="0" anchor="ctr"/>
+            <a:lstStyle/>
+            <a:p>
+              <a:pPr algn="ctr"/>
+              <a:endParaRPr lang="fr-FR"/>
+            </a:p>
+          </p:txBody>
+        </p:sp>
+        <mc:AlternateContent xmlns:mc="http://schemas.openxmlformats.org/markup-compatibility/2006" xmlns:a14="http://schemas.microsoft.com/office/drawing/2010/main">
+          <mc:Choice Requires="a14">
+            <p:sp>
+              <p:nvSpPr>
+                <p:cNvPr id="93" name="ZoneTexte 92">
+                  <a:extLst>
+                    <a:ext uri="{FF2B5EF4-FFF2-40B4-BE49-F238E27FC236}">
+                      <a16:creationId xmlns:a16="http://schemas.microsoft.com/office/drawing/2014/main" id="{CC796160-8969-0A02-D6BE-11585FB10978}"/>
+                    </a:ext>
+                  </a:extLst>
+                </p:cNvPr>
+                <p:cNvSpPr txBox="1"/>
+                <p:nvPr/>
+              </p:nvSpPr>
+              <p:spPr>
+                <a:xfrm>
+                  <a:off x="890538" y="2182216"/>
+                  <a:ext cx="255390" cy="282641"/>
+                </a:xfrm>
+                <a:prstGeom prst="rect">
+                  <a:avLst/>
+                </a:prstGeom>
+                <a:noFill/>
+              </p:spPr>
+              <p:txBody>
+                <a:bodyPr wrap="none" lIns="0" tIns="0" rIns="0" bIns="0" rtlCol="0">
+                  <a:spAutoFit/>
+                </a:bodyPr>
+                <a:lstStyle/>
+                <a:p>
+                  <a:pPr/>
+                  <a14:m>
+                    <m:oMathPara xmlns:m="http://schemas.openxmlformats.org/officeDocument/2006/math">
+                      <m:oMathParaPr>
+                        <m:jc m:val="centerGroup"/>
+                      </m:oMathParaPr>
+                      <m:oMath xmlns:m="http://schemas.openxmlformats.org/officeDocument/2006/math">
+                        <m:acc>
+                          <m:accPr>
+                            <m:chr m:val="⃗"/>
+                            <m:ctrlPr>
+                              <a:rPr lang="fr-FR" sz="1600" i="1" smtClean="0">
+                                <a:latin typeface="Cambria Math" panose="02040503050406030204" pitchFamily="18" charset="0"/>
+                              </a:rPr>
+                            </m:ctrlPr>
+                          </m:accPr>
+                          <m:e>
+                            <m:sSub>
+                              <m:sSubPr>
+                                <m:ctrlPr>
+                                  <a:rPr lang="fr-FR" sz="1600" b="0" i="1" smtClean="0">
+                                    <a:latin typeface="Cambria Math" panose="02040503050406030204" pitchFamily="18" charset="0"/>
+                                  </a:rPr>
+                                </m:ctrlPr>
+                              </m:sSubPr>
+                              <m:e>
+                                <m:r>
+                                  <a:rPr lang="fr-FR" sz="1600" b="0" i="1" smtClean="0">
+                                    <a:latin typeface="Cambria Math" panose="02040503050406030204" pitchFamily="18" charset="0"/>
+                                  </a:rPr>
+                                  <m:t>𝑘</m:t>
+                                </m:r>
+                              </m:e>
+                              <m:sub>
+                                <m:r>
+                                  <a:rPr lang="fr-FR" sz="1600" b="0" i="1" smtClean="0">
+                                    <a:latin typeface="Cambria Math" panose="02040503050406030204" pitchFamily="18" charset="0"/>
+                                  </a:rPr>
+                                  <m:t>0</m:t>
+                                </m:r>
+                              </m:sub>
+                            </m:sSub>
+                          </m:e>
+                        </m:acc>
+                      </m:oMath>
+                    </m:oMathPara>
+                  </a14:m>
+                  <a:endParaRPr lang="fr-FR" sz="1600" dirty="0"/>
+                </a:p>
+              </p:txBody>
+            </p:sp>
+          </mc:Choice>
+          <mc:Fallback xmlns="">
+            <p:sp>
+              <p:nvSpPr>
+                <p:cNvPr id="42" name="ZoneTexte 41">
+                  <a:extLst>
+                    <a:ext uri="{FF2B5EF4-FFF2-40B4-BE49-F238E27FC236}">
+                      <a16:creationId xmlns:a16="http://schemas.microsoft.com/office/drawing/2014/main" id="{3B3AC19B-BE7E-40AC-A608-0B12FC96BA06}"/>
+                    </a:ext>
+                  </a:extLst>
+                </p:cNvPr>
+                <p:cNvSpPr txBox="1">
+                  <a:spLocks noRot="1" noChangeAspect="1" noMove="1" noResize="1" noEditPoints="1" noAdjustHandles="1" noChangeArrowheads="1" noChangeShapeType="1" noTextEdit="1"/>
+                </p:cNvSpPr>
+                <p:nvPr/>
+              </p:nvSpPr>
+              <p:spPr>
+                <a:xfrm>
+                  <a:off x="890538" y="2182216"/>
+                  <a:ext cx="255390" cy="282641"/>
+                </a:xfrm>
+                <a:prstGeom prst="rect">
+                  <a:avLst/>
+                </a:prstGeom>
+                <a:blipFill>
+                  <a:blip r:embed="rId6"/>
+                  <a:stretch>
+                    <a:fillRect l="-19048" r="-4762" b="-10638"/>
+                  </a:stretch>
+                </a:blipFill>
+              </p:spPr>
+              <p:txBody>
+                <a:bodyPr/>
+                <a:lstStyle/>
+                <a:p>
+                  <a:r>
+                    <a:rPr lang="fr-FR">
+                      <a:noFill/>
+                    </a:rPr>
+                    <a:t> </a:t>
+                  </a:r>
+                </a:p>
+              </p:txBody>
+            </p:sp>
+          </mc:Fallback>
+        </mc:AlternateContent>
+        <mc:AlternateContent xmlns:mc="http://schemas.openxmlformats.org/markup-compatibility/2006" xmlns:a14="http://schemas.microsoft.com/office/drawing/2010/main">
+          <mc:Choice Requires="a14">
+            <p:sp>
+              <p:nvSpPr>
+                <p:cNvPr id="94" name="ZoneTexte 93">
+                  <a:extLst>
+                    <a:ext uri="{FF2B5EF4-FFF2-40B4-BE49-F238E27FC236}">
+                      <a16:creationId xmlns:a16="http://schemas.microsoft.com/office/drawing/2014/main" id="{F639B019-8913-FE95-4B40-4DE8377F5A1A}"/>
+                    </a:ext>
+                  </a:extLst>
+                </p:cNvPr>
+                <p:cNvSpPr txBox="1"/>
+                <p:nvPr/>
+              </p:nvSpPr>
+              <p:spPr>
+                <a:xfrm>
+                  <a:off x="2146267" y="1740548"/>
+                  <a:ext cx="126317" cy="184666"/>
+                </a:xfrm>
+                <a:prstGeom prst="rect">
+                  <a:avLst/>
+                </a:prstGeom>
+                <a:noFill/>
+              </p:spPr>
+              <p:txBody>
+                <a:bodyPr wrap="none" lIns="0" tIns="0" rIns="0" bIns="0" rtlCol="0">
+                  <a:spAutoFit/>
+                </a:bodyPr>
+                <a:lstStyle/>
+                <a:p>
+                  <a:pPr/>
+                  <a14:m>
+                    <m:oMathPara xmlns:m="http://schemas.openxmlformats.org/officeDocument/2006/math">
+                      <m:oMathParaPr>
+                        <m:jc m:val="centerGroup"/>
+                      </m:oMathParaPr>
+                      <m:oMath xmlns:m="http://schemas.openxmlformats.org/officeDocument/2006/math">
+                        <m:r>
+                          <a:rPr lang="fr-FR" sz="1200" i="1">
+                            <a:latin typeface="Cambria Math" panose="02040503050406030204" pitchFamily="18" charset="0"/>
+                          </a:rPr>
+                          <m:t>𝜃</m:t>
+                        </m:r>
+                      </m:oMath>
+                    </m:oMathPara>
+                  </a14:m>
+                  <a:endParaRPr lang="fr-FR" sz="1200" dirty="0"/>
+                </a:p>
+              </p:txBody>
+            </p:sp>
+          </mc:Choice>
+          <mc:Fallback xmlns="">
+            <p:sp>
+              <p:nvSpPr>
+                <p:cNvPr id="43" name="ZoneTexte 42">
+                  <a:extLst>
+                    <a:ext uri="{FF2B5EF4-FFF2-40B4-BE49-F238E27FC236}">
+                      <a16:creationId xmlns:a16="http://schemas.microsoft.com/office/drawing/2014/main" id="{27F0E1F7-3DC2-40B3-AF77-9D5551F4AD14}"/>
+                    </a:ext>
+                  </a:extLst>
+                </p:cNvPr>
+                <p:cNvSpPr txBox="1">
+                  <a:spLocks noRot="1" noChangeAspect="1" noMove="1" noResize="1" noEditPoints="1" noAdjustHandles="1" noChangeArrowheads="1" noChangeShapeType="1" noTextEdit="1"/>
+                </p:cNvSpPr>
+                <p:nvPr/>
+              </p:nvSpPr>
+              <p:spPr>
+                <a:xfrm>
+                  <a:off x="2146267" y="1740548"/>
+                  <a:ext cx="126317" cy="184666"/>
+                </a:xfrm>
+                <a:prstGeom prst="rect">
+                  <a:avLst/>
+                </a:prstGeom>
+                <a:blipFill>
+                  <a:blip r:embed="rId7"/>
+                  <a:stretch>
+                    <a:fillRect l="-28571" r="-23810" b="-6667"/>
+                  </a:stretch>
+                </a:blipFill>
+              </p:spPr>
+              <p:txBody>
+                <a:bodyPr/>
+                <a:lstStyle/>
+                <a:p>
+                  <a:r>
+                    <a:rPr lang="fr-FR">
+                      <a:noFill/>
+                    </a:rPr>
+                    <a:t> </a:t>
+                  </a:r>
+                </a:p>
+              </p:txBody>
+            </p:sp>
+          </mc:Fallback>
+        </mc:AlternateContent>
+        <mc:AlternateContent xmlns:mc="http://schemas.openxmlformats.org/markup-compatibility/2006" xmlns:a14="http://schemas.microsoft.com/office/drawing/2010/main">
+          <mc:Choice Requires="a14">
+            <p:sp>
+              <p:nvSpPr>
+                <p:cNvPr id="97" name="ZoneTexte 96">
+                  <a:extLst>
+                    <a:ext uri="{FF2B5EF4-FFF2-40B4-BE49-F238E27FC236}">
+                      <a16:creationId xmlns:a16="http://schemas.microsoft.com/office/drawing/2014/main" id="{724AA8C3-D1D7-E0DA-34C6-60EA2825A01F}"/>
+                    </a:ext>
+                  </a:extLst>
+                </p:cNvPr>
+                <p:cNvSpPr txBox="1"/>
+                <p:nvPr/>
+              </p:nvSpPr>
+              <p:spPr>
+                <a:xfrm>
+                  <a:off x="2417192" y="1458251"/>
+                  <a:ext cx="202555" cy="274434"/>
+                </a:xfrm>
+                <a:prstGeom prst="rect">
+                  <a:avLst/>
+                </a:prstGeom>
+                <a:noFill/>
+              </p:spPr>
+              <p:txBody>
+                <a:bodyPr wrap="none" lIns="0" tIns="0" rIns="0" bIns="0" rtlCol="0">
+                  <a:spAutoFit/>
+                </a:bodyPr>
+                <a:lstStyle/>
+                <a:p>
+                  <a:pPr/>
+                  <a14:m>
+                    <m:oMathPara xmlns:m="http://schemas.openxmlformats.org/officeDocument/2006/math">
+                      <m:oMathParaPr>
+                        <m:jc m:val="centerGroup"/>
+                      </m:oMathParaPr>
+                      <m:oMath xmlns:m="http://schemas.openxmlformats.org/officeDocument/2006/math">
+                        <m:acc>
+                          <m:accPr>
+                            <m:chr m:val="⃗"/>
+                            <m:ctrlPr>
+                              <a:rPr lang="fr-FR" sz="1600" i="1" smtClean="0">
+                                <a:latin typeface="Cambria Math" panose="02040503050406030204" pitchFamily="18" charset="0"/>
+                              </a:rPr>
+                            </m:ctrlPr>
+                          </m:accPr>
+                          <m:e>
+                            <m:sSub>
+                              <m:sSubPr>
+                                <m:ctrlPr>
+                                  <a:rPr lang="fr-FR" sz="1600" i="1">
+                                    <a:latin typeface="Cambria Math" panose="02040503050406030204" pitchFamily="18" charset="0"/>
+                                  </a:rPr>
+                                </m:ctrlPr>
+                              </m:sSubPr>
+                              <m:e>
+                                <m:r>
+                                  <a:rPr lang="fr-FR" sz="1600" b="0" i="1" smtClean="0">
+                                    <a:latin typeface="Cambria Math" panose="02040503050406030204" pitchFamily="18" charset="0"/>
+                                  </a:rPr>
+                                  <m:t>𝑖</m:t>
+                                </m:r>
+                              </m:e>
+                              <m:sub>
+                                <m:r>
+                                  <a:rPr lang="fr-FR" sz="1600" i="1">
+                                    <a:latin typeface="Cambria Math" panose="02040503050406030204" pitchFamily="18" charset="0"/>
+                                  </a:rPr>
+                                  <m:t>1</m:t>
+                                </m:r>
+                              </m:sub>
+                            </m:sSub>
+                          </m:e>
+                        </m:acc>
+                      </m:oMath>
+                    </m:oMathPara>
+                  </a14:m>
+                  <a:endParaRPr lang="fr-FR" sz="1600" dirty="0"/>
+                </a:p>
+              </p:txBody>
+            </p:sp>
+          </mc:Choice>
+          <mc:Fallback xmlns="">
+            <p:sp>
+              <p:nvSpPr>
+                <p:cNvPr id="44" name="ZoneTexte 43">
+                  <a:extLst>
+                    <a:ext uri="{FF2B5EF4-FFF2-40B4-BE49-F238E27FC236}">
+                      <a16:creationId xmlns:a16="http://schemas.microsoft.com/office/drawing/2014/main" id="{46DD3A41-DF69-4121-91DF-106A95337A75}"/>
+                    </a:ext>
+                  </a:extLst>
+                </p:cNvPr>
+                <p:cNvSpPr txBox="1">
+                  <a:spLocks noRot="1" noChangeAspect="1" noMove="1" noResize="1" noEditPoints="1" noAdjustHandles="1" noChangeArrowheads="1" noChangeShapeType="1" noTextEdit="1"/>
+                </p:cNvSpPr>
+                <p:nvPr/>
+              </p:nvSpPr>
+              <p:spPr>
+                <a:xfrm>
+                  <a:off x="2417192" y="1458251"/>
+                  <a:ext cx="202555" cy="274434"/>
+                </a:xfrm>
+                <a:prstGeom prst="rect">
+                  <a:avLst/>
+                </a:prstGeom>
+                <a:blipFill>
+                  <a:blip r:embed="rId8"/>
+                  <a:stretch>
+                    <a:fillRect l="-24242" r="-6061" b="-13333"/>
+                  </a:stretch>
+                </a:blipFill>
+              </p:spPr>
+              <p:txBody>
+                <a:bodyPr/>
+                <a:lstStyle/>
+                <a:p>
+                  <a:r>
+                    <a:rPr lang="fr-FR">
+                      <a:noFill/>
+                    </a:rPr>
+                    <a:t> </a:t>
+                  </a:r>
+                </a:p>
+              </p:txBody>
+            </p:sp>
+          </mc:Fallback>
+        </mc:AlternateContent>
+        <mc:AlternateContent xmlns:mc="http://schemas.openxmlformats.org/markup-compatibility/2006" xmlns:a14="http://schemas.microsoft.com/office/drawing/2010/main">
+          <mc:Choice Requires="a14">
+            <p:sp>
+              <p:nvSpPr>
+                <p:cNvPr id="98" name="ZoneTexte 97">
+                  <a:extLst>
+                    <a:ext uri="{FF2B5EF4-FFF2-40B4-BE49-F238E27FC236}">
+                      <a16:creationId xmlns:a16="http://schemas.microsoft.com/office/drawing/2014/main" id="{406C7C9B-8C4B-4BAC-CC30-8F4C1956B510}"/>
+                    </a:ext>
+                  </a:extLst>
+                </p:cNvPr>
+                <p:cNvSpPr txBox="1"/>
+                <p:nvPr/>
+              </p:nvSpPr>
+              <p:spPr>
+                <a:xfrm>
+                  <a:off x="536516" y="281011"/>
+                  <a:ext cx="203581" cy="274434"/>
+                </a:xfrm>
+                <a:prstGeom prst="rect">
+                  <a:avLst/>
+                </a:prstGeom>
+                <a:noFill/>
+              </p:spPr>
+              <p:txBody>
+                <a:bodyPr wrap="none" lIns="0" tIns="0" rIns="0" bIns="0" rtlCol="0">
+                  <a:spAutoFit/>
+                </a:bodyPr>
+                <a:lstStyle/>
+                <a:p>
+                  <a:pPr/>
+                  <a14:m>
+                    <m:oMathPara xmlns:m="http://schemas.openxmlformats.org/officeDocument/2006/math">
+                      <m:oMathParaPr>
+                        <m:jc m:val="centerGroup"/>
+                      </m:oMathParaPr>
+                      <m:oMath xmlns:m="http://schemas.openxmlformats.org/officeDocument/2006/math">
+                        <m:acc>
+                          <m:accPr>
+                            <m:chr m:val="⃗"/>
+                            <m:ctrlPr>
+                              <a:rPr lang="fr-FR" sz="1600" i="1" smtClean="0">
+                                <a:latin typeface="Cambria Math" panose="02040503050406030204" pitchFamily="18" charset="0"/>
+                              </a:rPr>
+                            </m:ctrlPr>
+                          </m:accPr>
+                          <m:e>
+                            <m:sSub>
+                              <m:sSubPr>
+                                <m:ctrlPr>
+                                  <a:rPr lang="fr-FR" sz="1600" i="1">
+                                    <a:latin typeface="Cambria Math" panose="02040503050406030204" pitchFamily="18" charset="0"/>
+                                  </a:rPr>
+                                </m:ctrlPr>
+                              </m:sSubPr>
+                              <m:e>
+                                <m:r>
+                                  <a:rPr lang="fr-FR" sz="1600" b="0" i="1" smtClean="0">
+                                    <a:latin typeface="Cambria Math" panose="02040503050406030204" pitchFamily="18" charset="0"/>
+                                  </a:rPr>
+                                  <m:t>𝑗</m:t>
+                                </m:r>
+                              </m:e>
+                              <m:sub>
+                                <m:r>
+                                  <a:rPr lang="fr-FR" sz="1600" i="1">
+                                    <a:latin typeface="Cambria Math" panose="02040503050406030204" pitchFamily="18" charset="0"/>
+                                  </a:rPr>
+                                  <m:t>1</m:t>
+                                </m:r>
+                              </m:sub>
+                            </m:sSub>
+                          </m:e>
+                        </m:acc>
+                      </m:oMath>
+                    </m:oMathPara>
+                  </a14:m>
+                  <a:endParaRPr lang="fr-FR" sz="1600" dirty="0"/>
+                </a:p>
+              </p:txBody>
+            </p:sp>
+          </mc:Choice>
+          <mc:Fallback xmlns="">
+            <p:sp>
+              <p:nvSpPr>
+                <p:cNvPr id="45" name="ZoneTexte 44">
+                  <a:extLst>
+                    <a:ext uri="{FF2B5EF4-FFF2-40B4-BE49-F238E27FC236}">
+                      <a16:creationId xmlns:a16="http://schemas.microsoft.com/office/drawing/2014/main" id="{F2944E64-8185-4462-866B-DAEE99C25C7B}"/>
+                    </a:ext>
+                  </a:extLst>
+                </p:cNvPr>
+                <p:cNvSpPr txBox="1">
+                  <a:spLocks noRot="1" noChangeAspect="1" noMove="1" noResize="1" noEditPoints="1" noAdjustHandles="1" noChangeArrowheads="1" noChangeShapeType="1" noTextEdit="1"/>
+                </p:cNvSpPr>
+                <p:nvPr/>
+              </p:nvSpPr>
+              <p:spPr>
+                <a:xfrm>
+                  <a:off x="536516" y="281011"/>
+                  <a:ext cx="203581" cy="274434"/>
+                </a:xfrm>
+                <a:prstGeom prst="rect">
+                  <a:avLst/>
+                </a:prstGeom>
+                <a:blipFill>
+                  <a:blip r:embed="rId9"/>
+                  <a:stretch>
+                    <a:fillRect l="-32353" r="-5882" b="-28889"/>
+                  </a:stretch>
+                </a:blipFill>
+              </p:spPr>
+              <p:txBody>
+                <a:bodyPr/>
+                <a:lstStyle/>
+                <a:p>
+                  <a:r>
+                    <a:rPr lang="fr-FR">
+                      <a:noFill/>
+                    </a:rPr>
+                    <a:t> </a:t>
+                  </a:r>
+                </a:p>
+              </p:txBody>
+            </p:sp>
+          </mc:Fallback>
+        </mc:AlternateContent>
+        <p:sp>
+          <p:nvSpPr>
+            <p:cNvPr id="100" name="ZoneTexte 99">
+              <a:extLst>
+                <a:ext uri="{FF2B5EF4-FFF2-40B4-BE49-F238E27FC236}">
+                  <a16:creationId xmlns:a16="http://schemas.microsoft.com/office/drawing/2014/main" id="{5D0AEF2C-B09E-CFF7-8333-12FE41C426F5}"/>
+                </a:ext>
+              </a:extLst>
+            </p:cNvPr>
+            <p:cNvSpPr txBox="1"/>
+            <p:nvPr/>
+          </p:nvSpPr>
+          <p:spPr>
+            <a:xfrm>
+              <a:off x="1870700" y="1453663"/>
+              <a:ext cx="65" cy="184666"/>
+            </a:xfrm>
+            <a:prstGeom prst="rect">
+              <a:avLst/>
+            </a:prstGeom>
+            <a:noFill/>
+          </p:spPr>
+          <p:txBody>
+            <a:bodyPr wrap="none" lIns="0" tIns="0" rIns="0" bIns="0" rtlCol="0">
+              <a:spAutoFit/>
+            </a:bodyPr>
+            <a:lstStyle/>
+            <a:p>
+              <a:endParaRPr lang="fr-FR" sz="1200" dirty="0"/>
+            </a:p>
+          </p:txBody>
+        </p:sp>
+      </p:grpSp>
+      <p:grpSp>
+        <p:nvGrpSpPr>
+          <p:cNvPr id="79" name="Groupe 78"/>
+          <p:cNvGrpSpPr/>
+          <p:nvPr/>
+        </p:nvGrpSpPr>
+        <p:grpSpPr>
+          <a:xfrm>
+            <a:off x="467646" y="3861048"/>
+            <a:ext cx="6624868" cy="2404818"/>
+            <a:chOff x="467646" y="3861048"/>
+            <a:chExt cx="6624868" cy="2404818"/>
+          </a:xfrm>
+        </p:grpSpPr>
+        <p:grpSp>
+          <p:nvGrpSpPr>
+            <p:cNvPr id="70" name="Groupe 69"/>
+            <p:cNvGrpSpPr/>
+            <p:nvPr/>
+          </p:nvGrpSpPr>
+          <p:grpSpPr>
+            <a:xfrm>
+              <a:off x="467646" y="3861048"/>
+              <a:ext cx="6624868" cy="2331971"/>
+              <a:chOff x="467646" y="3910749"/>
+              <a:chExt cx="6624868" cy="2331971"/>
+            </a:xfrm>
+          </p:grpSpPr>
+          <p:sp>
+            <p:nvSpPr>
+              <p:cNvPr id="7" name="Ellipse 6">
+                <a:extLst>
+                  <a:ext uri="{FF2B5EF4-FFF2-40B4-BE49-F238E27FC236}">
+                    <a16:creationId xmlns:a16="http://schemas.microsoft.com/office/drawing/2014/main" id="{E18C1336-842A-D020-BB3D-5078DE09F5A0}"/>
+                  </a:ext>
+                </a:extLst>
+              </p:cNvPr>
+              <p:cNvSpPr/>
+              <p:nvPr/>
+            </p:nvSpPr>
+            <p:spPr>
+              <a:xfrm>
+                <a:off x="4494356" y="6062720"/>
+                <a:ext cx="180000" cy="180000"/>
+              </a:xfrm>
+              <a:prstGeom prst="ellipse">
+                <a:avLst/>
+              </a:prstGeom>
+              <a:noFill/>
+              <a:ln w="19050">
+                <a:solidFill>
+                  <a:schemeClr val="tx1"/>
+                </a:solidFill>
+              </a:ln>
+            </p:spPr>
+            <p:style>
+              <a:lnRef idx="2">
+                <a:schemeClr val="accent1">
+                  <a:shade val="50000"/>
+                </a:schemeClr>
+              </a:lnRef>
+              <a:fillRef idx="1">
+                <a:schemeClr val="accent1"/>
+              </a:fillRef>
+              <a:effectRef idx="0">
+                <a:schemeClr val="accent1"/>
+              </a:effectRef>
+              <a:fontRef idx="minor">
+                <a:schemeClr val="lt1"/>
+              </a:fontRef>
+            </p:style>
+            <p:txBody>
+              <a:bodyPr rtlCol="0" anchor="ctr"/>
+              <a:lstStyle/>
+              <a:p>
+                <a:pPr algn="ctr"/>
+                <a:r>
+                  <a:rPr lang="fr-FR" sz="1050" b="1" dirty="0">
+                    <a:solidFill>
+                      <a:schemeClr val="tx1"/>
+                    </a:solidFill>
+                  </a:rPr>
+                  <a:t>0</a:t>
+                </a:r>
+                <a:endParaRPr lang="fr-FR" sz="1400" b="1" dirty="0">
+                  <a:solidFill>
+                    <a:schemeClr val="tx1"/>
+                  </a:solidFill>
+                </a:endParaRPr>
+              </a:p>
+            </p:txBody>
+          </p:sp>
+          <p:grpSp>
+            <p:nvGrpSpPr>
+              <p:cNvPr id="31" name="Groupe 30"/>
+              <p:cNvGrpSpPr/>
+              <p:nvPr/>
+            </p:nvGrpSpPr>
+            <p:grpSpPr>
+              <a:xfrm rot="16200000">
+                <a:off x="4350707" y="5513714"/>
+                <a:ext cx="451166" cy="432048"/>
+                <a:chOff x="723777" y="3887303"/>
+                <a:chExt cx="451166" cy="432048"/>
+              </a:xfrm>
+            </p:grpSpPr>
+            <p:grpSp>
+              <p:nvGrpSpPr>
+                <p:cNvPr id="8" name="Groupe 7">
+                  <a:extLst>
+                    <a:ext uri="{FF2B5EF4-FFF2-40B4-BE49-F238E27FC236}">
+                      <a16:creationId xmlns:a16="http://schemas.microsoft.com/office/drawing/2014/main" id="{05A6972A-113E-9BF7-6DAB-BD2EA23DD6E3}"/>
+                    </a:ext>
+                  </a:extLst>
+                </p:cNvPr>
+                <p:cNvGrpSpPr/>
+                <p:nvPr/>
+              </p:nvGrpSpPr>
+              <p:grpSpPr>
+                <a:xfrm rot="5400000">
+                  <a:off x="651769" y="3959311"/>
+                  <a:ext cx="432048" cy="288031"/>
+                  <a:chOff x="2286259" y="3513708"/>
+                  <a:chExt cx="432048" cy="288031"/>
+                </a:xfrm>
+              </p:grpSpPr>
+              <p:sp>
+                <p:nvSpPr>
+                  <p:cNvPr id="10" name="Forme libre : forme 9">
+                    <a:extLst>
+                      <a:ext uri="{FF2B5EF4-FFF2-40B4-BE49-F238E27FC236}">
+                        <a16:creationId xmlns:a16="http://schemas.microsoft.com/office/drawing/2014/main" id="{858B7A04-7816-2746-AF6A-E1434C4834C7}"/>
+                      </a:ext>
+                    </a:extLst>
+                  </p:cNvPr>
+                  <p:cNvSpPr/>
+                  <p:nvPr/>
+                </p:nvSpPr>
+                <p:spPr>
+                  <a:xfrm>
+                    <a:off x="2302852" y="3655813"/>
+                    <a:ext cx="415449" cy="145926"/>
+                  </a:xfrm>
+                  <a:custGeom>
+                    <a:avLst/>
+                    <a:gdLst>
+                      <a:gd name="connsiteX0" fmla="*/ 0 w 400050"/>
+                      <a:gd name="connsiteY0" fmla="*/ 6350 h 134622"/>
+                      <a:gd name="connsiteX1" fmla="*/ 63500 w 400050"/>
+                      <a:gd name="connsiteY1" fmla="*/ 114300 h 134622"/>
+                      <a:gd name="connsiteX2" fmla="*/ 203200 w 400050"/>
+                      <a:gd name="connsiteY2" fmla="*/ 69850 h 134622"/>
+                      <a:gd name="connsiteX3" fmla="*/ 304800 w 400050"/>
+                      <a:gd name="connsiteY3" fmla="*/ 133350 h 134622"/>
+                      <a:gd name="connsiteX4" fmla="*/ 400050 w 400050"/>
+                      <a:gd name="connsiteY4" fmla="*/ 0 h 134622"/>
+                    </a:gdLst>
+                    <a:ahLst/>
+                    <a:cxnLst>
+                      <a:cxn ang="0">
+                        <a:pos x="connsiteX0" y="connsiteY0"/>
+                      </a:cxn>
+                      <a:cxn ang="0">
+                        <a:pos x="connsiteX1" y="connsiteY1"/>
+                      </a:cxn>
+                      <a:cxn ang="0">
+                        <a:pos x="connsiteX2" y="connsiteY2"/>
+                      </a:cxn>
+                      <a:cxn ang="0">
+                        <a:pos x="connsiteX3" y="connsiteY3"/>
+                      </a:cxn>
+                      <a:cxn ang="0">
+                        <a:pos x="connsiteX4" y="connsiteY4"/>
+                      </a:cxn>
+                    </a:cxnLst>
+                    <a:rect l="l" t="t" r="r" b="b"/>
+                    <a:pathLst>
+                      <a:path w="400050" h="134622">
+                        <a:moveTo>
+                          <a:pt x="0" y="6350"/>
+                        </a:moveTo>
+                        <a:cubicBezTo>
+                          <a:pt x="14816" y="55033"/>
+                          <a:pt x="29633" y="103717"/>
+                          <a:pt x="63500" y="114300"/>
+                        </a:cubicBezTo>
+                        <a:cubicBezTo>
+                          <a:pt x="97367" y="124883"/>
+                          <a:pt x="162983" y="66675"/>
+                          <a:pt x="203200" y="69850"/>
+                        </a:cubicBezTo>
+                        <a:cubicBezTo>
+                          <a:pt x="243417" y="73025"/>
+                          <a:pt x="271992" y="144992"/>
+                          <a:pt x="304800" y="133350"/>
+                        </a:cubicBezTo>
+                        <a:cubicBezTo>
+                          <a:pt x="337608" y="121708"/>
+                          <a:pt x="368829" y="60854"/>
+                          <a:pt x="400050" y="0"/>
+                        </a:cubicBezTo>
+                      </a:path>
+                    </a:pathLst>
+                  </a:custGeom>
+                  <a:solidFill>
+                    <a:schemeClr val="bg1">
+                      <a:lumMod val="85000"/>
+                    </a:schemeClr>
+                  </a:solidFill>
+                  <a:ln w="19050">
+                    <a:solidFill>
+                      <a:schemeClr val="tx1"/>
+                    </a:solidFill>
+                  </a:ln>
+                </p:spPr>
+                <p:style>
+                  <a:lnRef idx="2">
+                    <a:schemeClr val="accent1">
+                      <a:shade val="50000"/>
+                    </a:schemeClr>
+                  </a:lnRef>
+                  <a:fillRef idx="1">
+                    <a:schemeClr val="accent1"/>
+                  </a:fillRef>
+                  <a:effectRef idx="0">
+                    <a:schemeClr val="accent1"/>
+                  </a:effectRef>
+                  <a:fontRef idx="minor">
+                    <a:schemeClr val="lt1"/>
+                  </a:fontRef>
+                </p:style>
+                <p:txBody>
+                  <a:bodyPr rtlCol="0" anchor="ctr"/>
+                  <a:lstStyle/>
+                  <a:p>
+                    <a:pPr algn="ctr"/>
+                    <a:endParaRPr lang="fr-FR"/>
+                  </a:p>
+                </p:txBody>
+              </p:sp>
+              <p:cxnSp>
+                <p:nvCxnSpPr>
+                  <p:cNvPr id="11" name="Connecteur droit 10">
+                    <a:extLst>
+                      <a:ext uri="{FF2B5EF4-FFF2-40B4-BE49-F238E27FC236}">
+                        <a16:creationId xmlns:a16="http://schemas.microsoft.com/office/drawing/2014/main" id="{67578EB1-6C78-126C-4D42-2499DBDBA55F}"/>
+                      </a:ext>
+                    </a:extLst>
+                  </p:cNvPr>
+                  <p:cNvCxnSpPr>
+                    <a:cxnSpLocks/>
+                  </p:cNvCxnSpPr>
+                  <p:nvPr/>
+                </p:nvCxnSpPr>
+                <p:spPr>
+                  <a:xfrm>
+                    <a:off x="2502283" y="3513708"/>
+                    <a:ext cx="0" cy="142105"/>
+                  </a:xfrm>
+                  <a:prstGeom prst="line">
+                    <a:avLst/>
+                  </a:prstGeom>
+                  <a:noFill/>
+                  <a:ln w="28575">
+                    <a:solidFill>
+                      <a:schemeClr val="tx1"/>
+                    </a:solidFill>
+                  </a:ln>
+                </p:spPr>
+                <p:style>
+                  <a:lnRef idx="2">
+                    <a:schemeClr val="accent1">
+                      <a:shade val="50000"/>
+                    </a:schemeClr>
+                  </a:lnRef>
+                  <a:fillRef idx="1">
+                    <a:schemeClr val="accent1"/>
+                  </a:fillRef>
+                  <a:effectRef idx="0">
+                    <a:schemeClr val="accent1"/>
+                  </a:effectRef>
+                  <a:fontRef idx="minor">
+                    <a:schemeClr val="lt1"/>
+                  </a:fontRef>
+                </p:style>
+              </p:cxnSp>
+              <p:cxnSp>
+                <p:nvCxnSpPr>
+                  <p:cNvPr id="12" name="Connecteur droit 11">
+                    <a:extLst>
+                      <a:ext uri="{FF2B5EF4-FFF2-40B4-BE49-F238E27FC236}">
+                        <a16:creationId xmlns:a16="http://schemas.microsoft.com/office/drawing/2014/main" id="{1869E06C-4271-7DEE-BF2F-7D2487A72759}"/>
+                      </a:ext>
+                    </a:extLst>
+                  </p:cNvPr>
+                  <p:cNvCxnSpPr>
+                    <a:cxnSpLocks/>
+                  </p:cNvCxnSpPr>
+                  <p:nvPr/>
+                </p:nvCxnSpPr>
+                <p:spPr>
+                  <a:xfrm flipH="1">
+                    <a:off x="2286259" y="3659633"/>
+                    <a:ext cx="432048" cy="0"/>
+                  </a:xfrm>
+                  <a:prstGeom prst="line">
+                    <a:avLst/>
+                  </a:prstGeom>
+                  <a:noFill/>
+                  <a:ln w="28575">
+                    <a:solidFill>
+                      <a:schemeClr val="tx1"/>
+                    </a:solidFill>
+                  </a:ln>
+                </p:spPr>
+                <p:style>
+                  <a:lnRef idx="2">
+                    <a:schemeClr val="accent1">
+                      <a:shade val="50000"/>
+                    </a:schemeClr>
+                  </a:lnRef>
+                  <a:fillRef idx="1">
+                    <a:schemeClr val="accent1"/>
+                  </a:fillRef>
+                  <a:effectRef idx="0">
+                    <a:schemeClr val="accent1"/>
+                  </a:effectRef>
+                  <a:fontRef idx="minor">
+                    <a:schemeClr val="lt1"/>
+                  </a:fontRef>
+                </p:style>
+              </p:cxnSp>
+            </p:grpSp>
+            <p:sp>
+              <p:nvSpPr>
+                <p:cNvPr id="9" name="Rectangle 8">
+                  <a:extLst>
+                    <a:ext uri="{FF2B5EF4-FFF2-40B4-BE49-F238E27FC236}">
+                      <a16:creationId xmlns:a16="http://schemas.microsoft.com/office/drawing/2014/main" id="{302F037C-CF9C-5B7D-625E-B74B7E890A6F}"/>
+                    </a:ext>
+                  </a:extLst>
+                </p:cNvPr>
+                <p:cNvSpPr/>
+                <p:nvPr/>
+              </p:nvSpPr>
+              <p:spPr>
+                <a:xfrm rot="16200000">
+                  <a:off x="904943" y="4015403"/>
+                  <a:ext cx="360000" cy="180000"/>
+                </a:xfrm>
+                <a:prstGeom prst="rect">
+                  <a:avLst/>
+                </a:prstGeom>
+                <a:solidFill>
+                  <a:schemeClr val="bg1"/>
+                </a:solidFill>
+                <a:ln w="28575">
+                  <a:solidFill>
+                    <a:schemeClr val="tx1"/>
+                  </a:solidFill>
+                </a:ln>
+              </p:spPr>
+              <p:style>
+                <a:lnRef idx="2">
+                  <a:schemeClr val="accent1">
+                    <a:shade val="50000"/>
+                  </a:schemeClr>
+                </a:lnRef>
+                <a:fillRef idx="1">
+                  <a:schemeClr val="accent1"/>
+                </a:fillRef>
+                <a:effectRef idx="0">
+                  <a:schemeClr val="accent1"/>
+                </a:effectRef>
+                <a:fontRef idx="minor">
+                  <a:schemeClr val="lt1"/>
+                </a:fontRef>
+              </p:style>
+              <p:txBody>
+                <a:bodyPr rtlCol="0" anchor="ctr"/>
+                <a:lstStyle/>
+                <a:p>
+                  <a:pPr algn="ctr"/>
+                  <a:endParaRPr lang="fr-FR"/>
+                </a:p>
+              </p:txBody>
+            </p:sp>
+          </p:grpSp>
+          <p:sp>
+            <p:nvSpPr>
+              <p:cNvPr id="13" name="Ellipse 12">
+                <a:extLst>
+                  <a:ext uri="{FF2B5EF4-FFF2-40B4-BE49-F238E27FC236}">
+                    <a16:creationId xmlns:a16="http://schemas.microsoft.com/office/drawing/2014/main" id="{7698318D-55BC-C966-D28D-A5A6F1E1A704}"/>
+                  </a:ext>
+                </a:extLst>
+              </p:cNvPr>
+              <p:cNvSpPr/>
+              <p:nvPr/>
+            </p:nvSpPr>
+            <p:spPr>
+              <a:xfrm>
+                <a:off x="4761590" y="5154295"/>
+                <a:ext cx="180000" cy="180000"/>
+              </a:xfrm>
+              <a:prstGeom prst="ellipse">
+                <a:avLst/>
+              </a:prstGeom>
+              <a:solidFill>
+                <a:schemeClr val="bg1"/>
+              </a:solidFill>
+              <a:ln w="19050">
+                <a:solidFill>
+                  <a:srgbClr val="C00000"/>
+                </a:solidFill>
+              </a:ln>
+            </p:spPr>
+            <p:style>
+              <a:lnRef idx="2">
+                <a:schemeClr val="accent1">
+                  <a:shade val="50000"/>
+                </a:schemeClr>
+              </a:lnRef>
+              <a:fillRef idx="1">
+                <a:schemeClr val="accent1"/>
+              </a:fillRef>
+              <a:effectRef idx="0">
+                <a:schemeClr val="accent1"/>
+              </a:effectRef>
+              <a:fontRef idx="minor">
+                <a:schemeClr val="lt1"/>
+              </a:fontRef>
+            </p:style>
+            <p:txBody>
+              <a:bodyPr rtlCol="0" anchor="ctr"/>
+              <a:lstStyle/>
+              <a:p>
+                <a:pPr algn="ctr"/>
+                <a:r>
+                  <a:rPr lang="fr-FR" sz="1050" b="1" dirty="0">
+                    <a:solidFill>
+                      <a:srgbClr val="C00000"/>
+                    </a:solidFill>
+                  </a:rPr>
+                  <a:t>6</a:t>
+                </a:r>
+                <a:endParaRPr lang="fr-FR" sz="1400" b="1" dirty="0">
+                  <a:solidFill>
+                    <a:srgbClr val="C00000"/>
+                  </a:solidFill>
+                </a:endParaRPr>
+              </a:p>
+            </p:txBody>
+          </p:sp>
+          <p:cxnSp>
+            <p:nvCxnSpPr>
+              <p:cNvPr id="85" name="Connecteur droit 84">
+                <a:extLst>
+                  <a:ext uri="{FF2B5EF4-FFF2-40B4-BE49-F238E27FC236}">
+                    <a16:creationId xmlns:a16="http://schemas.microsoft.com/office/drawing/2014/main" id="{2BC6E6A7-6D3A-7E5A-D47F-EBA6B859499C}"/>
+                  </a:ext>
+                </a:extLst>
+              </p:cNvPr>
+              <p:cNvCxnSpPr>
+                <a:cxnSpLocks/>
+              </p:cNvCxnSpPr>
+              <p:nvPr/>
+            </p:nvCxnSpPr>
+            <p:spPr>
+              <a:xfrm>
+                <a:off x="5287212" y="4797152"/>
+                <a:ext cx="0" cy="267143"/>
+              </a:xfrm>
+              <a:prstGeom prst="line">
+                <a:avLst/>
+              </a:prstGeom>
+              <a:noFill/>
+              <a:ln w="28575">
+                <a:solidFill>
+                  <a:srgbClr val="0070C0"/>
+                </a:solidFill>
+              </a:ln>
+            </p:spPr>
+            <p:style>
+              <a:lnRef idx="2">
+                <a:schemeClr val="accent1">
+                  <a:shade val="50000"/>
+                </a:schemeClr>
+              </a:lnRef>
+              <a:fillRef idx="1">
+                <a:schemeClr val="accent1"/>
+              </a:fillRef>
+              <a:effectRef idx="0">
+                <a:schemeClr val="accent1"/>
+              </a:effectRef>
+              <a:fontRef idx="minor">
+                <a:schemeClr val="lt1"/>
+              </a:fontRef>
+            </p:style>
+          </p:cxnSp>
+          <p:sp>
+            <p:nvSpPr>
+              <p:cNvPr id="84" name="Rectangle 83">
+                <a:extLst>
+                  <a:ext uri="{FF2B5EF4-FFF2-40B4-BE49-F238E27FC236}">
+                    <a16:creationId xmlns:a16="http://schemas.microsoft.com/office/drawing/2014/main" id="{7A89DD72-9D8C-FEEE-1E70-57B6A7818BFC}"/>
+                  </a:ext>
+                </a:extLst>
+              </p:cNvPr>
+              <p:cNvSpPr/>
+              <p:nvPr/>
+            </p:nvSpPr>
+            <p:spPr>
+              <a:xfrm rot="16200000">
+                <a:off x="5116309" y="5154296"/>
+                <a:ext cx="360000" cy="180000"/>
+              </a:xfrm>
+              <a:prstGeom prst="rect">
+                <a:avLst/>
+              </a:prstGeom>
+              <a:solidFill>
+                <a:schemeClr val="bg1"/>
+              </a:solidFill>
+              <a:ln w="28575">
+                <a:solidFill>
+                  <a:srgbClr val="C00000"/>
+                </a:solidFill>
+              </a:ln>
+            </p:spPr>
+            <p:style>
+              <a:lnRef idx="2">
+                <a:schemeClr val="accent1">
+                  <a:shade val="50000"/>
+                </a:schemeClr>
+              </a:lnRef>
+              <a:fillRef idx="1">
+                <a:schemeClr val="accent1"/>
+              </a:fillRef>
+              <a:effectRef idx="0">
+                <a:schemeClr val="accent1"/>
+              </a:effectRef>
+              <a:fontRef idx="minor">
+                <a:schemeClr val="lt1"/>
+              </a:fontRef>
+            </p:style>
+            <p:txBody>
+              <a:bodyPr rtlCol="0" anchor="ctr"/>
+              <a:lstStyle/>
+              <a:p>
+                <a:pPr algn="ctr"/>
+                <a:endParaRPr lang="fr-FR"/>
+              </a:p>
+            </p:txBody>
+          </p:sp>
+          <p:cxnSp>
+            <p:nvCxnSpPr>
+              <p:cNvPr id="111" name="Connecteur droit 110">
+                <a:extLst>
+                  <a:ext uri="{FF2B5EF4-FFF2-40B4-BE49-F238E27FC236}">
+                    <a16:creationId xmlns:a16="http://schemas.microsoft.com/office/drawing/2014/main" id="{9CC4D387-0474-0C08-F7C0-C5B9B1A8FD15}"/>
+                  </a:ext>
+                </a:extLst>
+              </p:cNvPr>
+              <p:cNvCxnSpPr>
+                <a:cxnSpLocks/>
+                <a:endCxn id="9" idx="3"/>
+              </p:cNvCxnSpPr>
+              <p:nvPr/>
+            </p:nvCxnSpPr>
+            <p:spPr>
+              <a:xfrm>
+                <a:off x="4119979" y="5594155"/>
+                <a:ext cx="278387" cy="0"/>
+              </a:xfrm>
+              <a:prstGeom prst="line">
+                <a:avLst/>
+              </a:prstGeom>
+              <a:noFill/>
+              <a:ln w="28575">
+                <a:solidFill>
+                  <a:srgbClr val="C00000"/>
+                </a:solidFill>
+              </a:ln>
+            </p:spPr>
+            <p:style>
+              <a:lnRef idx="2">
+                <a:schemeClr val="accent1">
+                  <a:shade val="50000"/>
+                </a:schemeClr>
+              </a:lnRef>
+              <a:fillRef idx="1">
+                <a:schemeClr val="accent1"/>
+              </a:fillRef>
+              <a:effectRef idx="0">
+                <a:schemeClr val="accent1"/>
+              </a:effectRef>
+              <a:fontRef idx="minor">
+                <a:schemeClr val="lt1"/>
+              </a:fontRef>
+            </p:style>
+          </p:cxnSp>
+          <p:grpSp>
+            <p:nvGrpSpPr>
+              <p:cNvPr id="53" name="Groupe 52"/>
+              <p:cNvGrpSpPr/>
+              <p:nvPr/>
+            </p:nvGrpSpPr>
+            <p:grpSpPr>
+              <a:xfrm>
+                <a:off x="3491630" y="4470093"/>
+                <a:ext cx="3600884" cy="325149"/>
+                <a:chOff x="4931556" y="799595"/>
+                <a:chExt cx="3600884" cy="325149"/>
+              </a:xfrm>
+            </p:grpSpPr>
+            <p:cxnSp>
+              <p:nvCxnSpPr>
+                <p:cNvPr id="88" name="Connecteur droit 87">
+                  <a:extLst>
+                    <a:ext uri="{FF2B5EF4-FFF2-40B4-BE49-F238E27FC236}">
+                      <a16:creationId xmlns:a16="http://schemas.microsoft.com/office/drawing/2014/main" id="{3A179A30-B809-15A4-6A26-E65DC4EBFDEC}"/>
+                    </a:ext>
+                  </a:extLst>
+                </p:cNvPr>
+                <p:cNvCxnSpPr>
+                  <a:cxnSpLocks/>
+                </p:cNvCxnSpPr>
+                <p:nvPr/>
+              </p:nvCxnSpPr>
+              <p:spPr>
+                <a:xfrm>
+                  <a:off x="4932440" y="1124744"/>
+                  <a:ext cx="3600000" cy="0"/>
+                </a:xfrm>
+                <a:prstGeom prst="line">
+                  <a:avLst/>
+                </a:prstGeom>
+                <a:noFill/>
+                <a:ln w="28575">
+                  <a:solidFill>
+                    <a:srgbClr val="0070C0"/>
+                  </a:solidFill>
+                </a:ln>
+              </p:spPr>
+              <p:style>
+                <a:lnRef idx="2">
+                  <a:schemeClr val="accent1">
+                    <a:shade val="50000"/>
+                  </a:schemeClr>
+                </a:lnRef>
+                <a:fillRef idx="1">
+                  <a:schemeClr val="accent1"/>
+                </a:fillRef>
+                <a:effectRef idx="0">
+                  <a:schemeClr val="accent1"/>
+                </a:effectRef>
+                <a:fontRef idx="minor">
+                  <a:schemeClr val="lt1"/>
+                </a:fontRef>
+              </p:style>
+            </p:cxnSp>
+            <p:cxnSp>
+              <p:nvCxnSpPr>
+                <p:cNvPr id="91" name="Connecteur droit 90">
+                  <a:extLst>
+                    <a:ext uri="{FF2B5EF4-FFF2-40B4-BE49-F238E27FC236}">
+                      <a16:creationId xmlns:a16="http://schemas.microsoft.com/office/drawing/2014/main" id="{D5F209E7-AD37-9159-F445-A2AB4ED1A8B6}"/>
+                    </a:ext>
+                  </a:extLst>
+                </p:cNvPr>
+                <p:cNvCxnSpPr>
+                  <a:cxnSpLocks/>
+                </p:cNvCxnSpPr>
+                <p:nvPr/>
+              </p:nvCxnSpPr>
+              <p:spPr>
+                <a:xfrm flipV="1">
+                  <a:off x="4931556" y="799595"/>
+                  <a:ext cx="0" cy="325149"/>
+                </a:xfrm>
+                <a:prstGeom prst="line">
+                  <a:avLst/>
+                </a:prstGeom>
+                <a:noFill/>
+                <a:ln w="28575">
+                  <a:solidFill>
+                    <a:srgbClr val="0070C0"/>
+                  </a:solidFill>
+                </a:ln>
+              </p:spPr>
+              <p:style>
+                <a:lnRef idx="2">
+                  <a:schemeClr val="accent1">
+                    <a:shade val="50000"/>
+                  </a:schemeClr>
+                </a:lnRef>
+                <a:fillRef idx="1">
+                  <a:schemeClr val="accent1"/>
+                </a:fillRef>
+                <a:effectRef idx="0">
+                  <a:schemeClr val="accent1"/>
+                </a:effectRef>
+                <a:fontRef idx="minor">
+                  <a:schemeClr val="lt1"/>
+                </a:fontRef>
+              </p:style>
+            </p:cxnSp>
+            <p:cxnSp>
+              <p:nvCxnSpPr>
+                <p:cNvPr id="95" name="Connecteur droit 94">
+                  <a:extLst>
+                    <a:ext uri="{FF2B5EF4-FFF2-40B4-BE49-F238E27FC236}">
+                      <a16:creationId xmlns:a16="http://schemas.microsoft.com/office/drawing/2014/main" id="{E3C95F4A-F1D7-C19B-BDC2-98A1B8C2C488}"/>
+                    </a:ext>
+                  </a:extLst>
+                </p:cNvPr>
+                <p:cNvCxnSpPr>
+                  <a:cxnSpLocks/>
+                </p:cNvCxnSpPr>
+                <p:nvPr/>
+              </p:nvCxnSpPr>
+              <p:spPr>
+                <a:xfrm flipV="1">
+                  <a:off x="8532440" y="799595"/>
+                  <a:ext cx="0" cy="325149"/>
+                </a:xfrm>
+                <a:prstGeom prst="line">
+                  <a:avLst/>
+                </a:prstGeom>
+                <a:noFill/>
+                <a:ln w="28575">
+                  <a:solidFill>
+                    <a:srgbClr val="0070C0"/>
+                  </a:solidFill>
+                </a:ln>
+              </p:spPr>
+              <p:style>
+                <a:lnRef idx="2">
+                  <a:schemeClr val="accent1">
+                    <a:shade val="50000"/>
+                  </a:schemeClr>
+                </a:lnRef>
+                <a:fillRef idx="1">
+                  <a:schemeClr val="accent1"/>
+                </a:fillRef>
+                <a:effectRef idx="0">
+                  <a:schemeClr val="accent1"/>
+                </a:effectRef>
+                <a:fontRef idx="minor">
+                  <a:schemeClr val="lt1"/>
+                </a:fontRef>
+              </p:style>
+            </p:cxnSp>
+            <p:sp>
+              <p:nvSpPr>
+                <p:cNvPr id="130" name="Ellipse 129">
+                  <a:extLst>
+                    <a:ext uri="{FF2B5EF4-FFF2-40B4-BE49-F238E27FC236}">
+                      <a16:creationId xmlns:a16="http://schemas.microsoft.com/office/drawing/2014/main" id="{8B0CB723-5810-23BC-F0D8-3E5F1D2B0CC6}"/>
+                    </a:ext>
+                  </a:extLst>
+                </p:cNvPr>
+                <p:cNvSpPr/>
+                <p:nvPr/>
+              </p:nvSpPr>
+              <p:spPr>
+                <a:xfrm>
+                  <a:off x="5003731" y="860481"/>
+                  <a:ext cx="216000" cy="216000"/>
+                </a:xfrm>
+                <a:prstGeom prst="ellipse">
+                  <a:avLst/>
+                </a:prstGeom>
+                <a:solidFill>
+                  <a:schemeClr val="bg1"/>
+                </a:solidFill>
+                <a:ln w="19050">
+                  <a:solidFill>
+                    <a:srgbClr val="0070C0"/>
+                  </a:solidFill>
+                </a:ln>
+              </p:spPr>
+              <p:style>
+                <a:lnRef idx="2">
+                  <a:schemeClr val="accent1">
+                    <a:shade val="50000"/>
+                  </a:schemeClr>
+                </a:lnRef>
+                <a:fillRef idx="1">
+                  <a:schemeClr val="accent1"/>
+                </a:fillRef>
+                <a:effectRef idx="0">
+                  <a:schemeClr val="accent1"/>
+                </a:effectRef>
+                <a:fontRef idx="minor">
+                  <a:schemeClr val="lt1"/>
+                </a:fontRef>
+              </p:style>
+              <p:txBody>
+                <a:bodyPr lIns="0" tIns="0" rIns="0" bIns="0" rtlCol="0" anchor="ctr"/>
+                <a:lstStyle/>
+                <a:p>
+                  <a:pPr algn="ctr"/>
+                  <a:r>
+                    <a:rPr lang="fr-FR" sz="1000" b="1" dirty="0">
+                      <a:solidFill>
+                        <a:srgbClr val="0070C0"/>
+                      </a:solidFill>
+                    </a:rPr>
+                    <a:t>11</a:t>
+                  </a:r>
+                  <a:endParaRPr lang="fr-FR" sz="1200" b="1" dirty="0">
+                    <a:solidFill>
+                      <a:srgbClr val="0070C0"/>
+                    </a:solidFill>
+                  </a:endParaRPr>
+                </a:p>
+              </p:txBody>
+            </p:sp>
+          </p:grpSp>
+          <p:cxnSp>
+            <p:nvCxnSpPr>
+              <p:cNvPr id="67" name="Connecteur droit 66">
+                <a:extLst>
+                  <a:ext uri="{FF2B5EF4-FFF2-40B4-BE49-F238E27FC236}">
+                    <a16:creationId xmlns:a16="http://schemas.microsoft.com/office/drawing/2014/main" id="{9CC4D387-0474-0C08-F7C0-C5B9B1A8FD15}"/>
+                  </a:ext>
+                </a:extLst>
+              </p:cNvPr>
+              <p:cNvCxnSpPr>
+                <a:cxnSpLocks/>
+              </p:cNvCxnSpPr>
+              <p:nvPr/>
+            </p:nvCxnSpPr>
+            <p:spPr>
+              <a:xfrm flipV="1">
+                <a:off x="4768693" y="5594157"/>
+                <a:ext cx="230285" cy="1"/>
+              </a:xfrm>
+              <a:prstGeom prst="line">
+                <a:avLst/>
+              </a:prstGeom>
+              <a:noFill/>
+              <a:ln w="28575">
+                <a:solidFill>
+                  <a:srgbClr val="C00000"/>
+                </a:solidFill>
+              </a:ln>
+            </p:spPr>
+            <p:style>
+              <a:lnRef idx="2">
+                <a:schemeClr val="accent1">
+                  <a:shade val="50000"/>
+                </a:schemeClr>
+              </a:lnRef>
+              <a:fillRef idx="1">
+                <a:schemeClr val="accent1"/>
+              </a:fillRef>
+              <a:effectRef idx="0">
+                <a:schemeClr val="accent1"/>
+              </a:effectRef>
+              <a:fontRef idx="minor">
+                <a:schemeClr val="lt1"/>
+              </a:fontRef>
+            </p:style>
+          </p:cxnSp>
+          <p:cxnSp>
+            <p:nvCxnSpPr>
+              <p:cNvPr id="68" name="Connecteur droit 67">
+                <a:extLst>
+                  <a:ext uri="{FF2B5EF4-FFF2-40B4-BE49-F238E27FC236}">
+                    <a16:creationId xmlns:a16="http://schemas.microsoft.com/office/drawing/2014/main" id="{9CC4D387-0474-0C08-F7C0-C5B9B1A8FD15}"/>
+                  </a:ext>
+                </a:extLst>
+              </p:cNvPr>
+              <p:cNvCxnSpPr>
+                <a:cxnSpLocks/>
+              </p:cNvCxnSpPr>
+              <p:nvPr/>
+            </p:nvCxnSpPr>
+            <p:spPr>
+              <a:xfrm>
+                <a:off x="4998978" y="5244299"/>
+                <a:ext cx="1" cy="349856"/>
+              </a:xfrm>
+              <a:prstGeom prst="line">
+                <a:avLst/>
+              </a:prstGeom>
+              <a:noFill/>
+              <a:ln w="28575">
+                <a:solidFill>
+                  <a:srgbClr val="C00000"/>
+                </a:solidFill>
+              </a:ln>
+            </p:spPr>
+            <p:style>
+              <a:lnRef idx="2">
+                <a:schemeClr val="accent1">
+                  <a:shade val="50000"/>
+                </a:schemeClr>
+              </a:lnRef>
+              <a:fillRef idx="1">
+                <a:schemeClr val="accent1"/>
+              </a:fillRef>
+              <a:effectRef idx="0">
+                <a:schemeClr val="accent1"/>
+              </a:effectRef>
+              <a:fontRef idx="minor">
+                <a:schemeClr val="lt1"/>
+              </a:fontRef>
+            </p:style>
+          </p:cxnSp>
+          <p:cxnSp>
+            <p:nvCxnSpPr>
+              <p:cNvPr id="76" name="Connecteur droit 75">
+                <a:extLst>
+                  <a:ext uri="{FF2B5EF4-FFF2-40B4-BE49-F238E27FC236}">
+                    <a16:creationId xmlns:a16="http://schemas.microsoft.com/office/drawing/2014/main" id="{9CC4D387-0474-0C08-F7C0-C5B9B1A8FD15}"/>
+                  </a:ext>
+                </a:extLst>
+              </p:cNvPr>
+              <p:cNvCxnSpPr>
+                <a:cxnSpLocks/>
+                <a:endCxn id="84" idx="0"/>
+              </p:cNvCxnSpPr>
+              <p:nvPr/>
+            </p:nvCxnSpPr>
+            <p:spPr>
+              <a:xfrm>
+                <a:off x="4998978" y="5244295"/>
+                <a:ext cx="207331" cy="1"/>
+              </a:xfrm>
+              <a:prstGeom prst="line">
+                <a:avLst/>
+              </a:prstGeom>
+              <a:noFill/>
+              <a:ln w="28575">
+                <a:solidFill>
+                  <a:srgbClr val="C00000"/>
+                </a:solidFill>
+              </a:ln>
+            </p:spPr>
+            <p:style>
+              <a:lnRef idx="2">
+                <a:schemeClr val="accent1">
+                  <a:shade val="50000"/>
+                </a:schemeClr>
+              </a:lnRef>
+              <a:fillRef idx="1">
+                <a:schemeClr val="accent1"/>
+              </a:fillRef>
+              <a:effectRef idx="0">
+                <a:schemeClr val="accent1"/>
+              </a:effectRef>
+              <a:fontRef idx="minor">
+                <a:schemeClr val="lt1"/>
+              </a:fontRef>
+            </p:style>
+          </p:cxnSp>
+          <p:cxnSp>
+            <p:nvCxnSpPr>
+              <p:cNvPr id="78" name="Connecteur droit 77">
+                <a:extLst>
+                  <a:ext uri="{FF2B5EF4-FFF2-40B4-BE49-F238E27FC236}">
+                    <a16:creationId xmlns:a16="http://schemas.microsoft.com/office/drawing/2014/main" id="{2BC6E6A7-6D3A-7E5A-D47F-EBA6B859499C}"/>
+                  </a:ext>
+                </a:extLst>
+              </p:cNvPr>
+              <p:cNvCxnSpPr>
+                <a:cxnSpLocks/>
+              </p:cNvCxnSpPr>
+              <p:nvPr/>
+            </p:nvCxnSpPr>
+            <p:spPr>
+              <a:xfrm>
+                <a:off x="5291556" y="5417013"/>
+                <a:ext cx="0" cy="392382"/>
+              </a:xfrm>
+              <a:prstGeom prst="line">
+                <a:avLst/>
+              </a:prstGeom>
+              <a:noFill/>
+              <a:ln w="28575">
+                <a:solidFill>
+                  <a:srgbClr val="0070C0"/>
+                </a:solidFill>
+              </a:ln>
+            </p:spPr>
+            <p:style>
+              <a:lnRef idx="2">
+                <a:schemeClr val="accent1">
+                  <a:shade val="50000"/>
+                </a:schemeClr>
+              </a:lnRef>
+              <a:fillRef idx="1">
+                <a:schemeClr val="accent1"/>
+              </a:fillRef>
+              <a:effectRef idx="0">
+                <a:schemeClr val="accent1"/>
+              </a:effectRef>
+              <a:fontRef idx="minor">
+                <a:schemeClr val="lt1"/>
+              </a:fontRef>
+            </p:style>
+          </p:cxnSp>
+          <p:cxnSp>
+            <p:nvCxnSpPr>
+              <p:cNvPr id="114" name="Connecteur droit 113">
+                <a:extLst>
+                  <a:ext uri="{FF2B5EF4-FFF2-40B4-BE49-F238E27FC236}">
+                    <a16:creationId xmlns:a16="http://schemas.microsoft.com/office/drawing/2014/main" id="{3A396FC0-87C4-D675-3DD3-A5795713BA9F}"/>
+                  </a:ext>
+                </a:extLst>
+              </p:cNvPr>
+              <p:cNvCxnSpPr>
+                <a:cxnSpLocks/>
+              </p:cNvCxnSpPr>
+              <p:nvPr/>
+            </p:nvCxnSpPr>
+            <p:spPr>
+              <a:xfrm>
+                <a:off x="5076806" y="6031689"/>
+                <a:ext cx="540000" cy="0"/>
+              </a:xfrm>
+              <a:prstGeom prst="line">
+                <a:avLst/>
+              </a:prstGeom>
+              <a:ln w="19050">
+                <a:solidFill>
+                  <a:schemeClr val="tx1"/>
+                </a:solidFill>
+                <a:tailEnd type="stealth" w="med" len="lg"/>
+              </a:ln>
+            </p:spPr>
+            <p:style>
+              <a:lnRef idx="1">
+                <a:schemeClr val="accent1"/>
+              </a:lnRef>
+              <a:fillRef idx="0">
+                <a:schemeClr val="accent1"/>
+              </a:fillRef>
+              <a:effectRef idx="0">
+                <a:schemeClr val="accent1"/>
+              </a:effectRef>
+              <a:fontRef idx="minor">
+                <a:schemeClr val="tx1"/>
+              </a:fontRef>
+            </p:style>
+          </p:cxnSp>
+          <mc:AlternateContent xmlns:mc="http://schemas.openxmlformats.org/markup-compatibility/2006">
+            <mc:Choice xmlns:a14="http://schemas.microsoft.com/office/drawing/2010/main" Requires="a14">
+              <p:sp>
+                <p:nvSpPr>
+                  <p:cNvPr id="115" name="ZoneTexte 114">
+                    <a:extLst>
+                      <a:ext uri="{FF2B5EF4-FFF2-40B4-BE49-F238E27FC236}">
+                        <a16:creationId xmlns:a16="http://schemas.microsoft.com/office/drawing/2014/main" id="{A49EC317-F532-4FFC-D6B9-CD487E1453FE}"/>
+                      </a:ext>
+                    </a:extLst>
+                  </p:cNvPr>
+                  <p:cNvSpPr txBox="1"/>
+                  <p:nvPr/>
+                </p:nvSpPr>
+                <p:spPr>
+                  <a:xfrm>
+                    <a:off x="5606668" y="5873161"/>
+                    <a:ext cx="207301" cy="274434"/>
+                  </a:xfrm>
+                  <a:prstGeom prst="rect">
+                    <a:avLst/>
+                  </a:prstGeom>
+                  <a:noFill/>
+                </p:spPr>
+                <p:txBody>
+                  <a:bodyPr wrap="none" lIns="0" tIns="0" rIns="0" bIns="0" rtlCol="0">
+                    <a:spAutoFit/>
+                  </a:bodyPr>
+                  <a:lstStyle/>
+                  <a:p>
+                    <a:pPr/>
+                    <a14:m>
+                      <m:oMathPara xmlns:m="http://schemas.openxmlformats.org/officeDocument/2006/math">
+                        <m:oMathParaPr>
+                          <m:jc m:val="centerGroup"/>
+                        </m:oMathParaPr>
+                        <m:oMath xmlns:m="http://schemas.openxmlformats.org/officeDocument/2006/math">
+                          <m:acc>
+                            <m:accPr>
+                              <m:chr m:val="⃗"/>
+                              <m:ctrlPr>
+                                <a:rPr lang="fr-FR" sz="1600" i="1" smtClean="0">
+                                  <a:latin typeface="Cambria Math" panose="02040503050406030204" pitchFamily="18" charset="0"/>
+                                </a:rPr>
+                              </m:ctrlPr>
+                            </m:accPr>
+                            <m:e>
+                              <m:sSub>
+                                <m:sSubPr>
+                                  <m:ctrlPr>
+                                    <a:rPr lang="fr-FR" sz="1600" b="0" i="1" smtClean="0">
+                                      <a:latin typeface="Cambria Math" panose="02040503050406030204" pitchFamily="18" charset="0"/>
+                                    </a:rPr>
+                                  </m:ctrlPr>
+                                </m:sSubPr>
+                                <m:e>
+                                  <m:r>
+                                    <a:rPr lang="fr-FR" sz="1600" b="0" i="1" smtClean="0">
+                                      <a:latin typeface="Cambria Math" panose="02040503050406030204" pitchFamily="18" charset="0"/>
+                                    </a:rPr>
+                                    <m:t>𝑖</m:t>
+                                  </m:r>
+                                </m:e>
+                                <m:sub>
+                                  <m:r>
+                                    <a:rPr lang="fr-FR" sz="1600" b="0" i="1" smtClean="0">
+                                      <a:latin typeface="Cambria Math" panose="02040503050406030204" pitchFamily="18" charset="0"/>
+                                    </a:rPr>
+                                    <m:t>0</m:t>
+                                  </m:r>
+                                </m:sub>
+                              </m:sSub>
+                            </m:e>
+                          </m:acc>
+                        </m:oMath>
+                      </m:oMathPara>
+                    </a14:m>
+                    <a:endParaRPr lang="fr-FR" sz="1600" dirty="0"/>
+                  </a:p>
+                </p:txBody>
+              </p:sp>
+            </mc:Choice>
+            <mc:Fallback>
+              <p:sp>
+                <p:nvSpPr>
+                  <p:cNvPr id="115" name="ZoneTexte 114">
+                    <a:extLst>
+                      <a:ext uri="{FF2B5EF4-FFF2-40B4-BE49-F238E27FC236}">
+                        <a16:creationId xmlns:a16="http://schemas.microsoft.com/office/drawing/2014/main" id="{A49EC317-F532-4FFC-D6B9-CD487E1453FE}"/>
+                      </a:ext>
+                    </a:extLst>
+                  </p:cNvPr>
+                  <p:cNvSpPr txBox="1">
+                    <a:spLocks noRot="1" noChangeAspect="1" noMove="1" noResize="1" noEditPoints="1" noAdjustHandles="1" noChangeArrowheads="1" noChangeShapeType="1" noTextEdit="1"/>
+                  </p:cNvSpPr>
+                  <p:nvPr/>
+                </p:nvSpPr>
+                <p:spPr>
+                  <a:xfrm>
+                    <a:off x="5606668" y="5873161"/>
+                    <a:ext cx="207301" cy="274434"/>
+                  </a:xfrm>
+                  <a:prstGeom prst="rect">
+                    <a:avLst/>
+                  </a:prstGeom>
+                  <a:blipFill>
+                    <a:blip r:embed="rId10"/>
+                    <a:stretch>
+                      <a:fillRect l="-23529" r="-5882" b="-13333"/>
+                    </a:stretch>
+                  </a:blipFill>
+                </p:spPr>
+                <p:txBody>
+                  <a:bodyPr/>
+                  <a:lstStyle/>
+                  <a:p>
+                    <a:r>
+                      <a:rPr lang="fr-FR">
+                        <a:noFill/>
+                      </a:rPr>
+                      <a:t> </a:t>
+                    </a:r>
+                  </a:p>
+                </p:txBody>
+              </p:sp>
+            </mc:Fallback>
+          </mc:AlternateContent>
+          <p:cxnSp>
+            <p:nvCxnSpPr>
+              <p:cNvPr id="117" name="Connecteur droit 116">
+                <a:extLst>
+                  <a:ext uri="{FF2B5EF4-FFF2-40B4-BE49-F238E27FC236}">
+                    <a16:creationId xmlns:a16="http://schemas.microsoft.com/office/drawing/2014/main" id="{51C18C25-F64C-4954-C041-9103193D649F}"/>
+                  </a:ext>
+                </a:extLst>
+              </p:cNvPr>
+              <p:cNvCxnSpPr/>
+              <p:nvPr/>
+            </p:nvCxnSpPr>
+            <p:spPr>
+              <a:xfrm flipH="1" flipV="1">
+                <a:off x="5076053" y="5488731"/>
+                <a:ext cx="0" cy="540000"/>
+              </a:xfrm>
+              <a:prstGeom prst="line">
+                <a:avLst/>
+              </a:prstGeom>
+              <a:ln w="19050">
+                <a:solidFill>
+                  <a:schemeClr val="tx1"/>
+                </a:solidFill>
+                <a:tailEnd type="stealth" w="med" len="lg"/>
+              </a:ln>
+            </p:spPr>
+            <p:style>
+              <a:lnRef idx="1">
+                <a:schemeClr val="accent1"/>
+              </a:lnRef>
+              <a:fillRef idx="0">
+                <a:schemeClr val="accent1"/>
+              </a:fillRef>
+              <a:effectRef idx="0">
+                <a:schemeClr val="accent1"/>
+              </a:effectRef>
+              <a:fontRef idx="minor">
+                <a:schemeClr val="tx1"/>
+              </a:fontRef>
+            </p:style>
+          </p:cxnSp>
+          <mc:AlternateContent xmlns:mc="http://schemas.openxmlformats.org/markup-compatibility/2006">
+            <mc:Choice xmlns:a14="http://schemas.microsoft.com/office/drawing/2010/main" Requires="a14">
+              <p:sp>
+                <p:nvSpPr>
+                  <p:cNvPr id="118" name="ZoneTexte 117">
+                    <a:extLst>
+                      <a:ext uri="{FF2B5EF4-FFF2-40B4-BE49-F238E27FC236}">
+                        <a16:creationId xmlns:a16="http://schemas.microsoft.com/office/drawing/2014/main" id="{F8CA2272-F8CC-9C08-E3E7-75FDB16A2207}"/>
+                      </a:ext>
+                    </a:extLst>
+                  </p:cNvPr>
+                  <p:cNvSpPr txBox="1"/>
+                  <p:nvPr/>
+                </p:nvSpPr>
+                <p:spPr>
+                  <a:xfrm>
+                    <a:off x="4868868" y="5655264"/>
+                    <a:ext cx="208327" cy="274434"/>
+                  </a:xfrm>
+                  <a:prstGeom prst="rect">
+                    <a:avLst/>
+                  </a:prstGeom>
+                  <a:noFill/>
+                </p:spPr>
+                <p:txBody>
+                  <a:bodyPr wrap="none" lIns="0" tIns="0" rIns="0" bIns="0" rtlCol="0">
+                    <a:spAutoFit/>
+                  </a:bodyPr>
+                  <a:lstStyle/>
+                  <a:p>
+                    <a:pPr/>
+                    <a14:m>
+                      <m:oMathPara xmlns:m="http://schemas.openxmlformats.org/officeDocument/2006/math">
+                        <m:oMathParaPr>
+                          <m:jc m:val="centerGroup"/>
+                        </m:oMathParaPr>
+                        <m:oMath xmlns:m="http://schemas.openxmlformats.org/officeDocument/2006/math">
+                          <m:acc>
+                            <m:accPr>
+                              <m:chr m:val="⃗"/>
+                              <m:ctrlPr>
+                                <a:rPr lang="fr-FR" sz="1600" i="1" smtClean="0">
+                                  <a:latin typeface="Cambria Math" panose="02040503050406030204" pitchFamily="18" charset="0"/>
+                                </a:rPr>
+                              </m:ctrlPr>
+                            </m:accPr>
+                            <m:e>
+                              <m:sSub>
+                                <m:sSubPr>
+                                  <m:ctrlPr>
+                                    <a:rPr lang="fr-FR" sz="1600" b="0" i="1" smtClean="0">
+                                      <a:latin typeface="Cambria Math" panose="02040503050406030204" pitchFamily="18" charset="0"/>
+                                    </a:rPr>
+                                  </m:ctrlPr>
+                                </m:sSubPr>
+                                <m:e>
+                                  <m:r>
+                                    <a:rPr lang="fr-FR" sz="1600" b="0" i="1" smtClean="0">
+                                      <a:latin typeface="Cambria Math" panose="02040503050406030204" pitchFamily="18" charset="0"/>
+                                    </a:rPr>
+                                    <m:t>𝑗</m:t>
+                                  </m:r>
+                                </m:e>
+                                <m:sub>
+                                  <m:r>
+                                    <a:rPr lang="fr-FR" sz="1600" b="0" i="1" smtClean="0">
+                                      <a:latin typeface="Cambria Math" panose="02040503050406030204" pitchFamily="18" charset="0"/>
+                                    </a:rPr>
+                                    <m:t>0</m:t>
+                                  </m:r>
+                                </m:sub>
+                              </m:sSub>
+                            </m:e>
+                          </m:acc>
+                        </m:oMath>
+                      </m:oMathPara>
+                    </a14:m>
+                    <a:endParaRPr lang="fr-FR" sz="1600" dirty="0"/>
+                  </a:p>
+                </p:txBody>
+              </p:sp>
+            </mc:Choice>
+            <mc:Fallback>
+              <p:sp>
+                <p:nvSpPr>
+                  <p:cNvPr id="118" name="ZoneTexte 117">
+                    <a:extLst>
+                      <a:ext uri="{FF2B5EF4-FFF2-40B4-BE49-F238E27FC236}">
+                        <a16:creationId xmlns:a16="http://schemas.microsoft.com/office/drawing/2014/main" id="{F8CA2272-F8CC-9C08-E3E7-75FDB16A2207}"/>
+                      </a:ext>
+                    </a:extLst>
+                  </p:cNvPr>
+                  <p:cNvSpPr txBox="1">
+                    <a:spLocks noRot="1" noChangeAspect="1" noMove="1" noResize="1" noEditPoints="1" noAdjustHandles="1" noChangeArrowheads="1" noChangeShapeType="1" noTextEdit="1"/>
+                  </p:cNvSpPr>
+                  <p:nvPr/>
+                </p:nvSpPr>
+                <p:spPr>
+                  <a:xfrm>
+                    <a:off x="4868868" y="5655264"/>
+                    <a:ext cx="208327" cy="274434"/>
+                  </a:xfrm>
+                  <a:prstGeom prst="rect">
+                    <a:avLst/>
+                  </a:prstGeom>
+                  <a:blipFill>
+                    <a:blip r:embed="rId11"/>
+                    <a:stretch>
+                      <a:fillRect l="-32353" r="-8824" b="-28889"/>
+                    </a:stretch>
+                  </a:blipFill>
+                </p:spPr>
+                <p:txBody>
+                  <a:bodyPr/>
+                  <a:lstStyle/>
+                  <a:p>
+                    <a:r>
+                      <a:rPr lang="fr-FR">
+                        <a:noFill/>
+                      </a:rPr>
+                      <a:t> </a:t>
+                    </a:r>
+                  </a:p>
+                </p:txBody>
+              </p:sp>
+            </mc:Fallback>
+          </mc:AlternateContent>
+          <p:grpSp>
+            <p:nvGrpSpPr>
+              <p:cNvPr id="69" name="Groupe 68"/>
+              <p:cNvGrpSpPr/>
+              <p:nvPr/>
+            </p:nvGrpSpPr>
+            <p:grpSpPr>
+              <a:xfrm>
+                <a:off x="467646" y="3910749"/>
+                <a:ext cx="1917960" cy="2045054"/>
+                <a:chOff x="506568" y="3639102"/>
+                <a:chExt cx="1917960" cy="2045054"/>
+              </a:xfrm>
+            </p:grpSpPr>
+            <p:grpSp>
+              <p:nvGrpSpPr>
+                <p:cNvPr id="66" name="Groupe 65"/>
+                <p:cNvGrpSpPr/>
+                <p:nvPr/>
+              </p:nvGrpSpPr>
+              <p:grpSpPr>
+                <a:xfrm>
+                  <a:off x="506568" y="3639102"/>
+                  <a:ext cx="1917960" cy="2045054"/>
+                  <a:chOff x="542032" y="859530"/>
+                  <a:chExt cx="1917960" cy="2045054"/>
+                </a:xfrm>
+              </p:grpSpPr>
+              <p:pic>
+                <p:nvPicPr>
+                  <p:cNvPr id="1026" name="Picture 2" descr="http://www.crea-technologie.com/images/products/000000051/moby.png"/>
+                  <p:cNvPicPr>
+                    <a:picLocks noChangeAspect="1" noChangeArrowheads="1"/>
+                  </p:cNvPicPr>
+                  <p:nvPr/>
+                </p:nvPicPr>
+                <p:blipFill>
+                  <a:blip r:embed="rId12">
+                    <a:extLst>
+                      <a:ext uri="{28A0092B-C50C-407E-A947-70E740481C1C}">
+                        <a14:useLocalDpi xmlns:a14="http://schemas.microsoft.com/office/drawing/2010/main" val="0"/>
+                      </a:ext>
+                    </a:extLst>
+                  </a:blip>
+                  <a:srcRect/>
+                  <a:stretch>
+                    <a:fillRect/>
+                  </a:stretch>
+                </p:blipFill>
+                <p:spPr bwMode="auto">
+                  <a:xfrm>
+                    <a:off x="712636" y="859530"/>
+                    <a:ext cx="1747356" cy="2045054"/>
+                  </a:xfrm>
+                  <a:prstGeom prst="rect">
+                    <a:avLst/>
+                  </a:prstGeom>
+                  <a:noFill/>
+                  <a:extLst>
+                    <a:ext uri="{909E8E84-426E-40DD-AFC4-6F175D3DCCD1}">
+                      <a14:hiddenFill xmlns:a14="http://schemas.microsoft.com/office/drawing/2010/main">
+                        <a:solidFill>
+                          <a:srgbClr val="FFFFFF"/>
+                        </a:solidFill>
+                      </a14:hiddenFill>
+                    </a:ext>
+                  </a:extLst>
+                </p:spPr>
+              </p:pic>
+              <p:cxnSp>
+                <p:nvCxnSpPr>
+                  <p:cNvPr id="106" name="Connecteur droit 105">
+                    <a:extLst>
+                      <a:ext uri="{FF2B5EF4-FFF2-40B4-BE49-F238E27FC236}">
+                        <a16:creationId xmlns:a16="http://schemas.microsoft.com/office/drawing/2014/main" id="{3A396FC0-87C4-D675-3DD3-A5795713BA9F}"/>
+                      </a:ext>
+                    </a:extLst>
+                  </p:cNvPr>
+                  <p:cNvCxnSpPr>
+                    <a:cxnSpLocks/>
+                  </p:cNvCxnSpPr>
+                  <p:nvPr/>
+                </p:nvCxnSpPr>
+                <p:spPr>
+                  <a:xfrm>
+                    <a:off x="1388408" y="2348880"/>
+                    <a:ext cx="951344" cy="37860"/>
+                  </a:xfrm>
+                  <a:prstGeom prst="line">
+                    <a:avLst/>
+                  </a:prstGeom>
+                  <a:ln w="19050">
+                    <a:solidFill>
+                      <a:schemeClr val="tx1"/>
+                    </a:solidFill>
+                    <a:tailEnd type="stealth" w="med" len="lg"/>
+                  </a:ln>
+                </p:spPr>
+                <p:style>
+                  <a:lnRef idx="1">
+                    <a:schemeClr val="accent1"/>
+                  </a:lnRef>
+                  <a:fillRef idx="0">
+                    <a:schemeClr val="accent1"/>
+                  </a:fillRef>
+                  <a:effectRef idx="0">
+                    <a:schemeClr val="accent1"/>
+                  </a:effectRef>
+                  <a:fontRef idx="minor">
+                    <a:schemeClr val="tx1"/>
+                  </a:fontRef>
+                </p:style>
+              </p:cxnSp>
+              <mc:AlternateContent xmlns:mc="http://schemas.openxmlformats.org/markup-compatibility/2006">
+                <mc:Choice xmlns:a14="http://schemas.microsoft.com/office/drawing/2010/main" Requires="a14">
+                  <p:sp>
+                    <p:nvSpPr>
+                      <p:cNvPr id="107" name="ZoneTexte 106">
+                        <a:extLst>
+                          <a:ext uri="{FF2B5EF4-FFF2-40B4-BE49-F238E27FC236}">
+                            <a16:creationId xmlns:a16="http://schemas.microsoft.com/office/drawing/2014/main" id="{A49EC317-F532-4FFC-D6B9-CD487E1453FE}"/>
+                          </a:ext>
+                        </a:extLst>
+                      </p:cNvPr>
+                      <p:cNvSpPr txBox="1"/>
+                      <p:nvPr/>
+                    </p:nvSpPr>
+                    <p:spPr>
+                      <a:xfrm>
+                        <a:off x="2243660" y="2030376"/>
+                        <a:ext cx="207301" cy="274434"/>
+                      </a:xfrm>
+                      <a:prstGeom prst="rect">
+                        <a:avLst/>
+                      </a:prstGeom>
+                      <a:noFill/>
+                    </p:spPr>
+                    <p:txBody>
+                      <a:bodyPr wrap="none" lIns="0" tIns="0" rIns="0" bIns="0" rtlCol="0">
+                        <a:spAutoFit/>
+                      </a:bodyPr>
+                      <a:lstStyle/>
+                      <a:p>
+                        <a:pPr/>
+                        <a14:m>
+                          <m:oMathPara xmlns:m="http://schemas.openxmlformats.org/officeDocument/2006/math">
+                            <m:oMathParaPr>
+                              <m:jc m:val="centerGroup"/>
+                            </m:oMathParaPr>
+                            <m:oMath xmlns:m="http://schemas.openxmlformats.org/officeDocument/2006/math">
+                              <m:acc>
+                                <m:accPr>
+                                  <m:chr m:val="⃗"/>
+                                  <m:ctrlPr>
+                                    <a:rPr lang="fr-FR" sz="1600" i="1" smtClean="0">
+                                      <a:latin typeface="Cambria Math" panose="02040503050406030204" pitchFamily="18" charset="0"/>
+                                    </a:rPr>
+                                  </m:ctrlPr>
+                                </m:accPr>
+                                <m:e>
+                                  <m:sSub>
+                                    <m:sSubPr>
+                                      <m:ctrlPr>
+                                        <a:rPr lang="fr-FR" sz="1600" b="0" i="1" smtClean="0">
+                                          <a:latin typeface="Cambria Math" panose="02040503050406030204" pitchFamily="18" charset="0"/>
+                                        </a:rPr>
+                                      </m:ctrlPr>
+                                    </m:sSubPr>
+                                    <m:e>
+                                      <m:r>
+                                        <a:rPr lang="fr-FR" sz="1600" b="0" i="1" smtClean="0">
+                                          <a:latin typeface="Cambria Math" panose="02040503050406030204" pitchFamily="18" charset="0"/>
+                                        </a:rPr>
+                                        <m:t>𝑖</m:t>
+                                      </m:r>
+                                    </m:e>
+                                    <m:sub>
+                                      <m:r>
+                                        <a:rPr lang="fr-FR" sz="1600" b="0" i="1" smtClean="0">
+                                          <a:latin typeface="Cambria Math" panose="02040503050406030204" pitchFamily="18" charset="0"/>
+                                        </a:rPr>
+                                        <m:t>0</m:t>
+                                      </m:r>
+                                    </m:sub>
+                                  </m:sSub>
+                                </m:e>
+                              </m:acc>
+                            </m:oMath>
+                          </m:oMathPara>
+                        </a14:m>
+                        <a:endParaRPr lang="fr-FR" sz="1600" dirty="0"/>
+                      </a:p>
+                    </p:txBody>
+                  </p:sp>
+                </mc:Choice>
+                <mc:Fallback>
+                  <p:sp>
+                    <p:nvSpPr>
+                      <p:cNvPr id="107" name="ZoneTexte 106">
+                        <a:extLst>
+                          <a:ext uri="{FF2B5EF4-FFF2-40B4-BE49-F238E27FC236}">
+                            <a16:creationId xmlns:a16="http://schemas.microsoft.com/office/drawing/2014/main" id="{A49EC317-F532-4FFC-D6B9-CD487E1453FE}"/>
+                          </a:ext>
+                        </a:extLst>
+                      </p:cNvPr>
+                      <p:cNvSpPr txBox="1">
+                        <a:spLocks noRot="1" noChangeAspect="1" noMove="1" noResize="1" noEditPoints="1" noAdjustHandles="1" noChangeArrowheads="1" noChangeShapeType="1" noTextEdit="1"/>
+                      </p:cNvSpPr>
+                      <p:nvPr/>
+                    </p:nvSpPr>
+                    <p:spPr>
+                      <a:xfrm>
+                        <a:off x="2243660" y="2030376"/>
+                        <a:ext cx="207301" cy="274434"/>
+                      </a:xfrm>
+                      <a:prstGeom prst="rect">
+                        <a:avLst/>
+                      </a:prstGeom>
+                      <a:blipFill>
+                        <a:blip r:embed="rId13"/>
+                        <a:stretch>
+                          <a:fillRect l="-23529" r="-5882" b="-13333"/>
+                        </a:stretch>
+                      </a:blipFill>
+                    </p:spPr>
+                    <p:txBody>
+                      <a:bodyPr/>
+                      <a:lstStyle/>
+                      <a:p>
+                        <a:r>
+                          <a:rPr lang="fr-FR">
+                            <a:noFill/>
+                          </a:rPr>
+                          <a:t> </a:t>
+                        </a:r>
+                      </a:p>
+                    </p:txBody>
+                  </p:sp>
+                </mc:Fallback>
+              </mc:AlternateContent>
+              <p:cxnSp>
+                <p:nvCxnSpPr>
+                  <p:cNvPr id="108" name="Connecteur droit 107">
+                    <a:extLst>
+                      <a:ext uri="{FF2B5EF4-FFF2-40B4-BE49-F238E27FC236}">
+                        <a16:creationId xmlns:a16="http://schemas.microsoft.com/office/drawing/2014/main" id="{51C18C25-F64C-4954-C041-9103193D649F}"/>
+                      </a:ext>
+                    </a:extLst>
+                  </p:cNvPr>
+                  <p:cNvCxnSpPr/>
+                  <p:nvPr/>
+                </p:nvCxnSpPr>
+                <p:spPr>
+                  <a:xfrm flipV="1">
+                    <a:off x="1379892" y="915070"/>
+                    <a:ext cx="0" cy="1440160"/>
+                  </a:xfrm>
+                  <a:prstGeom prst="line">
+                    <a:avLst/>
+                  </a:prstGeom>
+                  <a:ln w="19050">
+                    <a:solidFill>
+                      <a:schemeClr val="tx1"/>
+                    </a:solidFill>
+                    <a:tailEnd type="stealth" w="med" len="lg"/>
+                  </a:ln>
+                </p:spPr>
+                <p:style>
+                  <a:lnRef idx="1">
+                    <a:schemeClr val="accent1"/>
+                  </a:lnRef>
+                  <a:fillRef idx="0">
+                    <a:schemeClr val="accent1"/>
+                  </a:fillRef>
+                  <a:effectRef idx="0">
+                    <a:schemeClr val="accent1"/>
+                  </a:effectRef>
+                  <a:fontRef idx="minor">
+                    <a:schemeClr val="tx1"/>
+                  </a:fontRef>
+                </p:style>
+              </p:cxnSp>
+              <mc:AlternateContent xmlns:mc="http://schemas.openxmlformats.org/markup-compatibility/2006">
+                <mc:Choice xmlns:a14="http://schemas.microsoft.com/office/drawing/2010/main" Requires="a14">
+                  <p:sp>
+                    <p:nvSpPr>
+                      <p:cNvPr id="110" name="ZoneTexte 109">
+                        <a:extLst>
+                          <a:ext uri="{FF2B5EF4-FFF2-40B4-BE49-F238E27FC236}">
+                            <a16:creationId xmlns:a16="http://schemas.microsoft.com/office/drawing/2014/main" id="{F8CA2272-F8CC-9C08-E3E7-75FDB16A2207}"/>
+                          </a:ext>
+                        </a:extLst>
+                      </p:cNvPr>
+                      <p:cNvSpPr txBox="1"/>
+                      <p:nvPr/>
+                    </p:nvSpPr>
+                    <p:spPr>
+                      <a:xfrm>
+                        <a:off x="1067513" y="915853"/>
+                        <a:ext cx="208327" cy="274434"/>
+                      </a:xfrm>
+                      <a:prstGeom prst="rect">
+                        <a:avLst/>
+                      </a:prstGeom>
+                      <a:noFill/>
+                    </p:spPr>
+                    <p:txBody>
+                      <a:bodyPr wrap="none" lIns="0" tIns="0" rIns="0" bIns="0" rtlCol="0">
+                        <a:spAutoFit/>
+                      </a:bodyPr>
+                      <a:lstStyle/>
+                      <a:p>
+                        <a:pPr/>
+                        <a14:m>
+                          <m:oMathPara xmlns:m="http://schemas.openxmlformats.org/officeDocument/2006/math">
+                            <m:oMathParaPr>
+                              <m:jc m:val="centerGroup"/>
+                            </m:oMathParaPr>
+                            <m:oMath xmlns:m="http://schemas.openxmlformats.org/officeDocument/2006/math">
+                              <m:acc>
+                                <m:accPr>
+                                  <m:chr m:val="⃗"/>
+                                  <m:ctrlPr>
+                                    <a:rPr lang="fr-FR" sz="1600" i="1" smtClean="0">
+                                      <a:latin typeface="Cambria Math" panose="02040503050406030204" pitchFamily="18" charset="0"/>
+                                    </a:rPr>
+                                  </m:ctrlPr>
+                                </m:accPr>
+                                <m:e>
+                                  <m:sSub>
+                                    <m:sSubPr>
+                                      <m:ctrlPr>
+                                        <a:rPr lang="fr-FR" sz="1600" b="0" i="1" smtClean="0">
+                                          <a:latin typeface="Cambria Math" panose="02040503050406030204" pitchFamily="18" charset="0"/>
+                                        </a:rPr>
+                                      </m:ctrlPr>
+                                    </m:sSubPr>
+                                    <m:e>
+                                      <m:r>
+                                        <a:rPr lang="fr-FR" sz="1600" b="0" i="1" smtClean="0">
+                                          <a:latin typeface="Cambria Math" panose="02040503050406030204" pitchFamily="18" charset="0"/>
+                                        </a:rPr>
+                                        <m:t>𝑗</m:t>
+                                      </m:r>
+                                    </m:e>
+                                    <m:sub>
+                                      <m:r>
+                                        <a:rPr lang="fr-FR" sz="1600" b="0" i="1" smtClean="0">
+                                          <a:latin typeface="Cambria Math" panose="02040503050406030204" pitchFamily="18" charset="0"/>
+                                        </a:rPr>
+                                        <m:t>0</m:t>
+                                      </m:r>
+                                    </m:sub>
+                                  </m:sSub>
+                                </m:e>
+                              </m:acc>
+                            </m:oMath>
+                          </m:oMathPara>
+                        </a14:m>
+                        <a:endParaRPr lang="fr-FR" sz="1600" dirty="0"/>
+                      </a:p>
+                    </p:txBody>
+                  </p:sp>
+                </mc:Choice>
+                <mc:Fallback>
+                  <p:sp>
+                    <p:nvSpPr>
+                      <p:cNvPr id="110" name="ZoneTexte 109">
+                        <a:extLst>
+                          <a:ext uri="{FF2B5EF4-FFF2-40B4-BE49-F238E27FC236}">
+                            <a16:creationId xmlns:a16="http://schemas.microsoft.com/office/drawing/2014/main" id="{F8CA2272-F8CC-9C08-E3E7-75FDB16A2207}"/>
+                          </a:ext>
+                        </a:extLst>
+                      </p:cNvPr>
+                      <p:cNvSpPr txBox="1">
+                        <a:spLocks noRot="1" noChangeAspect="1" noMove="1" noResize="1" noEditPoints="1" noAdjustHandles="1" noChangeArrowheads="1" noChangeShapeType="1" noTextEdit="1"/>
+                      </p:cNvSpPr>
+                      <p:nvPr/>
+                    </p:nvSpPr>
+                    <p:spPr>
+                      <a:xfrm>
+                        <a:off x="1067513" y="915853"/>
+                        <a:ext cx="208327" cy="274434"/>
+                      </a:xfrm>
+                      <a:prstGeom prst="rect">
+                        <a:avLst/>
+                      </a:prstGeom>
+                      <a:blipFill>
+                        <a:blip r:embed="rId14"/>
+                        <a:stretch>
+                          <a:fillRect l="-32353" r="-8824" b="-28889"/>
+                        </a:stretch>
+                      </a:blipFill>
+                    </p:spPr>
+                    <p:txBody>
+                      <a:bodyPr/>
+                      <a:lstStyle/>
+                      <a:p>
+                        <a:r>
+                          <a:rPr lang="fr-FR">
+                            <a:noFill/>
+                          </a:rPr>
+                          <a:t> </a:t>
+                        </a:r>
+                      </a:p>
+                    </p:txBody>
+                  </p:sp>
+                </mc:Fallback>
+              </mc:AlternateContent>
+              <p:cxnSp>
+                <p:nvCxnSpPr>
+                  <p:cNvPr id="112" name="Connecteur droit 111">
+                    <a:extLst>
+                      <a:ext uri="{FF2B5EF4-FFF2-40B4-BE49-F238E27FC236}">
+                        <a16:creationId xmlns:a16="http://schemas.microsoft.com/office/drawing/2014/main" id="{3A396FC0-87C4-D675-3DD3-A5795713BA9F}"/>
+                      </a:ext>
+                    </a:extLst>
+                  </p:cNvPr>
+                  <p:cNvCxnSpPr>
+                    <a:cxnSpLocks/>
+                  </p:cNvCxnSpPr>
+                  <p:nvPr/>
+                </p:nvCxnSpPr>
+                <p:spPr>
+                  <a:xfrm flipH="1">
+                    <a:off x="542032" y="2348880"/>
+                    <a:ext cx="838082" cy="147825"/>
+                  </a:xfrm>
+                  <a:prstGeom prst="line">
+                    <a:avLst/>
+                  </a:prstGeom>
+                  <a:ln w="19050">
+                    <a:solidFill>
+                      <a:schemeClr val="tx1"/>
+                    </a:solidFill>
+                    <a:tailEnd type="stealth" w="med" len="lg"/>
+                  </a:ln>
+                </p:spPr>
+                <p:style>
+                  <a:lnRef idx="1">
+                    <a:schemeClr val="accent1"/>
+                  </a:lnRef>
+                  <a:fillRef idx="0">
+                    <a:schemeClr val="accent1"/>
+                  </a:fillRef>
+                  <a:effectRef idx="0">
+                    <a:schemeClr val="accent1"/>
+                  </a:effectRef>
+                  <a:fontRef idx="minor">
+                    <a:schemeClr val="tx1"/>
+                  </a:fontRef>
+                </p:style>
+              </p:cxnSp>
+              <mc:AlternateContent xmlns:mc="http://schemas.openxmlformats.org/markup-compatibility/2006">
+                <mc:Choice xmlns:a14="http://schemas.microsoft.com/office/drawing/2010/main" Requires="a14">
+                  <p:sp>
+                    <p:nvSpPr>
+                      <p:cNvPr id="113" name="ZoneTexte 112">
+                        <a:extLst>
+                          <a:ext uri="{FF2B5EF4-FFF2-40B4-BE49-F238E27FC236}">
+                            <a16:creationId xmlns:a16="http://schemas.microsoft.com/office/drawing/2014/main" id="{A49EC317-F532-4FFC-D6B9-CD487E1453FE}"/>
+                          </a:ext>
+                        </a:extLst>
+                      </p:cNvPr>
+                      <p:cNvSpPr txBox="1"/>
+                      <p:nvPr/>
+                    </p:nvSpPr>
+                    <p:spPr>
+                      <a:xfrm>
+                        <a:off x="542032" y="2140572"/>
+                        <a:ext cx="255390" cy="282641"/>
+                      </a:xfrm>
+                      <a:prstGeom prst="rect">
+                        <a:avLst/>
+                      </a:prstGeom>
+                      <a:noFill/>
+                    </p:spPr>
+                    <p:txBody>
+                      <a:bodyPr wrap="none" lIns="0" tIns="0" rIns="0" bIns="0" rtlCol="0">
+                        <a:spAutoFit/>
+                      </a:bodyPr>
+                      <a:lstStyle/>
+                      <a:p>
+                        <a:pPr/>
+                        <a14:m>
+                          <m:oMathPara xmlns:m="http://schemas.openxmlformats.org/officeDocument/2006/math">
+                            <m:oMathParaPr>
+                              <m:jc m:val="centerGroup"/>
+                            </m:oMathParaPr>
+                            <m:oMath xmlns:m="http://schemas.openxmlformats.org/officeDocument/2006/math">
+                              <m:acc>
+                                <m:accPr>
+                                  <m:chr m:val="⃗"/>
+                                  <m:ctrlPr>
+                                    <a:rPr lang="fr-FR" sz="1600" i="1" smtClean="0">
+                                      <a:latin typeface="Cambria Math" panose="02040503050406030204" pitchFamily="18" charset="0"/>
+                                    </a:rPr>
+                                  </m:ctrlPr>
+                                </m:accPr>
+                                <m:e>
+                                  <m:sSub>
+                                    <m:sSubPr>
+                                      <m:ctrlPr>
+                                        <a:rPr lang="fr-FR" sz="1600" b="0" i="1" smtClean="0">
+                                          <a:latin typeface="Cambria Math" panose="02040503050406030204" pitchFamily="18" charset="0"/>
+                                        </a:rPr>
+                                      </m:ctrlPr>
+                                    </m:sSubPr>
+                                    <m:e>
+                                      <m:r>
+                                        <a:rPr lang="fr-FR" sz="1600" b="0" i="1" smtClean="0">
+                                          <a:latin typeface="Cambria Math" panose="02040503050406030204" pitchFamily="18" charset="0"/>
+                                        </a:rPr>
+                                        <m:t>𝑘</m:t>
+                                      </m:r>
+                                    </m:e>
+                                    <m:sub>
+                                      <m:r>
+                                        <a:rPr lang="fr-FR" sz="1600" b="0" i="1" smtClean="0">
+                                          <a:latin typeface="Cambria Math" panose="02040503050406030204" pitchFamily="18" charset="0"/>
+                                        </a:rPr>
+                                        <m:t>0</m:t>
+                                      </m:r>
+                                    </m:sub>
+                                  </m:sSub>
+                                </m:e>
+                              </m:acc>
+                            </m:oMath>
+                          </m:oMathPara>
+                        </a14:m>
+                        <a:endParaRPr lang="fr-FR" sz="1600" dirty="0"/>
+                      </a:p>
+                    </p:txBody>
+                  </p:sp>
+                </mc:Choice>
+                <mc:Fallback>
+                  <p:sp>
+                    <p:nvSpPr>
+                      <p:cNvPr id="113" name="ZoneTexte 112">
+                        <a:extLst>
+                          <a:ext uri="{FF2B5EF4-FFF2-40B4-BE49-F238E27FC236}">
+                            <a16:creationId xmlns:a16="http://schemas.microsoft.com/office/drawing/2014/main" id="{A49EC317-F532-4FFC-D6B9-CD487E1453FE}"/>
+                          </a:ext>
+                        </a:extLst>
+                      </p:cNvPr>
+                      <p:cNvSpPr txBox="1">
+                        <a:spLocks noRot="1" noChangeAspect="1" noMove="1" noResize="1" noEditPoints="1" noAdjustHandles="1" noChangeArrowheads="1" noChangeShapeType="1" noTextEdit="1"/>
+                      </p:cNvSpPr>
+                      <p:nvPr/>
+                    </p:nvSpPr>
+                    <p:spPr>
+                      <a:xfrm>
+                        <a:off x="542032" y="2140572"/>
+                        <a:ext cx="255390" cy="282641"/>
+                      </a:xfrm>
+                      <a:prstGeom prst="rect">
+                        <a:avLst/>
+                      </a:prstGeom>
+                      <a:blipFill>
+                        <a:blip r:embed="rId15"/>
+                        <a:stretch>
+                          <a:fillRect l="-19048" r="-4762" b="-13043"/>
+                        </a:stretch>
+                      </a:blipFill>
+                    </p:spPr>
+                    <p:txBody>
+                      <a:bodyPr/>
+                      <a:lstStyle/>
+                      <a:p>
+                        <a:r>
+                          <a:rPr lang="fr-FR">
+                            <a:noFill/>
+                          </a:rPr>
+                          <a:t> </a:t>
+                        </a:r>
+                      </a:p>
+                    </p:txBody>
+                  </p:sp>
+                </mc:Fallback>
+              </mc:AlternateContent>
+            </p:grpSp>
+            <p:sp>
+              <p:nvSpPr>
+                <p:cNvPr id="119" name="Ellipse 118">
+                  <a:extLst>
+                    <a:ext uri="{FF2B5EF4-FFF2-40B4-BE49-F238E27FC236}">
+                      <a16:creationId xmlns:a16="http://schemas.microsoft.com/office/drawing/2014/main" id="{8B0CB723-5810-23BC-F0D8-3E5F1D2B0CC6}"/>
+                    </a:ext>
+                  </a:extLst>
+                </p:cNvPr>
+                <p:cNvSpPr/>
+                <p:nvPr/>
+              </p:nvSpPr>
+              <p:spPr>
+                <a:xfrm>
+                  <a:off x="1903294" y="3832642"/>
+                  <a:ext cx="216000" cy="216000"/>
+                </a:xfrm>
+                <a:prstGeom prst="ellipse">
+                  <a:avLst/>
+                </a:prstGeom>
+                <a:solidFill>
+                  <a:schemeClr val="bg1"/>
+                </a:solidFill>
+                <a:ln w="19050">
+                  <a:solidFill>
+                    <a:srgbClr val="0070C0"/>
+                  </a:solidFill>
+                </a:ln>
+              </p:spPr>
+              <p:style>
+                <a:lnRef idx="2">
+                  <a:schemeClr val="accent1">
+                    <a:shade val="50000"/>
+                  </a:schemeClr>
+                </a:lnRef>
+                <a:fillRef idx="1">
+                  <a:schemeClr val="accent1"/>
+                </a:fillRef>
+                <a:effectRef idx="0">
+                  <a:schemeClr val="accent1"/>
+                </a:effectRef>
+                <a:fontRef idx="minor">
+                  <a:schemeClr val="lt1"/>
+                </a:fontRef>
+              </p:style>
+              <p:txBody>
+                <a:bodyPr lIns="0" tIns="0" rIns="0" bIns="0" rtlCol="0" anchor="ctr"/>
+                <a:lstStyle/>
+                <a:p>
+                  <a:pPr algn="ctr"/>
+                  <a:r>
+                    <a:rPr lang="fr-FR" sz="1000" b="1" dirty="0">
+                      <a:solidFill>
+                        <a:srgbClr val="0070C0"/>
+                      </a:solidFill>
+                    </a:rPr>
+                    <a:t>11</a:t>
+                  </a:r>
+                  <a:endParaRPr lang="fr-FR" sz="1200" b="1" dirty="0">
+                    <a:solidFill>
+                      <a:srgbClr val="0070C0"/>
+                    </a:solidFill>
+                  </a:endParaRPr>
+                </a:p>
+              </p:txBody>
+            </p:sp>
+          </p:grpSp>
+          <mc:AlternateContent xmlns:mc="http://schemas.openxmlformats.org/markup-compatibility/2006">
+            <mc:Choice xmlns:a14="http://schemas.microsoft.com/office/drawing/2010/main" Requires="a14">
+              <p:sp>
+                <p:nvSpPr>
+                  <p:cNvPr id="131" name="ZoneTexte 130">
+                    <a:extLst>
+                      <a:ext uri="{FF2B5EF4-FFF2-40B4-BE49-F238E27FC236}">
+                        <a16:creationId xmlns:a16="http://schemas.microsoft.com/office/drawing/2014/main" id="{A49EC317-F532-4FFC-D6B9-CD487E1453FE}"/>
+                      </a:ext>
+                    </a:extLst>
+                  </p:cNvPr>
+                  <p:cNvSpPr txBox="1"/>
+                  <p:nvPr/>
+                </p:nvSpPr>
+                <p:spPr>
+                  <a:xfrm>
+                    <a:off x="5347743" y="4535434"/>
+                    <a:ext cx="178126" cy="246221"/>
+                  </a:xfrm>
+                  <a:prstGeom prst="rect">
+                    <a:avLst/>
+                  </a:prstGeom>
+                  <a:noFill/>
+                </p:spPr>
+                <p:txBody>
+                  <a:bodyPr wrap="none" lIns="0" tIns="0" rIns="0" bIns="0" rtlCol="0">
+                    <a:spAutoFit/>
+                  </a:bodyPr>
+                  <a:lstStyle/>
+                  <a:p>
+                    <a:pPr/>
+                    <a14:m>
+                      <m:oMathPara xmlns:m="http://schemas.openxmlformats.org/officeDocument/2006/math">
+                        <m:oMathParaPr>
+                          <m:jc m:val="centerGroup"/>
+                        </m:oMathParaPr>
+                        <m:oMath xmlns:m="http://schemas.openxmlformats.org/officeDocument/2006/math">
+                          <m:r>
+                            <a:rPr lang="fr-FR" sz="1600" b="0" i="1" smtClean="0">
+                              <a:latin typeface="Cambria Math" panose="02040503050406030204" pitchFamily="18" charset="0"/>
+                            </a:rPr>
+                            <m:t>𝑃</m:t>
+                          </m:r>
+                        </m:oMath>
+                      </m:oMathPara>
+                    </a14:m>
+                    <a:endParaRPr lang="fr-FR" sz="1600" dirty="0"/>
+                  </a:p>
+                </p:txBody>
+              </p:sp>
+            </mc:Choice>
+            <mc:Fallback>
+              <p:sp>
+                <p:nvSpPr>
+                  <p:cNvPr id="131" name="ZoneTexte 130">
+                    <a:extLst>
+                      <a:ext uri="{FF2B5EF4-FFF2-40B4-BE49-F238E27FC236}">
+                        <a16:creationId xmlns:a16="http://schemas.microsoft.com/office/drawing/2014/main" id="{A49EC317-F532-4FFC-D6B9-CD487E1453FE}"/>
+                      </a:ext>
+                    </a:extLst>
+                  </p:cNvPr>
+                  <p:cNvSpPr txBox="1">
+                    <a:spLocks noRot="1" noChangeAspect="1" noMove="1" noResize="1" noEditPoints="1" noAdjustHandles="1" noChangeArrowheads="1" noChangeShapeType="1" noTextEdit="1"/>
+                  </p:cNvSpPr>
+                  <p:nvPr/>
+                </p:nvSpPr>
+                <p:spPr>
+                  <a:xfrm>
+                    <a:off x="5347743" y="4535434"/>
+                    <a:ext cx="178126" cy="246221"/>
+                  </a:xfrm>
+                  <a:prstGeom prst="rect">
+                    <a:avLst/>
+                  </a:prstGeom>
+                  <a:blipFill>
+                    <a:blip r:embed="rId16"/>
+                    <a:stretch>
+                      <a:fillRect l="-24138" r="-24138" b="-5000"/>
+                    </a:stretch>
+                  </a:blipFill>
+                </p:spPr>
+                <p:txBody>
+                  <a:bodyPr/>
+                  <a:lstStyle/>
+                  <a:p>
+                    <a:r>
+                      <a:rPr lang="fr-FR">
+                        <a:noFill/>
+                      </a:rPr>
+                      <a:t> </a:t>
+                    </a:r>
+                  </a:p>
+                </p:txBody>
+              </p:sp>
+            </mc:Fallback>
+          </mc:AlternateContent>
+        </p:grpSp>
+        <p:sp>
+          <p:nvSpPr>
+            <p:cNvPr id="77" name="Croix 76"/>
+            <p:cNvSpPr/>
+            <p:nvPr/>
+          </p:nvSpPr>
+          <p:spPr>
+            <a:xfrm rot="2700000">
+              <a:off x="5026652" y="5927988"/>
+              <a:ext cx="108000" cy="108000"/>
+            </a:xfrm>
+            <a:prstGeom prst="plus">
+              <a:avLst>
+                <a:gd name="adj" fmla="val 43840"/>
+              </a:avLst>
+            </a:prstGeom>
+            <a:solidFill>
+              <a:schemeClr val="tx1"/>
+            </a:solidFill>
+            <a:ln>
+              <a:noFill/>
+            </a:ln>
+          </p:spPr>
+          <p:style>
+            <a:lnRef idx="2">
+              <a:schemeClr val="accent1">
+                <a:shade val="50000"/>
+              </a:schemeClr>
+            </a:lnRef>
+            <a:fillRef idx="1">
+              <a:schemeClr val="accent1"/>
+            </a:fillRef>
+            <a:effectRef idx="0">
+              <a:schemeClr val="accent1"/>
+            </a:effectRef>
+            <a:fontRef idx="minor">
+              <a:schemeClr val="lt1"/>
+            </a:fontRef>
+          </p:style>
+          <p:txBody>
+            <a:bodyPr rtlCol="0" anchor="ctr"/>
+            <a:lstStyle/>
+            <a:p>
+              <a:pPr algn="ctr"/>
+              <a:endParaRPr lang="fr-FR"/>
+            </a:p>
+          </p:txBody>
+        </p:sp>
+        <p:sp>
+          <p:nvSpPr>
+            <p:cNvPr id="132" name="Croix 131"/>
+            <p:cNvSpPr/>
+            <p:nvPr/>
+          </p:nvSpPr>
+          <p:spPr>
+            <a:xfrm rot="2700000">
+              <a:off x="5202559" y="4663226"/>
+              <a:ext cx="169306" cy="169306"/>
+            </a:xfrm>
+            <a:prstGeom prst="plus">
+              <a:avLst>
+                <a:gd name="adj" fmla="val 43840"/>
+              </a:avLst>
+            </a:prstGeom>
+            <a:solidFill>
+              <a:schemeClr val="tx1"/>
+            </a:solidFill>
+            <a:ln>
+              <a:noFill/>
+            </a:ln>
+          </p:spPr>
+          <p:style>
+            <a:lnRef idx="2">
+              <a:schemeClr val="accent1">
+                <a:shade val="50000"/>
+              </a:schemeClr>
+            </a:lnRef>
+            <a:fillRef idx="1">
+              <a:schemeClr val="accent1"/>
+            </a:fillRef>
+            <a:effectRef idx="0">
+              <a:schemeClr val="accent1"/>
+            </a:effectRef>
+            <a:fontRef idx="minor">
+              <a:schemeClr val="lt1"/>
+            </a:fontRef>
+          </p:style>
+          <p:txBody>
+            <a:bodyPr rtlCol="0" anchor="ctr"/>
+            <a:lstStyle/>
+            <a:p>
+              <a:pPr algn="ctr"/>
+              <a:endParaRPr lang="fr-FR"/>
+            </a:p>
+          </p:txBody>
+        </p:sp>
+        <mc:AlternateContent xmlns:mc="http://schemas.openxmlformats.org/markup-compatibility/2006">
+          <mc:Choice xmlns:a14="http://schemas.microsoft.com/office/drawing/2010/main" Requires="a14">
+            <p:sp>
+              <p:nvSpPr>
+                <p:cNvPr id="133" name="ZoneTexte 132">
+                  <a:extLst>
+                    <a:ext uri="{FF2B5EF4-FFF2-40B4-BE49-F238E27FC236}">
+                      <a16:creationId xmlns:a16="http://schemas.microsoft.com/office/drawing/2014/main" id="{A49EC317-F532-4FFC-D6B9-CD487E1453FE}"/>
+                    </a:ext>
+                  </a:extLst>
+                </p:cNvPr>
+                <p:cNvSpPr txBox="1"/>
+                <p:nvPr/>
+              </p:nvSpPr>
+              <p:spPr>
+                <a:xfrm>
+                  <a:off x="5097797" y="6019645"/>
+                  <a:ext cx="236909" cy="246221"/>
+                </a:xfrm>
+                <a:prstGeom prst="rect">
+                  <a:avLst/>
+                </a:prstGeom>
+                <a:noFill/>
+              </p:spPr>
+              <p:txBody>
+                <a:bodyPr wrap="square" lIns="0" tIns="0" rIns="0" bIns="0" rtlCol="0">
+                  <a:spAutoFit/>
+                </a:bodyPr>
+                <a:lstStyle/>
+                <a:p>
+                  <a:pPr/>
+                  <a14:m>
+                    <m:oMathPara xmlns:m="http://schemas.openxmlformats.org/officeDocument/2006/math">
+                      <m:oMathParaPr>
+                        <m:jc m:val="centerGroup"/>
+                      </m:oMathParaPr>
+                      <m:oMath xmlns:m="http://schemas.openxmlformats.org/officeDocument/2006/math">
+                        <m:r>
+                          <a:rPr lang="fr-FR" sz="1600" i="1" smtClean="0">
+                            <a:latin typeface="Cambria Math" panose="02040503050406030204" pitchFamily="18" charset="0"/>
+                          </a:rPr>
+                          <m:t>𝑂</m:t>
+                        </m:r>
+                      </m:oMath>
+                    </m:oMathPara>
+                  </a14:m>
+                  <a:endParaRPr lang="fr-FR" sz="1600" dirty="0"/>
+                </a:p>
+              </p:txBody>
+            </p:sp>
+          </mc:Choice>
+          <mc:Fallback>
+            <p:sp>
+              <p:nvSpPr>
+                <p:cNvPr id="133" name="ZoneTexte 132">
+                  <a:extLst>
+                    <a:ext uri="{FF2B5EF4-FFF2-40B4-BE49-F238E27FC236}">
+                      <a16:creationId xmlns:a16="http://schemas.microsoft.com/office/drawing/2014/main" id="{A49EC317-F532-4FFC-D6B9-CD487E1453FE}"/>
+                    </a:ext>
+                  </a:extLst>
+                </p:cNvPr>
+                <p:cNvSpPr txBox="1">
+                  <a:spLocks noRot="1" noChangeAspect="1" noMove="1" noResize="1" noEditPoints="1" noAdjustHandles="1" noChangeArrowheads="1" noChangeShapeType="1" noTextEdit="1"/>
+                </p:cNvSpPr>
+                <p:nvPr/>
+              </p:nvSpPr>
+              <p:spPr>
+                <a:xfrm>
+                  <a:off x="5097797" y="6019645"/>
+                  <a:ext cx="236909" cy="246221"/>
+                </a:xfrm>
+                <a:prstGeom prst="rect">
+                  <a:avLst/>
+                </a:prstGeom>
+                <a:blipFill>
+                  <a:blip r:embed="rId17"/>
+                  <a:stretch>
+                    <a:fillRect l="-7692" r="-7692" b="-4878"/>
+                  </a:stretch>
+                </a:blipFill>
+              </p:spPr>
+              <p:txBody>
+                <a:bodyPr/>
+                <a:lstStyle/>
+                <a:p>
+                  <a:r>
+                    <a:rPr lang="fr-FR">
+                      <a:noFill/>
+                    </a:rPr>
+                    <a:t> </a:t>
+                  </a:r>
+                </a:p>
+              </p:txBody>
+            </p:sp>
+          </mc:Fallback>
+        </mc:AlternateContent>
+      </p:grpSp>
+    </p:spTree>
+    <p:extLst>
+      <p:ext uri="{BB962C8B-B14F-4D97-AF65-F5344CB8AC3E}">
+        <p14:creationId xmlns:p14="http://schemas.microsoft.com/office/powerpoint/2010/main" val="4159371279"/>
+      </p:ext>
+    </p:extLst>
+  </p:cSld>
+  <p:clrMapOvr>
+    <a:masterClrMapping/>
+  </p:clrMapOvr>
+</p:sld>
+</file>
+
 <file path=ppt/theme/theme1.xml><?xml version="1.0" encoding="utf-8"?>
 <a:theme xmlns:a="http://schemas.openxmlformats.org/drawingml/2006/main" name="Thème Office">
   <a:themeElements>

--- a/13_Moby_Crea/Documentation_Moby_Figures.pptx
+++ b/13_Moby_Crea/Documentation_Moby_Figures.pptx
@@ -5,7 +5,7 @@
     <p:sldMasterId id="2147483648" r:id="rId1"/>
   </p:sldMasterIdLst>
   <p:notesMasterIdLst>
-    <p:notesMasterId r:id="rId10"/>
+    <p:notesMasterId r:id="rId12"/>
   </p:notesMasterIdLst>
   <p:sldIdLst>
     <p:sldId id="256" r:id="rId2"/>
@@ -16,6 +16,8 @@
     <p:sldId id="263" r:id="rId7"/>
     <p:sldId id="266" r:id="rId8"/>
     <p:sldId id="267" r:id="rId9"/>
+    <p:sldId id="268" r:id="rId10"/>
+    <p:sldId id="269" r:id="rId11"/>
   </p:sldIdLst>
   <p:sldSz cx="9144000" cy="6858000" type="screen4x3"/>
   <p:notesSz cx="6858000" cy="9144000"/>
@@ -215,7 +217,7 @@
           <a:p>
             <a:fld id="{7D49C07F-47CC-42FB-BE92-A2DB97BB89D4}" type="datetimeFigureOut">
               <a:rPr lang="fr-FR" smtClean="0"/>
-              <a:t>16/01/2023</a:t>
+              <a:t>17/01/2023</a:t>
             </a:fld>
             <a:endParaRPr lang="fr-FR"/>
           </a:p>
@@ -831,7 +833,7 @@
           <a:p>
             <a:fld id="{AA309A6D-C09C-4548-B29A-6CF363A7E532}" type="datetimeFigureOut">
               <a:rPr lang="fr-FR" smtClean="0"/>
-              <a:t>16/01/2023</a:t>
+              <a:t>17/01/2023</a:t>
             </a:fld>
             <a:endParaRPr lang="fr-BE"/>
           </a:p>
@@ -996,7 +998,7 @@
           <a:p>
             <a:fld id="{AA309A6D-C09C-4548-B29A-6CF363A7E532}" type="datetimeFigureOut">
               <a:rPr lang="fr-FR" smtClean="0"/>
-              <a:t>16/01/2023</a:t>
+              <a:t>17/01/2023</a:t>
             </a:fld>
             <a:endParaRPr lang="fr-BE"/>
           </a:p>
@@ -1171,7 +1173,7 @@
           <a:p>
             <a:fld id="{AA309A6D-C09C-4548-B29A-6CF363A7E532}" type="datetimeFigureOut">
               <a:rPr lang="fr-FR" smtClean="0"/>
-              <a:t>16/01/2023</a:t>
+              <a:t>17/01/2023</a:t>
             </a:fld>
             <a:endParaRPr lang="fr-BE"/>
           </a:p>
@@ -1336,7 +1338,7 @@
           <a:p>
             <a:fld id="{AA309A6D-C09C-4548-B29A-6CF363A7E532}" type="datetimeFigureOut">
               <a:rPr lang="fr-FR" smtClean="0"/>
-              <a:t>16/01/2023</a:t>
+              <a:t>17/01/2023</a:t>
             </a:fld>
             <a:endParaRPr lang="fr-BE"/>
           </a:p>
@@ -1577,7 +1579,7 @@
           <a:p>
             <a:fld id="{AA309A6D-C09C-4548-B29A-6CF363A7E532}" type="datetimeFigureOut">
               <a:rPr lang="fr-FR" smtClean="0"/>
-              <a:t>16/01/2023</a:t>
+              <a:t>17/01/2023</a:t>
             </a:fld>
             <a:endParaRPr lang="fr-BE"/>
           </a:p>
@@ -1860,7 +1862,7 @@
           <a:p>
             <a:fld id="{AA309A6D-C09C-4548-B29A-6CF363A7E532}" type="datetimeFigureOut">
               <a:rPr lang="fr-FR" smtClean="0"/>
-              <a:t>16/01/2023</a:t>
+              <a:t>17/01/2023</a:t>
             </a:fld>
             <a:endParaRPr lang="fr-BE"/>
           </a:p>
@@ -2277,7 +2279,7 @@
           <a:p>
             <a:fld id="{AA309A6D-C09C-4548-B29A-6CF363A7E532}" type="datetimeFigureOut">
               <a:rPr lang="fr-FR" smtClean="0"/>
-              <a:t>16/01/2023</a:t>
+              <a:t>17/01/2023</a:t>
             </a:fld>
             <a:endParaRPr lang="fr-BE"/>
           </a:p>
@@ -2390,7 +2392,7 @@
           <a:p>
             <a:fld id="{AA309A6D-C09C-4548-B29A-6CF363A7E532}" type="datetimeFigureOut">
               <a:rPr lang="fr-FR" smtClean="0"/>
-              <a:t>16/01/2023</a:t>
+              <a:t>17/01/2023</a:t>
             </a:fld>
             <a:endParaRPr lang="fr-BE"/>
           </a:p>
@@ -2480,7 +2482,7 @@
           <a:p>
             <a:fld id="{AA309A6D-C09C-4548-B29A-6CF363A7E532}" type="datetimeFigureOut">
               <a:rPr lang="fr-FR" smtClean="0"/>
-              <a:t>16/01/2023</a:t>
+              <a:t>17/01/2023</a:t>
             </a:fld>
             <a:endParaRPr lang="fr-BE"/>
           </a:p>
@@ -2752,7 +2754,7 @@
           <a:p>
             <a:fld id="{AA309A6D-C09C-4548-B29A-6CF363A7E532}" type="datetimeFigureOut">
               <a:rPr lang="fr-FR" smtClean="0"/>
-              <a:t>16/01/2023</a:t>
+              <a:t>17/01/2023</a:t>
             </a:fld>
             <a:endParaRPr lang="fr-BE"/>
           </a:p>
@@ -3000,7 +3002,7 @@
           <a:p>
             <a:fld id="{AA309A6D-C09C-4548-B29A-6CF363A7E532}" type="datetimeFigureOut">
               <a:rPr lang="fr-FR" smtClean="0"/>
-              <a:t>16/01/2023</a:t>
+              <a:t>17/01/2023</a:t>
             </a:fld>
             <a:endParaRPr lang="fr-BE"/>
           </a:p>
@@ -3208,7 +3210,7 @@
           <a:p>
             <a:fld id="{AA309A6D-C09C-4548-B29A-6CF363A7E532}" type="datetimeFigureOut">
               <a:rPr lang="fr-FR" smtClean="0"/>
-              <a:t>16/01/2023</a:t>
+              <a:t>17/01/2023</a:t>
             </a:fld>
             <a:endParaRPr lang="fr-BE"/>
           </a:p>
@@ -5354,6 +5356,466 @@
     <p:extLst>
       <p:ext uri="{BB962C8B-B14F-4D97-AF65-F5344CB8AC3E}">
         <p14:creationId xmlns:p14="http://schemas.microsoft.com/office/powerpoint/2010/main" val="1365278214"/>
+      </p:ext>
+    </p:extLst>
+  </p:cSld>
+  <p:clrMapOvr>
+    <a:masterClrMapping/>
+  </p:clrMapOvr>
+</p:sld>
+</file>
+
+<file path=ppt/slides/slide10.xml><?xml version="1.0" encoding="utf-8"?>
+<p:sld xmlns:a="http://schemas.openxmlformats.org/drawingml/2006/main" xmlns:r="http://schemas.openxmlformats.org/officeDocument/2006/relationships" xmlns:p="http://schemas.openxmlformats.org/presentationml/2006/main">
+  <p:cSld>
+    <p:spTree>
+      <p:nvGrpSpPr>
+        <p:cNvPr id="1" name=""/>
+        <p:cNvGrpSpPr/>
+        <p:nvPr/>
+      </p:nvGrpSpPr>
+      <p:grpSpPr>
+        <a:xfrm>
+          <a:off x="0" y="0"/>
+          <a:ext cx="0" cy="0"/>
+          <a:chOff x="0" y="0"/>
+          <a:chExt cx="0" cy="0"/>
+        </a:xfrm>
+      </p:grpSpPr>
+      <p:pic>
+        <p:nvPicPr>
+          <p:cNvPr id="4" name="Image 3"/>
+          <p:cNvPicPr>
+            <a:picLocks noChangeAspect="1"/>
+          </p:cNvPicPr>
+          <p:nvPr/>
+        </p:nvPicPr>
+        <p:blipFill>
+          <a:blip r:embed="rId2"/>
+          <a:stretch>
+            <a:fillRect/>
+          </a:stretch>
+        </p:blipFill>
+        <p:spPr>
+          <a:xfrm>
+            <a:off x="1115616" y="1772815"/>
+            <a:ext cx="6120680" cy="3910767"/>
+          </a:xfrm>
+          <a:prstGeom prst="rect">
+            <a:avLst/>
+          </a:prstGeom>
+        </p:spPr>
+      </p:pic>
+      <p:sp>
+        <p:nvSpPr>
+          <p:cNvPr id="5" name="Rectangle 4"/>
+          <p:cNvSpPr/>
+          <p:nvPr/>
+        </p:nvSpPr>
+        <p:spPr>
+          <a:xfrm>
+            <a:off x="3923928" y="5157192"/>
+            <a:ext cx="1512168" cy="216024"/>
+          </a:xfrm>
+          <a:prstGeom prst="rect">
+            <a:avLst/>
+          </a:prstGeom>
+          <a:noFill/>
+          <a:ln>
+            <a:solidFill>
+              <a:srgbClr val="FF0000"/>
+            </a:solidFill>
+            <a:prstDash val="sysDash"/>
+          </a:ln>
+        </p:spPr>
+        <p:style>
+          <a:lnRef idx="2">
+            <a:schemeClr val="accent1">
+              <a:shade val="50000"/>
+            </a:schemeClr>
+          </a:lnRef>
+          <a:fillRef idx="1">
+            <a:schemeClr val="accent1"/>
+          </a:fillRef>
+          <a:effectRef idx="0">
+            <a:schemeClr val="accent1"/>
+          </a:effectRef>
+          <a:fontRef idx="minor">
+            <a:schemeClr val="lt1"/>
+          </a:fontRef>
+        </p:style>
+        <p:txBody>
+          <a:bodyPr rtlCol="0" anchor="ctr"/>
+          <a:lstStyle/>
+          <a:p>
+            <a:pPr algn="ctr"/>
+            <a:endParaRPr lang="fr-FR"/>
+          </a:p>
+        </p:txBody>
+      </p:sp>
+      <p:sp>
+        <p:nvSpPr>
+          <p:cNvPr id="6" name="Ellipse 5">
+            <a:extLst>
+              <a:ext uri="{FF2B5EF4-FFF2-40B4-BE49-F238E27FC236}">
+                <a16:creationId xmlns:a16="http://schemas.microsoft.com/office/drawing/2014/main" id="{37F203E5-D6FD-36FC-EE73-78B653560CA0}"/>
+              </a:ext>
+            </a:extLst>
+          </p:cNvPr>
+          <p:cNvSpPr/>
+          <p:nvPr/>
+        </p:nvSpPr>
+        <p:spPr>
+          <a:xfrm>
+            <a:off x="3563888" y="5139204"/>
+            <a:ext cx="252000" cy="252000"/>
+          </a:xfrm>
+          <a:prstGeom prst="ellipse">
+            <a:avLst/>
+          </a:prstGeom>
+          <a:solidFill>
+            <a:schemeClr val="bg1"/>
+          </a:solidFill>
+          <a:ln w="19050">
+            <a:solidFill>
+              <a:srgbClr val="C00000"/>
+            </a:solidFill>
+          </a:ln>
+        </p:spPr>
+        <p:style>
+          <a:lnRef idx="2">
+            <a:schemeClr val="accent1">
+              <a:shade val="50000"/>
+            </a:schemeClr>
+          </a:lnRef>
+          <a:fillRef idx="1">
+            <a:schemeClr val="accent1"/>
+          </a:fillRef>
+          <a:effectRef idx="0">
+            <a:schemeClr val="accent1"/>
+          </a:effectRef>
+          <a:fontRef idx="minor">
+            <a:schemeClr val="lt1"/>
+          </a:fontRef>
+        </p:style>
+        <p:txBody>
+          <a:bodyPr rtlCol="0" anchor="ctr"/>
+          <a:lstStyle/>
+          <a:p>
+            <a:pPr algn="ctr"/>
+            <a:r>
+              <a:rPr lang="fr-FR" b="1" dirty="0">
+                <a:solidFill>
+                  <a:srgbClr val="C00000"/>
+                </a:solidFill>
+              </a:rPr>
+              <a:t>1</a:t>
+            </a:r>
+            <a:endParaRPr lang="fr-FR" sz="2800" b="1" dirty="0">
+              <a:solidFill>
+                <a:srgbClr val="C00000"/>
+              </a:solidFill>
+            </a:endParaRPr>
+          </a:p>
+        </p:txBody>
+      </p:sp>
+      <p:sp>
+        <p:nvSpPr>
+          <p:cNvPr id="7" name="Ellipse 6">
+            <a:extLst>
+              <a:ext uri="{FF2B5EF4-FFF2-40B4-BE49-F238E27FC236}">
+                <a16:creationId xmlns:a16="http://schemas.microsoft.com/office/drawing/2014/main" id="{37F203E5-D6FD-36FC-EE73-78B653560CA0}"/>
+              </a:ext>
+            </a:extLst>
+          </p:cNvPr>
+          <p:cNvSpPr/>
+          <p:nvPr/>
+        </p:nvSpPr>
+        <p:spPr>
+          <a:xfrm>
+            <a:off x="6894272" y="4846826"/>
+            <a:ext cx="252000" cy="252000"/>
+          </a:xfrm>
+          <a:prstGeom prst="ellipse">
+            <a:avLst/>
+          </a:prstGeom>
+          <a:solidFill>
+            <a:schemeClr val="bg1"/>
+          </a:solidFill>
+          <a:ln w="19050">
+            <a:solidFill>
+              <a:srgbClr val="C00000"/>
+            </a:solidFill>
+          </a:ln>
+        </p:spPr>
+        <p:style>
+          <a:lnRef idx="2">
+            <a:schemeClr val="accent1">
+              <a:shade val="50000"/>
+            </a:schemeClr>
+          </a:lnRef>
+          <a:fillRef idx="1">
+            <a:schemeClr val="accent1"/>
+          </a:fillRef>
+          <a:effectRef idx="0">
+            <a:schemeClr val="accent1"/>
+          </a:effectRef>
+          <a:fontRef idx="minor">
+            <a:schemeClr val="lt1"/>
+          </a:fontRef>
+        </p:style>
+        <p:txBody>
+          <a:bodyPr rtlCol="0" anchor="ctr"/>
+          <a:lstStyle/>
+          <a:p>
+            <a:pPr algn="ctr"/>
+            <a:r>
+              <a:rPr lang="fr-FR" b="1" dirty="0" smtClean="0">
+                <a:ln>
+                  <a:solidFill>
+                    <a:srgbClr val="C00000"/>
+                  </a:solidFill>
+                </a:ln>
+                <a:solidFill>
+                  <a:srgbClr val="C00000"/>
+                </a:solidFill>
+              </a:rPr>
+              <a:t>2</a:t>
+            </a:r>
+            <a:endParaRPr lang="fr-FR" sz="2800" b="1" dirty="0">
+              <a:ln>
+                <a:solidFill>
+                  <a:srgbClr val="C00000"/>
+                </a:solidFill>
+              </a:ln>
+              <a:solidFill>
+                <a:srgbClr val="C00000"/>
+              </a:solidFill>
+            </a:endParaRPr>
+          </a:p>
+        </p:txBody>
+      </p:sp>
+      <p:sp>
+        <p:nvSpPr>
+          <p:cNvPr id="8" name="Rectangle 7"/>
+          <p:cNvSpPr/>
+          <p:nvPr/>
+        </p:nvSpPr>
+        <p:spPr>
+          <a:xfrm>
+            <a:off x="5940152" y="4846826"/>
+            <a:ext cx="864096" cy="292378"/>
+          </a:xfrm>
+          <a:prstGeom prst="rect">
+            <a:avLst/>
+          </a:prstGeom>
+          <a:noFill/>
+          <a:ln>
+            <a:solidFill>
+              <a:srgbClr val="FF0000"/>
+            </a:solidFill>
+            <a:prstDash val="sysDash"/>
+          </a:ln>
+        </p:spPr>
+        <p:style>
+          <a:lnRef idx="2">
+            <a:schemeClr val="accent1">
+              <a:shade val="50000"/>
+            </a:schemeClr>
+          </a:lnRef>
+          <a:fillRef idx="1">
+            <a:schemeClr val="accent1"/>
+          </a:fillRef>
+          <a:effectRef idx="0">
+            <a:schemeClr val="accent1"/>
+          </a:effectRef>
+          <a:fontRef idx="minor">
+            <a:schemeClr val="lt1"/>
+          </a:fontRef>
+        </p:style>
+        <p:txBody>
+          <a:bodyPr rtlCol="0" anchor="ctr"/>
+          <a:lstStyle/>
+          <a:p>
+            <a:pPr algn="ctr"/>
+            <a:endParaRPr lang="fr-FR"/>
+          </a:p>
+        </p:txBody>
+      </p:sp>
+      <p:sp>
+        <p:nvSpPr>
+          <p:cNvPr id="10" name="Ellipse 9"/>
+          <p:cNvSpPr/>
+          <p:nvPr/>
+        </p:nvSpPr>
+        <p:spPr>
+          <a:xfrm>
+            <a:off x="6307812" y="2625864"/>
+            <a:ext cx="216024" cy="216024"/>
+          </a:xfrm>
+          <a:prstGeom prst="ellipse">
+            <a:avLst/>
+          </a:prstGeom>
+          <a:noFill/>
+          <a:ln>
+            <a:solidFill>
+              <a:srgbClr val="00B050"/>
+            </a:solidFill>
+            <a:prstDash val="sysDash"/>
+          </a:ln>
+        </p:spPr>
+        <p:style>
+          <a:lnRef idx="2">
+            <a:schemeClr val="accent1">
+              <a:shade val="50000"/>
+            </a:schemeClr>
+          </a:lnRef>
+          <a:fillRef idx="1">
+            <a:schemeClr val="accent1"/>
+          </a:fillRef>
+          <a:effectRef idx="0">
+            <a:schemeClr val="accent1"/>
+          </a:effectRef>
+          <a:fontRef idx="minor">
+            <a:schemeClr val="lt1"/>
+          </a:fontRef>
+        </p:style>
+        <p:txBody>
+          <a:bodyPr rtlCol="0" anchor="ctr"/>
+          <a:lstStyle/>
+          <a:p>
+            <a:pPr algn="ctr"/>
+            <a:endParaRPr lang="fr-FR"/>
+          </a:p>
+        </p:txBody>
+      </p:sp>
+      <p:sp>
+        <p:nvSpPr>
+          <p:cNvPr id="11" name="Ellipse 10"/>
+          <p:cNvSpPr/>
+          <p:nvPr/>
+        </p:nvSpPr>
+        <p:spPr>
+          <a:xfrm>
+            <a:off x="6315432" y="3448433"/>
+            <a:ext cx="216024" cy="216024"/>
+          </a:xfrm>
+          <a:prstGeom prst="ellipse">
+            <a:avLst/>
+          </a:prstGeom>
+          <a:noFill/>
+          <a:ln>
+            <a:solidFill>
+              <a:srgbClr val="00B050"/>
+            </a:solidFill>
+            <a:prstDash val="sysDash"/>
+          </a:ln>
+        </p:spPr>
+        <p:style>
+          <a:lnRef idx="2">
+            <a:schemeClr val="accent1">
+              <a:shade val="50000"/>
+            </a:schemeClr>
+          </a:lnRef>
+          <a:fillRef idx="1">
+            <a:schemeClr val="accent1"/>
+          </a:fillRef>
+          <a:effectRef idx="0">
+            <a:schemeClr val="accent1"/>
+          </a:effectRef>
+          <a:fontRef idx="minor">
+            <a:schemeClr val="lt1"/>
+          </a:fontRef>
+        </p:style>
+        <p:txBody>
+          <a:bodyPr rtlCol="0" anchor="ctr"/>
+          <a:lstStyle/>
+          <a:p>
+            <a:pPr algn="ctr"/>
+            <a:endParaRPr lang="fr-FR"/>
+          </a:p>
+        </p:txBody>
+      </p:sp>
+      <p:sp>
+        <p:nvSpPr>
+          <p:cNvPr id="12" name="Ellipse 11">
+            <a:extLst>
+              <a:ext uri="{FF2B5EF4-FFF2-40B4-BE49-F238E27FC236}">
+                <a16:creationId xmlns:a16="http://schemas.microsoft.com/office/drawing/2014/main" id="{37F203E5-D6FD-36FC-EE73-78B653560CA0}"/>
+              </a:ext>
+            </a:extLst>
+          </p:cNvPr>
+          <p:cNvSpPr/>
+          <p:nvPr/>
+        </p:nvSpPr>
+        <p:spPr>
+          <a:xfrm>
+            <a:off x="6678248" y="2931821"/>
+            <a:ext cx="252000" cy="252000"/>
+          </a:xfrm>
+          <a:prstGeom prst="ellipse">
+            <a:avLst/>
+          </a:prstGeom>
+          <a:solidFill>
+            <a:schemeClr val="bg1"/>
+          </a:solidFill>
+          <a:ln w="19050">
+            <a:solidFill>
+              <a:srgbClr val="C00000"/>
+            </a:solidFill>
+          </a:ln>
+        </p:spPr>
+        <p:style>
+          <a:lnRef idx="2">
+            <a:schemeClr val="accent1">
+              <a:shade val="50000"/>
+            </a:schemeClr>
+          </a:lnRef>
+          <a:fillRef idx="1">
+            <a:schemeClr val="accent1"/>
+          </a:fillRef>
+          <a:effectRef idx="0">
+            <a:schemeClr val="accent1"/>
+          </a:effectRef>
+          <a:fontRef idx="minor">
+            <a:schemeClr val="lt1"/>
+          </a:fontRef>
+        </p:style>
+        <p:txBody>
+          <a:bodyPr rtlCol="0" anchor="ctr"/>
+          <a:lstStyle/>
+          <a:p>
+            <a:pPr algn="ctr"/>
+            <a:r>
+              <a:rPr lang="fr-FR" b="1" dirty="0" smtClean="0">
+                <a:ln>
+                  <a:solidFill>
+                    <a:srgbClr val="C00000"/>
+                  </a:solidFill>
+                </a:ln>
+                <a:solidFill>
+                  <a:srgbClr val="C00000"/>
+                </a:solidFill>
+              </a:rPr>
+              <a:t>3</a:t>
+            </a:r>
+            <a:endParaRPr lang="fr-FR" sz="2800" b="1" dirty="0">
+              <a:ln>
+                <a:solidFill>
+                  <a:srgbClr val="C00000"/>
+                </a:solidFill>
+              </a:ln>
+              <a:solidFill>
+                <a:srgbClr val="C00000"/>
+              </a:solidFill>
+            </a:endParaRPr>
+          </a:p>
+        </p:txBody>
+      </p:sp>
+    </p:spTree>
+    <p:extLst>
+      <p:ext uri="{BB962C8B-B14F-4D97-AF65-F5344CB8AC3E}">
+        <p14:creationId xmlns:p14="http://schemas.microsoft.com/office/powerpoint/2010/main" val="290574780"/>
       </p:ext>
     </p:extLst>
   </p:cSld>
@@ -10676,8 +11138,8 @@
               </a:p>
             </p:txBody>
           </p:sp>
-          <mc:AlternateContent xmlns:mc="http://schemas.openxmlformats.org/markup-compatibility/2006">
-            <mc:Choice xmlns:a14="http://schemas.microsoft.com/office/drawing/2010/main" Requires="a14">
+          <mc:AlternateContent xmlns:mc="http://schemas.openxmlformats.org/markup-compatibility/2006" xmlns:a14="http://schemas.microsoft.com/office/drawing/2010/main">
+            <mc:Choice Requires="a14">
               <p:sp>
                 <p:nvSpPr>
                   <p:cNvPr id="12" name="ZoneTexte 11">
@@ -10758,7 +11220,7 @@
                 </p:txBody>
               </p:sp>
             </mc:Choice>
-            <mc:Fallback>
+            <mc:Fallback xmlns="">
               <p:sp>
                 <p:nvSpPr>
                   <p:cNvPr id="12" name="ZoneTexte 11">
@@ -10803,8 +11265,8 @@
               </p:sp>
             </mc:Fallback>
           </mc:AlternateContent>
-          <mc:AlternateContent xmlns:mc="http://schemas.openxmlformats.org/markup-compatibility/2006">
-            <mc:Choice xmlns:a14="http://schemas.microsoft.com/office/drawing/2010/main" Requires="a14">
+          <mc:AlternateContent xmlns:mc="http://schemas.openxmlformats.org/markup-compatibility/2006" xmlns:a14="http://schemas.microsoft.com/office/drawing/2010/main">
+            <mc:Choice Requires="a14">
               <p:sp>
                 <p:nvSpPr>
                   <p:cNvPr id="13" name="ZoneTexte 12">
@@ -10885,7 +11347,7 @@
                 </p:txBody>
               </p:sp>
             </mc:Choice>
-            <mc:Fallback>
+            <mc:Fallback xmlns="">
               <p:sp>
                 <p:nvSpPr>
                   <p:cNvPr id="13" name="ZoneTexte 12">
@@ -10930,8 +11392,8 @@
               </p:sp>
             </mc:Fallback>
           </mc:AlternateContent>
-          <mc:AlternateContent xmlns:mc="http://schemas.openxmlformats.org/markup-compatibility/2006">
-            <mc:Choice xmlns:a14="http://schemas.microsoft.com/office/drawing/2010/main" Requires="a14">
+          <mc:AlternateContent xmlns:mc="http://schemas.openxmlformats.org/markup-compatibility/2006" xmlns:a14="http://schemas.microsoft.com/office/drawing/2010/main">
+            <mc:Choice Requires="a14">
               <p:sp>
                 <p:nvSpPr>
                   <p:cNvPr id="14" name="ZoneTexte 13">
@@ -11012,7 +11474,7 @@
                 </p:txBody>
               </p:sp>
             </mc:Choice>
-            <mc:Fallback>
+            <mc:Fallback xmlns="">
               <p:sp>
                 <p:nvSpPr>
                   <p:cNvPr id="14" name="ZoneTexte 13">
@@ -11153,8 +11615,8 @@
               </p:sp>
             </mc:Fallback>
           </mc:AlternateContent>
-          <mc:AlternateContent xmlns:mc="http://schemas.openxmlformats.org/markup-compatibility/2006">
-            <mc:Choice xmlns:a14="http://schemas.microsoft.com/office/drawing/2010/main" Requires="a14">
+          <mc:AlternateContent xmlns:mc="http://schemas.openxmlformats.org/markup-compatibility/2006" xmlns:a14="http://schemas.microsoft.com/office/drawing/2010/main">
+            <mc:Choice Requires="a14">
               <p:sp>
                 <p:nvSpPr>
                   <p:cNvPr id="16" name="ZoneTexte 15">
@@ -11235,7 +11697,7 @@
                 </p:txBody>
               </p:sp>
             </mc:Choice>
-            <mc:Fallback>
+            <mc:Fallback xmlns="">
               <p:sp>
                 <p:nvSpPr>
                   <p:cNvPr id="16" name="ZoneTexte 15">
@@ -11280,8 +11742,8 @@
               </p:sp>
             </mc:Fallback>
           </mc:AlternateContent>
-          <mc:AlternateContent xmlns:mc="http://schemas.openxmlformats.org/markup-compatibility/2006">
-            <mc:Choice xmlns:a14="http://schemas.microsoft.com/office/drawing/2010/main" Requires="a14">
+          <mc:AlternateContent xmlns:mc="http://schemas.openxmlformats.org/markup-compatibility/2006" xmlns:a14="http://schemas.microsoft.com/office/drawing/2010/main">
+            <mc:Choice Requires="a14">
               <p:sp>
                 <p:nvSpPr>
                   <p:cNvPr id="17" name="ZoneTexte 16">
@@ -11362,7 +11824,7 @@
                 </p:txBody>
               </p:sp>
             </mc:Choice>
-            <mc:Fallback>
+            <mc:Fallback xmlns="">
               <p:sp>
                 <p:nvSpPr>
                   <p:cNvPr id="17" name="ZoneTexte 16">
@@ -11835,8 +12297,8 @@
               </a:p>
             </p:txBody>
           </p:sp>
-          <mc:AlternateContent xmlns:mc="http://schemas.openxmlformats.org/markup-compatibility/2006">
-            <mc:Choice xmlns:a14="http://schemas.microsoft.com/office/drawing/2010/main" Requires="a14">
+          <mc:AlternateContent xmlns:mc="http://schemas.openxmlformats.org/markup-compatibility/2006" xmlns:a14="http://schemas.microsoft.com/office/drawing/2010/main">
+            <mc:Choice Requires="a14">
               <p:sp>
                 <p:nvSpPr>
                   <p:cNvPr id="54" name="ZoneTexte 53">
@@ -11917,7 +12379,7 @@
                 </p:txBody>
               </p:sp>
             </mc:Choice>
-            <mc:Fallback>
+            <mc:Fallback xmlns="">
               <p:sp>
                 <p:nvSpPr>
                   <p:cNvPr id="54" name="ZoneTexte 53">
@@ -11962,8 +12424,8 @@
               </p:sp>
             </mc:Fallback>
           </mc:AlternateContent>
-          <mc:AlternateContent xmlns:mc="http://schemas.openxmlformats.org/markup-compatibility/2006">
-            <mc:Choice xmlns:a14="http://schemas.microsoft.com/office/drawing/2010/main" Requires="a14">
+          <mc:AlternateContent xmlns:mc="http://schemas.openxmlformats.org/markup-compatibility/2006" xmlns:a14="http://schemas.microsoft.com/office/drawing/2010/main">
+            <mc:Choice Requires="a14">
               <p:sp>
                 <p:nvSpPr>
                   <p:cNvPr id="55" name="ZoneTexte 54">
@@ -12044,7 +12506,7 @@
                 </p:txBody>
               </p:sp>
             </mc:Choice>
-            <mc:Fallback>
+            <mc:Fallback xmlns="">
               <p:sp>
                 <p:nvSpPr>
                   <p:cNvPr id="55" name="ZoneTexte 54">
@@ -12089,8 +12551,8 @@
               </p:sp>
             </mc:Fallback>
           </mc:AlternateContent>
-          <mc:AlternateContent xmlns:mc="http://schemas.openxmlformats.org/markup-compatibility/2006">
-            <mc:Choice xmlns:a14="http://schemas.microsoft.com/office/drawing/2010/main" Requires="a14">
+          <mc:AlternateContent xmlns:mc="http://schemas.openxmlformats.org/markup-compatibility/2006" xmlns:a14="http://schemas.microsoft.com/office/drawing/2010/main">
+            <mc:Choice Requires="a14">
               <p:sp>
                 <p:nvSpPr>
                   <p:cNvPr id="56" name="ZoneTexte 55">
@@ -12171,7 +12633,7 @@
                 </p:txBody>
               </p:sp>
             </mc:Choice>
-            <mc:Fallback>
+            <mc:Fallback xmlns="">
               <p:sp>
                 <p:nvSpPr>
                   <p:cNvPr id="56" name="ZoneTexte 55">
@@ -12216,8 +12678,8 @@
               </p:sp>
             </mc:Fallback>
           </mc:AlternateContent>
-          <mc:AlternateContent xmlns:mc="http://schemas.openxmlformats.org/markup-compatibility/2006">
-            <mc:Choice xmlns:a14="http://schemas.microsoft.com/office/drawing/2010/main" Requires="a14">
+          <mc:AlternateContent xmlns:mc="http://schemas.openxmlformats.org/markup-compatibility/2006" xmlns:a14="http://schemas.microsoft.com/office/drawing/2010/main">
+            <mc:Choice Requires="a14">
               <p:sp>
                 <p:nvSpPr>
                   <p:cNvPr id="57" name="ZoneTexte 56">
@@ -12267,7 +12729,7 @@
                 </p:txBody>
               </p:sp>
             </mc:Choice>
-            <mc:Fallback>
+            <mc:Fallback xmlns="">
               <p:sp>
                 <p:nvSpPr>
                   <p:cNvPr id="57" name="ZoneTexte 56">
@@ -12312,8 +12774,8 @@
               </p:sp>
             </mc:Fallback>
           </mc:AlternateContent>
-          <mc:AlternateContent xmlns:mc="http://schemas.openxmlformats.org/markup-compatibility/2006">
-            <mc:Choice xmlns:a14="http://schemas.microsoft.com/office/drawing/2010/main" Requires="a14">
+          <mc:AlternateContent xmlns:mc="http://schemas.openxmlformats.org/markup-compatibility/2006" xmlns:a14="http://schemas.microsoft.com/office/drawing/2010/main">
+            <mc:Choice Requires="a14">
               <p:sp>
                 <p:nvSpPr>
                   <p:cNvPr id="58" name="ZoneTexte 57">
@@ -12394,7 +12856,7 @@
                 </p:txBody>
               </p:sp>
             </mc:Choice>
-            <mc:Fallback>
+            <mc:Fallback xmlns="">
               <p:sp>
                 <p:nvSpPr>
                   <p:cNvPr id="58" name="ZoneTexte 57">
@@ -12439,8 +12901,8 @@
               </p:sp>
             </mc:Fallback>
           </mc:AlternateContent>
-          <mc:AlternateContent xmlns:mc="http://schemas.openxmlformats.org/markup-compatibility/2006">
-            <mc:Choice xmlns:a14="http://schemas.microsoft.com/office/drawing/2010/main" Requires="a14">
+          <mc:AlternateContent xmlns:mc="http://schemas.openxmlformats.org/markup-compatibility/2006" xmlns:a14="http://schemas.microsoft.com/office/drawing/2010/main">
+            <mc:Choice Requires="a14">
               <p:sp>
                 <p:nvSpPr>
                   <p:cNvPr id="60" name="ZoneTexte 59">
@@ -12521,7 +12983,7 @@
                 </p:txBody>
               </p:sp>
             </mc:Choice>
-            <mc:Fallback>
+            <mc:Fallback xmlns="">
               <p:sp>
                 <p:nvSpPr>
                   <p:cNvPr id="60" name="ZoneTexte 59">
@@ -12994,8 +13456,8 @@
               </a:p>
             </p:txBody>
           </p:sp>
-          <mc:AlternateContent xmlns:mc="http://schemas.openxmlformats.org/markup-compatibility/2006">
-            <mc:Choice xmlns:a14="http://schemas.microsoft.com/office/drawing/2010/main" Requires="a14">
+          <mc:AlternateContent xmlns:mc="http://schemas.openxmlformats.org/markup-compatibility/2006" xmlns:a14="http://schemas.microsoft.com/office/drawing/2010/main">
+            <mc:Choice Requires="a14">
               <p:sp>
                 <p:nvSpPr>
                   <p:cNvPr id="80" name="ZoneTexte 79">
@@ -13076,7 +13538,7 @@
                 </p:txBody>
               </p:sp>
             </mc:Choice>
-            <mc:Fallback>
+            <mc:Fallback xmlns="">
               <p:sp>
                 <p:nvSpPr>
                   <p:cNvPr id="80" name="ZoneTexte 79">
@@ -13121,8 +13583,8 @@
               </p:sp>
             </mc:Fallback>
           </mc:AlternateContent>
-          <mc:AlternateContent xmlns:mc="http://schemas.openxmlformats.org/markup-compatibility/2006">
-            <mc:Choice xmlns:a14="http://schemas.microsoft.com/office/drawing/2010/main" Requires="a14">
+          <mc:AlternateContent xmlns:mc="http://schemas.openxmlformats.org/markup-compatibility/2006" xmlns:a14="http://schemas.microsoft.com/office/drawing/2010/main">
+            <mc:Choice Requires="a14">
               <p:sp>
                 <p:nvSpPr>
                   <p:cNvPr id="85" name="ZoneTexte 84">
@@ -13203,7 +13665,7 @@
                 </p:txBody>
               </p:sp>
             </mc:Choice>
-            <mc:Fallback>
+            <mc:Fallback xmlns="">
               <p:sp>
                 <p:nvSpPr>
                   <p:cNvPr id="85" name="ZoneTexte 84">
@@ -13248,8 +13710,8 @@
               </p:sp>
             </mc:Fallback>
           </mc:AlternateContent>
-          <mc:AlternateContent xmlns:mc="http://schemas.openxmlformats.org/markup-compatibility/2006">
-            <mc:Choice xmlns:a14="http://schemas.microsoft.com/office/drawing/2010/main" Requires="a14">
+          <mc:AlternateContent xmlns:mc="http://schemas.openxmlformats.org/markup-compatibility/2006" xmlns:a14="http://schemas.microsoft.com/office/drawing/2010/main">
+            <mc:Choice Requires="a14">
               <p:sp>
                 <p:nvSpPr>
                   <p:cNvPr id="88" name="ZoneTexte 87">
@@ -13330,7 +13792,7 @@
                 </p:txBody>
               </p:sp>
             </mc:Choice>
-            <mc:Fallback>
+            <mc:Fallback xmlns="">
               <p:sp>
                 <p:nvSpPr>
                   <p:cNvPr id="88" name="ZoneTexte 87">
@@ -13375,8 +13837,8 @@
               </p:sp>
             </mc:Fallback>
           </mc:AlternateContent>
-          <mc:AlternateContent xmlns:mc="http://schemas.openxmlformats.org/markup-compatibility/2006">
-            <mc:Choice xmlns:a14="http://schemas.microsoft.com/office/drawing/2010/main" Requires="a14">
+          <mc:AlternateContent xmlns:mc="http://schemas.openxmlformats.org/markup-compatibility/2006" xmlns:a14="http://schemas.microsoft.com/office/drawing/2010/main">
+            <mc:Choice Requires="a14">
               <p:sp>
                 <p:nvSpPr>
                   <p:cNvPr id="90" name="ZoneTexte 89">
@@ -13426,7 +13888,7 @@
                 </p:txBody>
               </p:sp>
             </mc:Choice>
-            <mc:Fallback>
+            <mc:Fallback xmlns="">
               <p:sp>
                 <p:nvSpPr>
                   <p:cNvPr id="90" name="ZoneTexte 89">
@@ -13471,8 +13933,8 @@
               </p:sp>
             </mc:Fallback>
           </mc:AlternateContent>
-          <mc:AlternateContent xmlns:mc="http://schemas.openxmlformats.org/markup-compatibility/2006">
-            <mc:Choice xmlns:a14="http://schemas.microsoft.com/office/drawing/2010/main" Requires="a14">
+          <mc:AlternateContent xmlns:mc="http://schemas.openxmlformats.org/markup-compatibility/2006" xmlns:a14="http://schemas.microsoft.com/office/drawing/2010/main">
+            <mc:Choice Requires="a14">
               <p:sp>
                 <p:nvSpPr>
                   <p:cNvPr id="91" name="ZoneTexte 90">
@@ -13553,7 +14015,7 @@
                 </p:txBody>
               </p:sp>
             </mc:Choice>
-            <mc:Fallback>
+            <mc:Fallback xmlns="">
               <p:sp>
                 <p:nvSpPr>
                   <p:cNvPr id="91" name="ZoneTexte 90">
@@ -13598,8 +14060,8 @@
               </p:sp>
             </mc:Fallback>
           </mc:AlternateContent>
-          <mc:AlternateContent xmlns:mc="http://schemas.openxmlformats.org/markup-compatibility/2006">
-            <mc:Choice xmlns:a14="http://schemas.microsoft.com/office/drawing/2010/main" Requires="a14">
+          <mc:AlternateContent xmlns:mc="http://schemas.openxmlformats.org/markup-compatibility/2006" xmlns:a14="http://schemas.microsoft.com/office/drawing/2010/main">
+            <mc:Choice Requires="a14">
               <p:sp>
                 <p:nvSpPr>
                   <p:cNvPr id="92" name="ZoneTexte 91">
@@ -13680,7 +14142,7 @@
                 </p:txBody>
               </p:sp>
             </mc:Choice>
-            <mc:Fallback>
+            <mc:Fallback xmlns="">
               <p:sp>
                 <p:nvSpPr>
                   <p:cNvPr id="92" name="ZoneTexte 91">
@@ -14085,8 +14547,8 @@
             </a:prstGeom>
           </p:spPr>
         </p:pic>
-        <mc:AlternateContent xmlns:mc="http://schemas.openxmlformats.org/markup-compatibility/2006">
-          <mc:Choice xmlns:a14="http://schemas.microsoft.com/office/drawing/2010/main" Requires="a14">
+        <mc:AlternateContent xmlns:mc="http://schemas.openxmlformats.org/markup-compatibility/2006" xmlns:a14="http://schemas.microsoft.com/office/drawing/2010/main">
+          <mc:Choice Requires="a14">
             <p:sp>
               <p:nvSpPr>
                 <p:cNvPr id="30" name="ZoneTexte 29">
@@ -14136,7 +14598,7 @@
               </p:txBody>
             </p:sp>
           </mc:Choice>
-          <mc:Fallback>
+          <mc:Fallback xmlns="">
             <p:sp>
               <p:nvSpPr>
                 <p:cNvPr id="30" name="ZoneTexte 29">
@@ -17812,8 +18274,8 @@
             </a:p>
           </p:txBody>
         </p:sp>
-        <mc:AlternateContent xmlns:mc="http://schemas.openxmlformats.org/markup-compatibility/2006">
-          <mc:Choice xmlns:a14="http://schemas.microsoft.com/office/drawing/2010/main" Requires="a14">
+        <mc:AlternateContent xmlns:mc="http://schemas.openxmlformats.org/markup-compatibility/2006" xmlns:a14="http://schemas.microsoft.com/office/drawing/2010/main">
+          <mc:Choice Requires="a14">
             <p:sp>
               <p:nvSpPr>
                 <p:cNvPr id="31" name="ZoneTexte 30">
@@ -17863,7 +18325,7 @@
               </p:txBody>
             </p:sp>
           </mc:Choice>
-          <mc:Fallback>
+          <mc:Fallback xmlns="">
             <p:sp>
               <p:nvSpPr>
                 <p:cNvPr id="31" name="ZoneTexte 30">
@@ -17908,8 +18370,8 @@
             </p:sp>
           </mc:Fallback>
         </mc:AlternateContent>
-        <mc:AlternateContent xmlns:mc="http://schemas.openxmlformats.org/markup-compatibility/2006">
-          <mc:Choice xmlns:a14="http://schemas.microsoft.com/office/drawing/2010/main" Requires="a14">
+        <mc:AlternateContent xmlns:mc="http://schemas.openxmlformats.org/markup-compatibility/2006" xmlns:a14="http://schemas.microsoft.com/office/drawing/2010/main">
+          <mc:Choice Requires="a14">
             <p:sp>
               <p:nvSpPr>
                 <p:cNvPr id="40" name="ZoneTexte 39">
@@ -17959,7 +18421,7 @@
               </p:txBody>
             </p:sp>
           </mc:Choice>
-          <mc:Fallback>
+          <mc:Fallback xmlns="">
             <p:sp>
               <p:nvSpPr>
                 <p:cNvPr id="40" name="ZoneTexte 39">
@@ -18136,8 +18598,8 @@
             </a:fontRef>
           </p:style>
         </p:cxnSp>
-        <mc:AlternateContent xmlns:mc="http://schemas.openxmlformats.org/markup-compatibility/2006">
-          <mc:Choice xmlns:a14="http://schemas.microsoft.com/office/drawing/2010/main" Requires="a14">
+        <mc:AlternateContent xmlns:mc="http://schemas.openxmlformats.org/markup-compatibility/2006" xmlns:a14="http://schemas.microsoft.com/office/drawing/2010/main">
+          <mc:Choice Requires="a14">
             <p:sp>
               <p:nvSpPr>
                 <p:cNvPr id="143" name="ZoneTexte 142">
@@ -18218,7 +18680,7 @@
               </p:txBody>
             </p:sp>
           </mc:Choice>
-          <mc:Fallback>
+          <mc:Fallback xmlns="">
             <p:sp>
               <p:nvSpPr>
                 <p:cNvPr id="143" name="ZoneTexte 142">
@@ -18263,8 +18725,8 @@
             </p:sp>
           </mc:Fallback>
         </mc:AlternateContent>
-        <mc:AlternateContent xmlns:mc="http://schemas.openxmlformats.org/markup-compatibility/2006">
-          <mc:Choice xmlns:a14="http://schemas.microsoft.com/office/drawing/2010/main" Requires="a14">
+        <mc:AlternateContent xmlns:mc="http://schemas.openxmlformats.org/markup-compatibility/2006" xmlns:a14="http://schemas.microsoft.com/office/drawing/2010/main">
+          <mc:Choice Requires="a14">
             <p:sp>
               <p:nvSpPr>
                 <p:cNvPr id="144" name="ZoneTexte 143">
@@ -18345,7 +18807,7 @@
               </p:txBody>
             </p:sp>
           </mc:Choice>
-          <mc:Fallback>
+          <mc:Fallback xmlns="">
             <p:sp>
               <p:nvSpPr>
                 <p:cNvPr id="144" name="ZoneTexte 143">
@@ -18390,8 +18852,8 @@
             </p:sp>
           </mc:Fallback>
         </mc:AlternateContent>
-        <mc:AlternateContent xmlns:mc="http://schemas.openxmlformats.org/markup-compatibility/2006">
-          <mc:Choice xmlns:a14="http://schemas.microsoft.com/office/drawing/2010/main" Requires="a14">
+        <mc:AlternateContent xmlns:mc="http://schemas.openxmlformats.org/markup-compatibility/2006" xmlns:a14="http://schemas.microsoft.com/office/drawing/2010/main">
+          <mc:Choice Requires="a14">
             <p:sp>
               <p:nvSpPr>
                 <p:cNvPr id="145" name="ZoneTexte 144">
@@ -18472,7 +18934,7 @@
               </p:txBody>
             </p:sp>
           </mc:Choice>
-          <mc:Fallback>
+          <mc:Fallback xmlns="">
             <p:sp>
               <p:nvSpPr>
                 <p:cNvPr id="145" name="ZoneTexte 144">
@@ -30958,10 +31420,228 @@
           </a:p>
         </p:txBody>
       </p:sp>
+      <p:pic>
+        <p:nvPicPr>
+          <p:cNvPr id="3" name="Image 2"/>
+          <p:cNvPicPr>
+            <a:picLocks noChangeAspect="1"/>
+          </p:cNvPicPr>
+          <p:nvPr/>
+        </p:nvPicPr>
+        <p:blipFill>
+          <a:blip r:embed="rId2"/>
+          <a:stretch>
+            <a:fillRect/>
+          </a:stretch>
+        </p:blipFill>
+        <p:spPr>
+          <a:xfrm>
+            <a:off x="1043608" y="2420888"/>
+            <a:ext cx="5328592" cy="3084184"/>
+          </a:xfrm>
+          <a:prstGeom prst="rect">
+            <a:avLst/>
+          </a:prstGeom>
+        </p:spPr>
+      </p:pic>
+      <p:sp>
+        <p:nvSpPr>
+          <p:cNvPr id="6" name="Rectangle 5"/>
+          <p:cNvSpPr/>
+          <p:nvPr/>
+        </p:nvSpPr>
+        <p:spPr>
+          <a:xfrm>
+            <a:off x="1187624" y="2564904"/>
+            <a:ext cx="864096" cy="800472"/>
+          </a:xfrm>
+          <a:prstGeom prst="rect">
+            <a:avLst/>
+          </a:prstGeom>
+          <a:noFill/>
+          <a:ln>
+            <a:solidFill>
+              <a:srgbClr val="FF0000"/>
+            </a:solidFill>
+            <a:prstDash val="sysDash"/>
+          </a:ln>
+        </p:spPr>
+        <p:style>
+          <a:lnRef idx="2">
+            <a:schemeClr val="accent1">
+              <a:shade val="50000"/>
+            </a:schemeClr>
+          </a:lnRef>
+          <a:fillRef idx="1">
+            <a:schemeClr val="accent1"/>
+          </a:fillRef>
+          <a:effectRef idx="0">
+            <a:schemeClr val="accent1"/>
+          </a:effectRef>
+          <a:fontRef idx="minor">
+            <a:schemeClr val="lt1"/>
+          </a:fontRef>
+        </p:style>
+        <p:txBody>
+          <a:bodyPr rtlCol="0" anchor="ctr"/>
+          <a:lstStyle/>
+          <a:p>
+            <a:pPr algn="ctr"/>
+            <a:endParaRPr lang="fr-FR"/>
+          </a:p>
+        </p:txBody>
+      </p:sp>
     </p:spTree>
     <p:extLst>
       <p:ext uri="{BB962C8B-B14F-4D97-AF65-F5344CB8AC3E}">
         <p14:creationId xmlns:p14="http://schemas.microsoft.com/office/powerpoint/2010/main" val="1388159120"/>
+      </p:ext>
+    </p:extLst>
+  </p:cSld>
+  <p:clrMapOvr>
+    <a:masterClrMapping/>
+  </p:clrMapOvr>
+</p:sld>
+</file>
+
+<file path=ppt/slides/slide9.xml><?xml version="1.0" encoding="utf-8"?>
+<p:sld xmlns:a="http://schemas.openxmlformats.org/drawingml/2006/main" xmlns:r="http://schemas.openxmlformats.org/officeDocument/2006/relationships" xmlns:p="http://schemas.openxmlformats.org/presentationml/2006/main">
+  <p:cSld>
+    <p:spTree>
+      <p:nvGrpSpPr>
+        <p:cNvPr id="1" name=""/>
+        <p:cNvGrpSpPr/>
+        <p:nvPr/>
+      </p:nvGrpSpPr>
+      <p:grpSpPr>
+        <a:xfrm>
+          <a:off x="0" y="0"/>
+          <a:ext cx="0" cy="0"/>
+          <a:chOff x="0" y="0"/>
+          <a:chExt cx="0" cy="0"/>
+        </a:xfrm>
+      </p:grpSpPr>
+      <p:pic>
+        <p:nvPicPr>
+          <p:cNvPr id="3" name="Image 2"/>
+          <p:cNvPicPr>
+            <a:picLocks noChangeAspect="1"/>
+          </p:cNvPicPr>
+          <p:nvPr/>
+        </p:nvPicPr>
+        <p:blipFill rotWithShape="1">
+          <a:blip r:embed="rId2"/>
+          <a:srcRect r="40541" b="11280"/>
+          <a:stretch/>
+        </p:blipFill>
+        <p:spPr>
+          <a:xfrm>
+            <a:off x="1043608" y="2420888"/>
+            <a:ext cx="3168352" cy="2736304"/>
+          </a:xfrm>
+          <a:prstGeom prst="rect">
+            <a:avLst/>
+          </a:prstGeom>
+        </p:spPr>
+      </p:pic>
+      <p:sp>
+        <p:nvSpPr>
+          <p:cNvPr id="6" name="Rectangle 5"/>
+          <p:cNvSpPr/>
+          <p:nvPr/>
+        </p:nvSpPr>
+        <p:spPr>
+          <a:xfrm>
+            <a:off x="2267744" y="4653136"/>
+            <a:ext cx="1800200" cy="360040"/>
+          </a:xfrm>
+          <a:prstGeom prst="rect">
+            <a:avLst/>
+          </a:prstGeom>
+          <a:noFill/>
+          <a:ln>
+            <a:solidFill>
+              <a:srgbClr val="FF0000"/>
+            </a:solidFill>
+            <a:prstDash val="sysDash"/>
+          </a:ln>
+        </p:spPr>
+        <p:style>
+          <a:lnRef idx="2">
+            <a:schemeClr val="accent1">
+              <a:shade val="50000"/>
+            </a:schemeClr>
+          </a:lnRef>
+          <a:fillRef idx="1">
+            <a:schemeClr val="accent1"/>
+          </a:fillRef>
+          <a:effectRef idx="0">
+            <a:schemeClr val="accent1"/>
+          </a:effectRef>
+          <a:fontRef idx="minor">
+            <a:schemeClr val="lt1"/>
+          </a:fontRef>
+        </p:style>
+        <p:txBody>
+          <a:bodyPr rtlCol="0" anchor="ctr"/>
+          <a:lstStyle/>
+          <a:p>
+            <a:pPr algn="ctr"/>
+            <a:endParaRPr lang="fr-FR"/>
+          </a:p>
+        </p:txBody>
+      </p:sp>
+      <p:sp>
+        <p:nvSpPr>
+          <p:cNvPr id="7" name="Rectangle 6"/>
+          <p:cNvSpPr/>
+          <p:nvPr/>
+        </p:nvSpPr>
+        <p:spPr>
+          <a:xfrm>
+            <a:off x="2420144" y="4805536"/>
+            <a:ext cx="999728" cy="135632"/>
+          </a:xfrm>
+          <a:prstGeom prst="rect">
+            <a:avLst/>
+          </a:prstGeom>
+          <a:noFill/>
+          <a:ln>
+            <a:solidFill>
+              <a:srgbClr val="FF0000"/>
+            </a:solidFill>
+            <a:prstDash val="solid"/>
+          </a:ln>
+        </p:spPr>
+        <p:style>
+          <a:lnRef idx="2">
+            <a:schemeClr val="accent1">
+              <a:shade val="50000"/>
+            </a:schemeClr>
+          </a:lnRef>
+          <a:fillRef idx="1">
+            <a:schemeClr val="accent1"/>
+          </a:fillRef>
+          <a:effectRef idx="0">
+            <a:schemeClr val="accent1"/>
+          </a:effectRef>
+          <a:fontRef idx="minor">
+            <a:schemeClr val="lt1"/>
+          </a:fontRef>
+        </p:style>
+        <p:txBody>
+          <a:bodyPr rtlCol="0" anchor="ctr"/>
+          <a:lstStyle/>
+          <a:p>
+            <a:pPr algn="ctr"/>
+            <a:endParaRPr lang="fr-FR"/>
+          </a:p>
+        </p:txBody>
+      </p:sp>
+    </p:spTree>
+    <p:extLst>
+      <p:ext uri="{BB962C8B-B14F-4D97-AF65-F5344CB8AC3E}">
+        <p14:creationId xmlns:p14="http://schemas.microsoft.com/office/powerpoint/2010/main" val="2521537736"/>
       </p:ext>
     </p:extLst>
   </p:cSld>
